--- a/Docu/docu4.pptx
+++ b/Docu/docu4.pptx
@@ -2,7 +2,7 @@
 <file path=ppt/presentation.xml><?xml version="1.0" encoding="utf-8"?>
 <p:presentation xmlns:a="http://schemas.openxmlformats.org/drawingml/2006/main" xmlns:r="http://schemas.openxmlformats.org/officeDocument/2006/relationships" xmlns:p="http://schemas.openxmlformats.org/presentationml/2006/main" saveSubsetFonts="1">
   <p:sldMasterIdLst>
-    <p:sldMasterId id="2147483660" r:id="rId1"/>
+    <p:sldMasterId id="2147483678" r:id="rId1"/>
   </p:sldMasterIdLst>
   <p:notesMasterIdLst>
     <p:notesMasterId r:id="rId14"/>
@@ -137,6 +137,210 @@
 </p:presentation>
 </file>
 
+<file path=ppt/revisionInfo.xml><?xml version="1.0" encoding="utf-8"?>
+<p1510:revInfo xmlns:a="http://schemas.openxmlformats.org/drawingml/2006/main" xmlns:r="http://schemas.openxmlformats.org/officeDocument/2006/relationships" xmlns:p1510="http://schemas.microsoft.com/office/powerpoint/2015/10/main">
+  <p1510:revLst>
+    <p1510:client id="{6DAD6E24-93CA-4A9D-B257-69EC82EE659B}" v="21" dt="2019-06-08T02:30:13.931"/>
+  </p1510:revLst>
+</p1510:revInfo>
+</file>
+
+<file path=ppt/changesInfos/changesInfo1.xml><?xml version="1.0" encoding="utf-8"?>
+<pc:chgInfo xmlns:a="http://schemas.openxmlformats.org/drawingml/2006/main" xmlns:r="http://schemas.openxmlformats.org/officeDocument/2006/relationships" xmlns:ac="http://schemas.microsoft.com/office/drawing/2013/main/command" xmlns:pc="http://schemas.microsoft.com/office/powerpoint/2013/main/command">
+  <pc:docChgLst>
+    <pc:chgData name="Yarithza Hasbleidy Galindo Ayala" userId="81d3b4e3-e252-4d52-8b97-5ee33ca8cec6" providerId="ADAL" clId="{6DAD6E24-93CA-4A9D-B257-69EC82EE659B}"/>
+    <pc:docChg chg="undo custSel mod modSld">
+      <pc:chgData name="Yarithza Hasbleidy Galindo Ayala" userId="81d3b4e3-e252-4d52-8b97-5ee33ca8cec6" providerId="ADAL" clId="{6DAD6E24-93CA-4A9D-B257-69EC82EE659B}" dt="2019-06-08T02:30:13.931" v="19" actId="339"/>
+      <pc:docMkLst>
+        <pc:docMk/>
+      </pc:docMkLst>
+      <pc:sldChg chg="addSp delSp modSp mod setBg">
+        <pc:chgData name="Yarithza Hasbleidy Galindo Ayala" userId="81d3b4e3-e252-4d52-8b97-5ee33ca8cec6" providerId="ADAL" clId="{6DAD6E24-93CA-4A9D-B257-69EC82EE659B}" dt="2019-06-08T02:30:13.931" v="19" actId="339"/>
+        <pc:sldMkLst>
+          <pc:docMk/>
+          <pc:sldMk cId="1936742288" sldId="257"/>
+        </pc:sldMkLst>
+        <pc:spChg chg="mod">
+          <ac:chgData name="Yarithza Hasbleidy Galindo Ayala" userId="81d3b4e3-e252-4d52-8b97-5ee33ca8cec6" providerId="ADAL" clId="{6DAD6E24-93CA-4A9D-B257-69EC82EE659B}" dt="2019-06-08T02:30:13.931" v="19" actId="339"/>
+          <ac:spMkLst>
+            <pc:docMk/>
+            <pc:sldMk cId="1936742288" sldId="257"/>
+            <ac:spMk id="5" creationId="{00000000-0000-0000-0000-000000000000}"/>
+          </ac:spMkLst>
+        </pc:spChg>
+        <pc:spChg chg="add del">
+          <ac:chgData name="Yarithza Hasbleidy Galindo Ayala" userId="81d3b4e3-e252-4d52-8b97-5ee33ca8cec6" providerId="ADAL" clId="{6DAD6E24-93CA-4A9D-B257-69EC82EE659B}" dt="2019-06-08T02:29:42.514" v="11" actId="26606"/>
+          <ac:spMkLst>
+            <pc:docMk/>
+            <pc:sldMk cId="1936742288" sldId="257"/>
+            <ac:spMk id="15" creationId="{2255CADE-DCE0-447F-B290-2AE78E5E5598}"/>
+          </ac:spMkLst>
+        </pc:spChg>
+        <pc:spChg chg="add del">
+          <ac:chgData name="Yarithza Hasbleidy Galindo Ayala" userId="81d3b4e3-e252-4d52-8b97-5ee33ca8cec6" providerId="ADAL" clId="{6DAD6E24-93CA-4A9D-B257-69EC82EE659B}" dt="2019-06-08T02:29:42.514" v="11" actId="26606"/>
+          <ac:spMkLst>
+            <pc:docMk/>
+            <pc:sldMk cId="1936742288" sldId="257"/>
+            <ac:spMk id="19" creationId="{4245587C-701C-48A1-9B6B-10C3DF81A876}"/>
+          </ac:spMkLst>
+        </pc:spChg>
+        <pc:spChg chg="add del">
+          <ac:chgData name="Yarithza Hasbleidy Galindo Ayala" userId="81d3b4e3-e252-4d52-8b97-5ee33ca8cec6" providerId="ADAL" clId="{6DAD6E24-93CA-4A9D-B257-69EC82EE659B}" dt="2019-06-08T02:29:47.593" v="13" actId="26606"/>
+          <ac:spMkLst>
+            <pc:docMk/>
+            <pc:sldMk cId="1936742288" sldId="257"/>
+            <ac:spMk id="25" creationId="{7FDAA88F-5D25-49B0-B1C5-DC899E4A58E4}"/>
+          </ac:spMkLst>
+        </pc:spChg>
+        <pc:spChg chg="add del">
+          <ac:chgData name="Yarithza Hasbleidy Galindo Ayala" userId="81d3b4e3-e252-4d52-8b97-5ee33ca8cec6" providerId="ADAL" clId="{6DAD6E24-93CA-4A9D-B257-69EC82EE659B}" dt="2019-06-08T02:29:47.593" v="13" actId="26606"/>
+          <ac:spMkLst>
+            <pc:docMk/>
+            <pc:sldMk cId="1936742288" sldId="257"/>
+            <ac:spMk id="27" creationId="{90E712EA-29C8-427E-A8F2-38BB66849315}"/>
+          </ac:spMkLst>
+        </pc:spChg>
+        <pc:spChg chg="add">
+          <ac:chgData name="Yarithza Hasbleidy Galindo Ayala" userId="81d3b4e3-e252-4d52-8b97-5ee33ca8cec6" providerId="ADAL" clId="{6DAD6E24-93CA-4A9D-B257-69EC82EE659B}" dt="2019-06-08T02:29:47.705" v="14" actId="26606"/>
+          <ac:spMkLst>
+            <pc:docMk/>
+            <pc:sldMk cId="1936742288" sldId="257"/>
+            <ac:spMk id="32" creationId="{2255CADE-DCE0-447F-B290-2AE78E5E5598}"/>
+          </ac:spMkLst>
+        </pc:spChg>
+        <pc:spChg chg="add">
+          <ac:chgData name="Yarithza Hasbleidy Galindo Ayala" userId="81d3b4e3-e252-4d52-8b97-5ee33ca8cec6" providerId="ADAL" clId="{6DAD6E24-93CA-4A9D-B257-69EC82EE659B}" dt="2019-06-08T02:29:47.705" v="14" actId="26606"/>
+          <ac:spMkLst>
+            <pc:docMk/>
+            <pc:sldMk cId="1936742288" sldId="257"/>
+            <ac:spMk id="34" creationId="{4245587C-701C-48A1-9B6B-10C3DF81A876}"/>
+          </ac:spMkLst>
+        </pc:spChg>
+        <pc:picChg chg="mod">
+          <ac:chgData name="Yarithza Hasbleidy Galindo Ayala" userId="81d3b4e3-e252-4d52-8b97-5ee33ca8cec6" providerId="ADAL" clId="{6DAD6E24-93CA-4A9D-B257-69EC82EE659B}" dt="2019-06-08T02:29:47.705" v="14" actId="26606"/>
+          <ac:picMkLst>
+            <pc:docMk/>
+            <pc:sldMk cId="1936742288" sldId="257"/>
+            <ac:picMk id="6" creationId="{29114C6D-443C-4EBA-98A4-7FFFC910A810}"/>
+          </ac:picMkLst>
+        </pc:picChg>
+        <pc:picChg chg="add del">
+          <ac:chgData name="Yarithza Hasbleidy Galindo Ayala" userId="81d3b4e3-e252-4d52-8b97-5ee33ca8cec6" providerId="ADAL" clId="{6DAD6E24-93CA-4A9D-B257-69EC82EE659B}" dt="2019-06-08T02:29:42.514" v="11" actId="26606"/>
+          <ac:picMkLst>
+            <pc:docMk/>
+            <pc:sldMk cId="1936742288" sldId="257"/>
+            <ac:picMk id="11" creationId="{22790EC5-ACA7-4536-8066-B60199F3C6DF}"/>
+          </ac:picMkLst>
+        </pc:picChg>
+        <pc:picChg chg="add del">
+          <ac:chgData name="Yarithza Hasbleidy Galindo Ayala" userId="81d3b4e3-e252-4d52-8b97-5ee33ca8cec6" providerId="ADAL" clId="{6DAD6E24-93CA-4A9D-B257-69EC82EE659B}" dt="2019-06-08T02:29:42.514" v="11" actId="26606"/>
+          <ac:picMkLst>
+            <pc:docMk/>
+            <pc:sldMk cId="1936742288" sldId="257"/>
+            <ac:picMk id="13" creationId="{CAD20AEA-7CAF-4A83-BE2E-EAF010B8B7FC}"/>
+          </ac:picMkLst>
+        </pc:picChg>
+        <pc:picChg chg="add del">
+          <ac:chgData name="Yarithza Hasbleidy Galindo Ayala" userId="81d3b4e3-e252-4d52-8b97-5ee33ca8cec6" providerId="ADAL" clId="{6DAD6E24-93CA-4A9D-B257-69EC82EE659B}" dt="2019-06-08T02:29:42.514" v="11" actId="26606"/>
+          <ac:picMkLst>
+            <pc:docMk/>
+            <pc:sldMk cId="1936742288" sldId="257"/>
+            <ac:picMk id="17" creationId="{240987D2-7FAC-4B65-A97B-0EAADE73BB32}"/>
+          </ac:picMkLst>
+        </pc:picChg>
+        <pc:picChg chg="add del">
+          <ac:chgData name="Yarithza Hasbleidy Galindo Ayala" userId="81d3b4e3-e252-4d52-8b97-5ee33ca8cec6" providerId="ADAL" clId="{6DAD6E24-93CA-4A9D-B257-69EC82EE659B}" dt="2019-06-08T02:29:42.514" v="11" actId="26606"/>
+          <ac:picMkLst>
+            <pc:docMk/>
+            <pc:sldMk cId="1936742288" sldId="257"/>
+            <ac:picMk id="21" creationId="{2E5CF545-7AAF-4A13-8871-089E929E850A}"/>
+          </ac:picMkLst>
+        </pc:picChg>
+        <pc:picChg chg="add del">
+          <ac:chgData name="Yarithza Hasbleidy Galindo Ayala" userId="81d3b4e3-e252-4d52-8b97-5ee33ca8cec6" providerId="ADAL" clId="{6DAD6E24-93CA-4A9D-B257-69EC82EE659B}" dt="2019-06-08T02:29:47.593" v="13" actId="26606"/>
+          <ac:picMkLst>
+            <pc:docMk/>
+            <pc:sldMk cId="1936742288" sldId="257"/>
+            <ac:picMk id="23" creationId="{22790EC5-ACA7-4536-8066-B60199F3C6DF}"/>
+          </ac:picMkLst>
+        </pc:picChg>
+        <pc:picChg chg="add del">
+          <ac:chgData name="Yarithza Hasbleidy Galindo Ayala" userId="81d3b4e3-e252-4d52-8b97-5ee33ca8cec6" providerId="ADAL" clId="{6DAD6E24-93CA-4A9D-B257-69EC82EE659B}" dt="2019-06-08T02:29:47.593" v="13" actId="26606"/>
+          <ac:picMkLst>
+            <pc:docMk/>
+            <pc:sldMk cId="1936742288" sldId="257"/>
+            <ac:picMk id="24" creationId="{CAD20AEA-7CAF-4A83-BE2E-EAF010B8B7FC}"/>
+          </ac:picMkLst>
+        </pc:picChg>
+        <pc:picChg chg="add del">
+          <ac:chgData name="Yarithza Hasbleidy Galindo Ayala" userId="81d3b4e3-e252-4d52-8b97-5ee33ca8cec6" providerId="ADAL" clId="{6DAD6E24-93CA-4A9D-B257-69EC82EE659B}" dt="2019-06-08T02:29:47.593" v="13" actId="26606"/>
+          <ac:picMkLst>
+            <pc:docMk/>
+            <pc:sldMk cId="1936742288" sldId="257"/>
+            <ac:picMk id="26" creationId="{65125039-CA3B-4EBD-9365-54FA912E4EDC}"/>
+          </ac:picMkLst>
+        </pc:picChg>
+        <pc:picChg chg="add del">
+          <ac:chgData name="Yarithza Hasbleidy Galindo Ayala" userId="81d3b4e3-e252-4d52-8b97-5ee33ca8cec6" providerId="ADAL" clId="{6DAD6E24-93CA-4A9D-B257-69EC82EE659B}" dt="2019-06-08T02:29:47.593" v="13" actId="26606"/>
+          <ac:picMkLst>
+            <pc:docMk/>
+            <pc:sldMk cId="1936742288" sldId="257"/>
+            <ac:picMk id="28" creationId="{F81E24BF-59C1-4F7E-B758-FC580AE6DDC0}"/>
+          </ac:picMkLst>
+        </pc:picChg>
+        <pc:picChg chg="add">
+          <ac:chgData name="Yarithza Hasbleidy Galindo Ayala" userId="81d3b4e3-e252-4d52-8b97-5ee33ca8cec6" providerId="ADAL" clId="{6DAD6E24-93CA-4A9D-B257-69EC82EE659B}" dt="2019-06-08T02:29:47.705" v="14" actId="26606"/>
+          <ac:picMkLst>
+            <pc:docMk/>
+            <pc:sldMk cId="1936742288" sldId="257"/>
+            <ac:picMk id="30" creationId="{22790EC5-ACA7-4536-8066-B60199F3C6DF}"/>
+          </ac:picMkLst>
+        </pc:picChg>
+        <pc:picChg chg="add">
+          <ac:chgData name="Yarithza Hasbleidy Galindo Ayala" userId="81d3b4e3-e252-4d52-8b97-5ee33ca8cec6" providerId="ADAL" clId="{6DAD6E24-93CA-4A9D-B257-69EC82EE659B}" dt="2019-06-08T02:29:47.705" v="14" actId="26606"/>
+          <ac:picMkLst>
+            <pc:docMk/>
+            <pc:sldMk cId="1936742288" sldId="257"/>
+            <ac:picMk id="31" creationId="{CAD20AEA-7CAF-4A83-BE2E-EAF010B8B7FC}"/>
+          </ac:picMkLst>
+        </pc:picChg>
+        <pc:picChg chg="add">
+          <ac:chgData name="Yarithza Hasbleidy Galindo Ayala" userId="81d3b4e3-e252-4d52-8b97-5ee33ca8cec6" providerId="ADAL" clId="{6DAD6E24-93CA-4A9D-B257-69EC82EE659B}" dt="2019-06-08T02:29:47.705" v="14" actId="26606"/>
+          <ac:picMkLst>
+            <pc:docMk/>
+            <pc:sldMk cId="1936742288" sldId="257"/>
+            <ac:picMk id="33" creationId="{240987D2-7FAC-4B65-A97B-0EAADE73BB32}"/>
+          </ac:picMkLst>
+        </pc:picChg>
+        <pc:picChg chg="add">
+          <ac:chgData name="Yarithza Hasbleidy Galindo Ayala" userId="81d3b4e3-e252-4d52-8b97-5ee33ca8cec6" providerId="ADAL" clId="{6DAD6E24-93CA-4A9D-B257-69EC82EE659B}" dt="2019-06-08T02:29:47.705" v="14" actId="26606"/>
+          <ac:picMkLst>
+            <pc:docMk/>
+            <pc:sldMk cId="1936742288" sldId="257"/>
+            <ac:picMk id="35" creationId="{2E5CF545-7AAF-4A13-8871-089E929E850A}"/>
+          </ac:picMkLst>
+        </pc:picChg>
+      </pc:sldChg>
+      <pc:sldChg chg="modSp">
+        <pc:chgData name="Yarithza Hasbleidy Galindo Ayala" userId="81d3b4e3-e252-4d52-8b97-5ee33ca8cec6" providerId="ADAL" clId="{6DAD6E24-93CA-4A9D-B257-69EC82EE659B}" dt="2019-06-08T02:27:23.814" v="4" actId="20577"/>
+        <pc:sldMkLst>
+          <pc:docMk/>
+          <pc:sldMk cId="2082387764" sldId="258"/>
+        </pc:sldMkLst>
+        <pc:spChg chg="mod">
+          <ac:chgData name="Yarithza Hasbleidy Galindo Ayala" userId="81d3b4e3-e252-4d52-8b97-5ee33ca8cec6" providerId="ADAL" clId="{6DAD6E24-93CA-4A9D-B257-69EC82EE659B}" dt="2019-06-08T02:27:23.814" v="4" actId="20577"/>
+          <ac:spMkLst>
+            <pc:docMk/>
+            <pc:sldMk cId="2082387764" sldId="258"/>
+            <ac:spMk id="2" creationId="{00000000-0000-0000-0000-000000000000}"/>
+          </ac:spMkLst>
+        </pc:spChg>
+      </pc:sldChg>
+    </pc:docChg>
+  </pc:docChgLst>
+</pc:chgInfo>
+</file>
+
 <file path=ppt/notesMasters/notesMaster1.xml><?xml version="1.0" encoding="utf-8"?>
 <p:notesMaster xmlns:a="http://schemas.openxmlformats.org/drawingml/2006/main" xmlns:r="http://schemas.openxmlformats.org/officeDocument/2006/relationships" xmlns:p="http://schemas.openxmlformats.org/presentationml/2006/main">
   <p:cSld>
@@ -220,7 +424,7 @@
             <a:fld id="{AC3C433B-509E-4DC7-B214-CED01993DB01}" type="datetimeFigureOut">
               <a:rPr lang="es-CO" smtClean="0"/>
               <a:pPr/>
-              <a:t>2/05/2019</a:t>
+              <a:t>7/06/2019</a:t>
             </a:fld>
             <a:endParaRPr lang="es-CO" dirty="0"/>
           </a:p>
@@ -506,6 +710,36 @@
           <a:chExt cx="0" cy="0"/>
         </a:xfrm>
       </p:grpSpPr>
+      <p:pic>
+        <p:nvPicPr>
+          <p:cNvPr id="8" name="Picture 7" descr="Droplets-SD-Title-R1d.png"/>
+          <p:cNvPicPr>
+            <a:picLocks noChangeAspect="1"/>
+          </p:cNvPicPr>
+          <p:nvPr/>
+        </p:nvPicPr>
+        <p:blipFill>
+          <a:blip r:embed="rId2">
+            <a:extLst>
+              <a:ext uri="{28A0092B-C50C-407E-A947-70E740481C1C}">
+                <a14:useLocalDpi xmlns:a14="http://schemas.microsoft.com/office/drawing/2010/main" val="0"/>
+              </a:ext>
+            </a:extLst>
+          </a:blip>
+          <a:stretch>
+            <a:fillRect/>
+          </a:stretch>
+        </p:blipFill>
+        <p:spPr>
+          <a:xfrm>
+            <a:off x="0" y="0"/>
+            <a:ext cx="9144000" cy="6858000"/>
+          </a:xfrm>
+          <a:prstGeom prst="rect">
+            <a:avLst/>
+          </a:prstGeom>
+        </p:spPr>
+      </p:pic>
       <p:sp>
         <p:nvSpPr>
           <p:cNvPr id="2" name="Title 1"/>
@@ -518,8 +752,8 @@
         </p:nvSpPr>
         <p:spPr>
           <a:xfrm>
-            <a:off x="1028020" y="1769541"/>
-            <a:ext cx="7080026" cy="1828801"/>
+            <a:off x="1313259" y="1300786"/>
+            <a:ext cx="6517482" cy="2509213"/>
           </a:xfrm>
         </p:spPr>
         <p:txBody>
@@ -528,7 +762,7 @@
           </a:bodyPr>
           <a:lstStyle>
             <a:lvl1pPr algn="ctr">
-              <a:defRPr sz="5400"/>
+              <a:defRPr sz="4800"/>
             </a:lvl1pPr>
           </a:lstStyle>
           <a:p>
@@ -552,100 +786,56 @@
         </p:nvSpPr>
         <p:spPr>
           <a:xfrm>
-            <a:off x="1028020" y="3598339"/>
-            <a:ext cx="7080026" cy="1049867"/>
-          </a:xfrm>
-        </p:spPr>
-        <p:txBody>
-          <a:bodyPr anchor="t"/>
+            <a:off x="1313259" y="3886201"/>
+            <a:ext cx="6517482" cy="1371599"/>
+          </a:xfrm>
+        </p:spPr>
+        <p:txBody>
+          <a:bodyPr>
+            <a:normAutofit/>
+          </a:bodyPr>
           <a:lstStyle>
             <a:lvl1pPr marL="0" indent="0" algn="ctr">
               <a:buNone/>
-              <a:defRPr>
+              <a:defRPr sz="2200">
                 <a:solidFill>
-                  <a:schemeClr val="tx1"/>
+                  <a:schemeClr val="bg1">
+                    <a:lumMod val="50000"/>
+                  </a:schemeClr>
                 </a:solidFill>
               </a:defRPr>
             </a:lvl1pPr>
             <a:lvl2pPr marL="457200" indent="0" algn="ctr">
               <a:buNone/>
-              <a:defRPr>
-                <a:solidFill>
-                  <a:schemeClr val="tx1">
-                    <a:tint val="75000"/>
-                  </a:schemeClr>
-                </a:solidFill>
-              </a:defRPr>
+              <a:defRPr sz="2000"/>
             </a:lvl2pPr>
             <a:lvl3pPr marL="914400" indent="0" algn="ctr">
               <a:buNone/>
-              <a:defRPr>
-                <a:solidFill>
-                  <a:schemeClr val="tx1">
-                    <a:tint val="75000"/>
-                  </a:schemeClr>
-                </a:solidFill>
-              </a:defRPr>
+              <a:defRPr sz="1800"/>
             </a:lvl3pPr>
             <a:lvl4pPr marL="1371600" indent="0" algn="ctr">
               <a:buNone/>
-              <a:defRPr>
-                <a:solidFill>
-                  <a:schemeClr val="tx1">
-                    <a:tint val="75000"/>
-                  </a:schemeClr>
-                </a:solidFill>
-              </a:defRPr>
+              <a:defRPr sz="1600"/>
             </a:lvl4pPr>
             <a:lvl5pPr marL="1828800" indent="0" algn="ctr">
               <a:buNone/>
-              <a:defRPr>
-                <a:solidFill>
-                  <a:schemeClr val="tx1">
-                    <a:tint val="75000"/>
-                  </a:schemeClr>
-                </a:solidFill>
-              </a:defRPr>
+              <a:defRPr sz="1600"/>
             </a:lvl5pPr>
             <a:lvl6pPr marL="2286000" indent="0" algn="ctr">
               <a:buNone/>
-              <a:defRPr>
-                <a:solidFill>
-                  <a:schemeClr val="tx1">
-                    <a:tint val="75000"/>
-                  </a:schemeClr>
-                </a:solidFill>
-              </a:defRPr>
+              <a:defRPr sz="1600"/>
             </a:lvl6pPr>
             <a:lvl7pPr marL="2743200" indent="0" algn="ctr">
               <a:buNone/>
-              <a:defRPr>
-                <a:solidFill>
-                  <a:schemeClr val="tx1">
-                    <a:tint val="75000"/>
-                  </a:schemeClr>
-                </a:solidFill>
-              </a:defRPr>
+              <a:defRPr sz="1600"/>
             </a:lvl7pPr>
             <a:lvl8pPr marL="3200400" indent="0" algn="ctr">
               <a:buNone/>
-              <a:defRPr>
-                <a:solidFill>
-                  <a:schemeClr val="tx1">
-                    <a:tint val="75000"/>
-                  </a:schemeClr>
-                </a:solidFill>
-              </a:defRPr>
+              <a:defRPr sz="1600"/>
             </a:lvl8pPr>
             <a:lvl9pPr marL="3657600" indent="0" algn="ctr">
               <a:buNone/>
-              <a:defRPr>
-                <a:solidFill>
-                  <a:schemeClr val="tx1">
-                    <a:tint val="75000"/>
-                  </a:schemeClr>
-                </a:solidFill>
-              </a:defRPr>
+              <a:defRPr sz="1600"/>
             </a:lvl9pPr>
           </a:lstStyle>
           <a:p>
@@ -674,7 +864,7 @@
           <a:p>
             <a:fld id="{8D87B5C2-953C-48F4-8036-8149E321EBE7}" type="datetime1">
               <a:rPr lang="es-CO" smtClean="0"/>
-              <a:t>2/05/2019</a:t>
+              <a:t>7/06/2019</a:t>
             </a:fld>
             <a:endParaRPr lang="es-CO" dirty="0"/>
           </a:p>
@@ -726,7 +916,7 @@
     </p:spTree>
     <p:extLst>
       <p:ext uri="{BB962C8B-B14F-4D97-AF65-F5344CB8AC3E}">
-        <p14:creationId xmlns:p14="http://schemas.microsoft.com/office/powerpoint/2010/main" val="1229019702"/>
+        <p14:creationId xmlns:p14="http://schemas.microsoft.com/office/powerpoint/2010/main" val="747187942"/>
       </p:ext>
     </p:extLst>
   </p:cSld>
@@ -755,7 +945,7 @@
       </p:grpSpPr>
       <p:pic>
         <p:nvPicPr>
-          <p:cNvPr id="8" name="Picture 7" descr="Slate-V2-SD-panoPhotoInset.png"/>
+          <p:cNvPr id="9" name="Picture 8" descr="Droplets-SD-Content-R1d.png"/>
           <p:cNvPicPr>
             <a:picLocks noChangeAspect="1"/>
           </p:cNvPicPr>
@@ -775,8 +965,8 @@
         </p:blipFill>
         <p:spPr>
           <a:xfrm>
-            <a:off x="743995" y="540085"/>
-            <a:ext cx="7656010" cy="3834374"/>
+            <a:off x="0" y="0"/>
+            <a:ext cx="9144000" cy="6858000"/>
           </a:xfrm>
           <a:prstGeom prst="rect">
             <a:avLst/>
@@ -795,17 +985,15 @@
         </p:nvSpPr>
         <p:spPr>
           <a:xfrm>
-            <a:off x="685354" y="4565255"/>
-            <a:ext cx="7766495" cy="543472"/>
-          </a:xfrm>
-        </p:spPr>
-        <p:txBody>
-          <a:bodyPr anchor="b">
-            <a:normAutofit/>
-          </a:bodyPr>
+            <a:off x="685346" y="4289374"/>
+            <a:ext cx="7773324" cy="811610"/>
+          </a:xfrm>
+        </p:spPr>
+        <p:txBody>
+          <a:bodyPr anchor="b"/>
           <a:lstStyle>
-            <a:lvl1pPr algn="ctr">
-              <a:defRPr sz="2800"/>
+            <a:lvl1pPr>
+              <a:defRPr sz="3200"/>
             </a:lvl1pPr>
           </a:lstStyle>
           <a:p>
@@ -829,33 +1017,49 @@
         </p:nvSpPr>
         <p:spPr>
           <a:xfrm>
-            <a:off x="926217" y="695010"/>
-            <a:ext cx="7285600" cy="3525671"/>
-          </a:xfrm>
-          <a:effectLst>
-            <a:outerShdw blurRad="38100" dist="25400" dir="4440000">
-              <a:srgbClr val="000000">
-                <a:alpha val="36000"/>
-              </a:srgbClr>
-            </a:outerShdw>
-          </a:effectLst>
-        </p:spPr>
-        <p:txBody>
-          <a:bodyPr anchor="t">
-            <a:normAutofit/>
-          </a:bodyPr>
+            <a:off x="888558" y="698261"/>
+            <a:ext cx="7366899" cy="3214136"/>
+          </a:xfrm>
+          <a:prstGeom prst="roundRect">
+            <a:avLst>
+              <a:gd name="adj" fmla="val 4944"/>
+            </a:avLst>
+          </a:prstGeom>
+          <a:noFill/>
+          <a:ln w="82550" cap="sq">
+            <a:solidFill>
+              <a:srgbClr val="EAEAEA"/>
+            </a:solidFill>
+            <a:miter lim="800000"/>
+          </a:ln>
+          <a:effectLst/>
+          <a:scene3d>
+            <a:camera prst="orthographicFront"/>
+            <a:lightRig rig="threePt" dir="t">
+              <a:rot lat="0" lon="0" rev="2700000"/>
+            </a:lightRig>
+          </a:scene3d>
+          <a:sp3d contourW="6350">
+            <a:bevelT h="38100"/>
+            <a:contourClr>
+              <a:srgbClr val="C0C0C0"/>
+            </a:contourClr>
+          </a:sp3d>
+        </p:spPr>
+        <p:txBody>
+          <a:bodyPr anchor="t"/>
           <a:lstStyle>
             <a:lvl1pPr marL="0" indent="0" algn="ctr">
               <a:buNone/>
-              <a:defRPr sz="2000"/>
+              <a:defRPr sz="3200"/>
             </a:lvl1pPr>
             <a:lvl2pPr marL="457200" indent="0">
               <a:buNone/>
-              <a:defRPr sz="2000"/>
+              <a:defRPr sz="2800"/>
             </a:lvl2pPr>
             <a:lvl3pPr marL="914400" indent="0">
               <a:buNone/>
-              <a:defRPr sz="2000"/>
+              <a:defRPr sz="2400"/>
             </a:lvl3pPr>
             <a:lvl4pPr marL="1371600" indent="0">
               <a:buNone/>
@@ -903,12 +1107,12 @@
         </p:nvSpPr>
         <p:spPr>
           <a:xfrm>
-            <a:off x="685346" y="5108728"/>
-            <a:ext cx="7765322" cy="682472"/>
-          </a:xfrm>
-        </p:spPr>
-        <p:txBody>
-          <a:bodyPr anchor="t"/>
+            <a:off x="685331" y="5108728"/>
+            <a:ext cx="7773339" cy="682472"/>
+          </a:xfrm>
+        </p:spPr>
+        <p:txBody>
+          <a:bodyPr/>
           <a:lstStyle>
             <a:lvl1pPr marL="0" indent="0" algn="ctr">
               <a:buNone/>
@@ -951,7 +1155,7 @@
             <a:pPr lvl="0"/>
             <a:r>
               <a:rPr lang="es-ES"/>
-              <a:t>Haga clic para modificar los estilos de texto del patrón</a:t>
+              <a:t>Editar los estilos de texto del patrón</a:t>
             </a:r>
           </a:p>
         </p:txBody>
@@ -973,7 +1177,7 @@
           <a:p>
             <a:fld id="{26330FAE-141A-4BFF-887C-E995FE81429D}" type="datetime1">
               <a:rPr lang="es-CO" smtClean="0"/>
-              <a:t>2/05/2019</a:t>
+              <a:t>7/06/2019</a:t>
             </a:fld>
             <a:endParaRPr lang="es-CO" dirty="0"/>
           </a:p>
@@ -1025,7 +1229,7 @@
     </p:spTree>
     <p:extLst>
       <p:ext uri="{BB962C8B-B14F-4D97-AF65-F5344CB8AC3E}">
-        <p14:creationId xmlns:p14="http://schemas.microsoft.com/office/powerpoint/2010/main" val="2992867148"/>
+        <p14:creationId xmlns:p14="http://schemas.microsoft.com/office/powerpoint/2010/main" val="3206268221"/>
       </p:ext>
     </p:extLst>
   </p:cSld>
@@ -1053,6 +1257,36 @@
           <a:chExt cx="0" cy="0"/>
         </a:xfrm>
       </p:grpSpPr>
+      <p:pic>
+        <p:nvPicPr>
+          <p:cNvPr id="9" name="Picture 8" descr="Droplets-SD-Content-R1d.png"/>
+          <p:cNvPicPr>
+            <a:picLocks noChangeAspect="1"/>
+          </p:cNvPicPr>
+          <p:nvPr/>
+        </p:nvPicPr>
+        <p:blipFill>
+          <a:blip r:embed="rId2">
+            <a:extLst>
+              <a:ext uri="{28A0092B-C50C-407E-A947-70E740481C1C}">
+                <a14:useLocalDpi xmlns:a14="http://schemas.microsoft.com/office/drawing/2010/main" val="0"/>
+              </a:ext>
+            </a:extLst>
+          </a:blip>
+          <a:stretch>
+            <a:fillRect/>
+          </a:stretch>
+        </p:blipFill>
+        <p:spPr>
+          <a:xfrm>
+            <a:off x="0" y="0"/>
+            <a:ext cx="9144000" cy="6858000"/>
+          </a:xfrm>
+          <a:prstGeom prst="rect">
+            <a:avLst/>
+          </a:prstGeom>
+        </p:spPr>
+      </p:pic>
       <p:sp>
         <p:nvSpPr>
           <p:cNvPr id="2" name="Title 1"/>
@@ -1065,14 +1299,14 @@
         </p:nvSpPr>
         <p:spPr>
           <a:xfrm>
-            <a:off x="685346" y="608437"/>
-            <a:ext cx="7765322" cy="3534344"/>
+            <a:off x="685331" y="609600"/>
+            <a:ext cx="7773339" cy="3427245"/>
           </a:xfrm>
         </p:spPr>
         <p:txBody>
           <a:bodyPr anchor="ctr"/>
           <a:lstStyle>
-            <a:lvl1pPr>
+            <a:lvl1pPr algn="ctr">
               <a:defRPr sz="3200"/>
             </a:lvl1pPr>
           </a:lstStyle>
@@ -1097,8 +1331,8 @@
         </p:nvSpPr>
         <p:spPr>
           <a:xfrm>
-            <a:off x="685346" y="4295180"/>
-            <a:ext cx="7765322" cy="1501826"/>
+            <a:off x="685331" y="4204821"/>
+            <a:ext cx="7773339" cy="1586380"/>
           </a:xfrm>
         </p:spPr>
         <p:txBody>
@@ -1145,7 +1379,7 @@
             <a:pPr lvl="0"/>
             <a:r>
               <a:rPr lang="es-ES"/>
-              <a:t>Haga clic para modificar los estilos de texto del patrón</a:t>
+              <a:t>Editar los estilos de texto del patrón</a:t>
             </a:r>
           </a:p>
         </p:txBody>
@@ -1167,7 +1401,7 @@
           <a:p>
             <a:fld id="{26330FAE-141A-4BFF-887C-E995FE81429D}" type="datetime1">
               <a:rPr lang="es-CO" smtClean="0"/>
-              <a:t>2/05/2019</a:t>
+              <a:t>7/06/2019</a:t>
             </a:fld>
             <a:endParaRPr lang="es-CO" dirty="0"/>
           </a:p>
@@ -1219,7 +1453,7 @@
     </p:spTree>
     <p:extLst>
       <p:ext uri="{BB962C8B-B14F-4D97-AF65-F5344CB8AC3E}">
-        <p14:creationId xmlns:p14="http://schemas.microsoft.com/office/powerpoint/2010/main" val="3077906398"/>
+        <p14:creationId xmlns:p14="http://schemas.microsoft.com/office/powerpoint/2010/main" val="2518530772"/>
       </p:ext>
     </p:extLst>
   </p:cSld>
@@ -1247,6 +1481,36 @@
           <a:chExt cx="0" cy="0"/>
         </a:xfrm>
       </p:grpSpPr>
+      <p:pic>
+        <p:nvPicPr>
+          <p:cNvPr id="13" name="Picture 12" descr="Droplets-SD-Content-R1d.png"/>
+          <p:cNvPicPr>
+            <a:picLocks noChangeAspect="1"/>
+          </p:cNvPicPr>
+          <p:nvPr/>
+        </p:nvPicPr>
+        <p:blipFill>
+          <a:blip r:embed="rId2">
+            <a:extLst>
+              <a:ext uri="{28A0092B-C50C-407E-A947-70E740481C1C}">
+                <a14:useLocalDpi xmlns:a14="http://schemas.microsoft.com/office/drawing/2010/main" val="0"/>
+              </a:ext>
+            </a:extLst>
+          </a:blip>
+          <a:stretch>
+            <a:fillRect/>
+          </a:stretch>
+        </p:blipFill>
+        <p:spPr>
+          <a:xfrm>
+            <a:off x="0" y="0"/>
+            <a:ext cx="9144000" cy="6858000"/>
+          </a:xfrm>
+          <a:prstGeom prst="rect">
+            <a:avLst/>
+          </a:prstGeom>
+        </p:spPr>
+      </p:pic>
       <p:sp>
         <p:nvSpPr>
           <p:cNvPr id="2" name="Title 1"/>
@@ -1259,8 +1523,8 @@
         </p:nvSpPr>
         <p:spPr>
           <a:xfrm>
-            <a:off x="1084659" y="609600"/>
-            <a:ext cx="6977064" cy="2992904"/>
+            <a:off x="1084659" y="872588"/>
+            <a:ext cx="6977064" cy="2729915"/>
           </a:xfrm>
         </p:spPr>
         <p:txBody>
@@ -1291,8 +1555,8 @@
         </p:nvSpPr>
         <p:spPr>
           <a:xfrm>
-            <a:off x="1290484" y="3610033"/>
-            <a:ext cx="6564224" cy="532749"/>
+            <a:off x="1290484" y="3610032"/>
+            <a:ext cx="6564224" cy="594788"/>
           </a:xfrm>
         </p:spPr>
         <p:txBody>
@@ -1300,7 +1564,7 @@
             <a:normAutofit/>
           </a:bodyPr>
           <a:lstStyle>
-            <a:lvl1pPr marL="0" indent="0" algn="r">
+            <a:lvl1pPr marL="0" indent="0">
               <a:buNone/>
               <a:defRPr sz="1400"/>
             </a:lvl1pPr>
@@ -1341,7 +1605,7 @@
             <a:pPr lvl="0"/>
             <a:r>
               <a:rPr lang="es-ES"/>
-              <a:t>Haga clic para modificar los estilos de texto del patrón</a:t>
+              <a:t>Editar los estilos de texto del patrón</a:t>
             </a:r>
           </a:p>
         </p:txBody>
@@ -1358,8 +1622,8 @@
         </p:nvSpPr>
         <p:spPr>
           <a:xfrm>
-            <a:off x="685346" y="4304353"/>
-            <a:ext cx="7765322" cy="1489496"/>
+            <a:off x="685331" y="4372797"/>
+            <a:ext cx="7773339" cy="1421053"/>
           </a:xfrm>
         </p:spPr>
         <p:txBody>
@@ -1408,7 +1672,7 @@
             <a:pPr lvl="0"/>
             <a:r>
               <a:rPr lang="es-ES"/>
-              <a:t>Haga clic para modificar los estilos de texto del patrón</a:t>
+              <a:t>Editar los estilos de texto del patrón</a:t>
             </a:r>
           </a:p>
         </p:txBody>
@@ -1430,7 +1694,7 @@
           <a:p>
             <a:fld id="{26330FAE-141A-4BFF-887C-E995FE81429D}" type="datetime1">
               <a:rPr lang="es-CO" smtClean="0"/>
-              <a:t>2/05/2019</a:t>
+              <a:t>7/06/2019</a:t>
             </a:fld>
             <a:endParaRPr lang="es-CO" dirty="0"/>
           </a:p>
@@ -1487,8 +1751,8 @@
         </p:nvSpPr>
         <p:spPr>
           <a:xfrm>
-            <a:off x="627459" y="873912"/>
-            <a:ext cx="457200" cy="584776"/>
+            <a:off x="737626" y="887859"/>
+            <a:ext cx="546888" cy="584776"/>
           </a:xfrm>
           <a:prstGeom prst="rect">
             <a:avLst/>
@@ -1597,14 +1861,14 @@
       </p:sp>
       <p:sp>
         <p:nvSpPr>
-          <p:cNvPr id="13" name="TextBox 12"/>
+          <p:cNvPr id="14" name="TextBox 13"/>
           <p:cNvSpPr txBox="1"/>
           <p:nvPr/>
         </p:nvSpPr>
         <p:spPr>
           <a:xfrm>
-            <a:off x="7828359" y="2933245"/>
-            <a:ext cx="457200" cy="584776"/>
+            <a:off x="7850130" y="3120015"/>
+            <a:ext cx="553641" cy="584776"/>
           </a:xfrm>
           <a:prstGeom prst="rect">
             <a:avLst/>
@@ -1714,7 +1978,7 @@
     </p:spTree>
     <p:extLst>
       <p:ext uri="{BB962C8B-B14F-4D97-AF65-F5344CB8AC3E}">
-        <p14:creationId xmlns:p14="http://schemas.microsoft.com/office/powerpoint/2010/main" val="4233643025"/>
+        <p14:creationId xmlns:p14="http://schemas.microsoft.com/office/powerpoint/2010/main" val="4063226238"/>
       </p:ext>
     </p:extLst>
   </p:cSld>
@@ -1742,6 +2006,36 @@
           <a:chExt cx="0" cy="0"/>
         </a:xfrm>
       </p:grpSpPr>
+      <p:pic>
+        <p:nvPicPr>
+          <p:cNvPr id="9" name="Picture 8" descr="Droplets-SD-Content-R1d.png"/>
+          <p:cNvPicPr>
+            <a:picLocks noChangeAspect="1"/>
+          </p:cNvPicPr>
+          <p:nvPr/>
+        </p:nvPicPr>
+        <p:blipFill>
+          <a:blip r:embed="rId2">
+            <a:extLst>
+              <a:ext uri="{28A0092B-C50C-407E-A947-70E740481C1C}">
+                <a14:useLocalDpi xmlns:a14="http://schemas.microsoft.com/office/drawing/2010/main" val="0"/>
+              </a:ext>
+            </a:extLst>
+          </a:blip>
+          <a:stretch>
+            <a:fillRect/>
+          </a:stretch>
+        </p:blipFill>
+        <p:spPr>
+          <a:xfrm>
+            <a:off x="0" y="0"/>
+            <a:ext cx="9144000" cy="6858000"/>
+          </a:xfrm>
+          <a:prstGeom prst="rect">
+            <a:avLst/>
+          </a:prstGeom>
+        </p:spPr>
+      </p:pic>
       <p:sp>
         <p:nvSpPr>
           <p:cNvPr id="2" name="Title 1"/>
@@ -1754,14 +2048,14 @@
         </p:nvSpPr>
         <p:spPr>
           <a:xfrm>
-            <a:off x="685346" y="2126943"/>
-            <a:ext cx="7765322" cy="2511835"/>
+            <a:off x="685331" y="2138722"/>
+            <a:ext cx="7773339" cy="2511835"/>
           </a:xfrm>
         </p:spPr>
         <p:txBody>
           <a:bodyPr anchor="b"/>
           <a:lstStyle>
-            <a:lvl1pPr>
+            <a:lvl1pPr algn="ctr">
               <a:defRPr sz="3200"/>
             </a:lvl1pPr>
           </a:lstStyle>
@@ -1786,8 +2080,8 @@
         </p:nvSpPr>
         <p:spPr>
           <a:xfrm>
-            <a:off x="685339" y="4650556"/>
-            <a:ext cx="7764149" cy="1140644"/>
+            <a:off x="685331" y="4662335"/>
+            <a:ext cx="7773339" cy="1140644"/>
           </a:xfrm>
         </p:spPr>
         <p:txBody>
@@ -1834,7 +2128,7 @@
             <a:pPr lvl="0"/>
             <a:r>
               <a:rPr lang="es-ES"/>
-              <a:t>Haga clic para modificar los estilos de texto del patrón</a:t>
+              <a:t>Editar los estilos de texto del patrón</a:t>
             </a:r>
           </a:p>
         </p:txBody>
@@ -1856,7 +2150,7 @@
           <a:p>
             <a:fld id="{26330FAE-141A-4BFF-887C-E995FE81429D}" type="datetime1">
               <a:rPr lang="es-CO" smtClean="0"/>
-              <a:t>2/05/2019</a:t>
+              <a:t>7/06/2019</a:t>
             </a:fld>
             <a:endParaRPr lang="es-CO" dirty="0"/>
           </a:p>
@@ -1908,7 +2202,7 @@
     </p:spTree>
     <p:extLst>
       <p:ext uri="{BB962C8B-B14F-4D97-AF65-F5344CB8AC3E}">
-        <p14:creationId xmlns:p14="http://schemas.microsoft.com/office/powerpoint/2010/main" val="2646599343"/>
+        <p14:creationId xmlns:p14="http://schemas.microsoft.com/office/powerpoint/2010/main" val="1143991473"/>
       </p:ext>
     </p:extLst>
   </p:cSld>
@@ -1936,6 +2230,36 @@
           <a:chExt cx="0" cy="0"/>
         </a:xfrm>
       </p:grpSpPr>
+      <p:pic>
+        <p:nvPicPr>
+          <p:cNvPr id="14" name="Picture 13" descr="Droplets-SD-Content-R1d.png"/>
+          <p:cNvPicPr>
+            <a:picLocks noChangeAspect="1"/>
+          </p:cNvPicPr>
+          <p:nvPr/>
+        </p:nvPicPr>
+        <p:blipFill>
+          <a:blip r:embed="rId2">
+            <a:extLst>
+              <a:ext uri="{28A0092B-C50C-407E-A947-70E740481C1C}">
+                <a14:useLocalDpi xmlns:a14="http://schemas.microsoft.com/office/drawing/2010/main" val="0"/>
+              </a:ext>
+            </a:extLst>
+          </a:blip>
+          <a:stretch>
+            <a:fillRect/>
+          </a:stretch>
+        </p:blipFill>
+        <p:spPr>
+          <a:xfrm>
+            <a:off x="0" y="0"/>
+            <a:ext cx="9144000" cy="6858000"/>
+          </a:xfrm>
+          <a:prstGeom prst="rect">
+            <a:avLst/>
+          </a:prstGeom>
+        </p:spPr>
+      </p:pic>
       <p:sp>
         <p:nvSpPr>
           <p:cNvPr id="15" name="Title 1"/>
@@ -1948,8 +2272,8 @@
         </p:nvSpPr>
         <p:spPr>
           <a:xfrm>
-            <a:off x="685346" y="609600"/>
-            <a:ext cx="7765322" cy="970450"/>
+            <a:off x="685331" y="609600"/>
+            <a:ext cx="7773339" cy="1605094"/>
           </a:xfrm>
         </p:spPr>
         <p:txBody>
@@ -1976,8 +2300,8 @@
         </p:nvSpPr>
         <p:spPr>
           <a:xfrm>
-            <a:off x="685346" y="1885950"/>
-            <a:ext cx="2475738" cy="576262"/>
+            <a:off x="685331" y="2367093"/>
+            <a:ext cx="2474232" cy="576262"/>
           </a:xfrm>
         </p:spPr>
         <p:txBody>
@@ -1986,6 +2310,9 @@
           </a:bodyPr>
           <a:lstStyle>
             <a:lvl1pPr marL="0" indent="0" algn="ctr">
+              <a:lnSpc>
+                <a:spcPct val="75000"/>
+              </a:lnSpc>
               <a:buNone/>
               <a:defRPr sz="2400" b="0">
                 <a:solidFill>
@@ -2030,7 +2357,7 @@
             <a:pPr lvl="0"/>
             <a:r>
               <a:rPr lang="es-ES"/>
-              <a:t>Haga clic para modificar los estilos de texto del patrón</a:t>
+              <a:t>Editar los estilos de texto del patrón</a:t>
             </a:r>
           </a:p>
         </p:txBody>
@@ -2047,8 +2374,8 @@
         </p:nvSpPr>
         <p:spPr>
           <a:xfrm>
-            <a:off x="685346" y="2571750"/>
-            <a:ext cx="2475738" cy="3219450"/>
+            <a:off x="685331" y="2943356"/>
+            <a:ext cx="2474232" cy="2847845"/>
           </a:xfrm>
         </p:spPr>
         <p:txBody>
@@ -2097,7 +2424,7 @@
             <a:pPr lvl="0"/>
             <a:r>
               <a:rPr lang="es-ES"/>
-              <a:t>Haga clic para modificar los estilos de texto del patrón</a:t>
+              <a:t>Editar los estilos de texto del patrón</a:t>
             </a:r>
           </a:p>
         </p:txBody>
@@ -2114,8 +2441,8 @@
         </p:nvSpPr>
         <p:spPr>
           <a:xfrm>
-            <a:off x="3335033" y="1885950"/>
-            <a:ext cx="2475738" cy="576262"/>
+            <a:off x="3339292" y="2367093"/>
+            <a:ext cx="2468641" cy="576262"/>
           </a:xfrm>
         </p:spPr>
         <p:txBody>
@@ -2124,6 +2451,9 @@
           </a:bodyPr>
           <a:lstStyle>
             <a:lvl1pPr marL="0" indent="0" algn="ctr">
+              <a:lnSpc>
+                <a:spcPct val="75000"/>
+              </a:lnSpc>
               <a:buNone/>
               <a:defRPr sz="2400" b="0">
                 <a:solidFill>
@@ -2168,7 +2498,7 @@
             <a:pPr lvl="0"/>
             <a:r>
               <a:rPr lang="es-ES"/>
-              <a:t>Haga clic para modificar los estilos de texto del patrón</a:t>
+              <a:t>Editar los estilos de texto del patrón</a:t>
             </a:r>
           </a:p>
         </p:txBody>
@@ -2185,8 +2515,8 @@
         </p:nvSpPr>
         <p:spPr>
           <a:xfrm>
-            <a:off x="3331076" y="2571750"/>
-            <a:ext cx="2475738" cy="3219450"/>
+            <a:off x="3331012" y="2943356"/>
+            <a:ext cx="2477513" cy="2847845"/>
           </a:xfrm>
         </p:spPr>
         <p:txBody>
@@ -2235,7 +2565,7 @@
             <a:pPr lvl="0"/>
             <a:r>
               <a:rPr lang="es-ES"/>
-              <a:t>Haga clic para modificar los estilos de texto del patrón</a:t>
+              <a:t>Editar los estilos de texto del patrón</a:t>
             </a:r>
           </a:p>
         </p:txBody>
@@ -2252,8 +2582,8 @@
         </p:nvSpPr>
         <p:spPr>
           <a:xfrm>
-            <a:off x="5974929" y="1885950"/>
-            <a:ext cx="2475738" cy="576262"/>
+            <a:off x="5979974" y="2367093"/>
+            <a:ext cx="2478696" cy="576262"/>
           </a:xfrm>
         </p:spPr>
         <p:txBody>
@@ -2262,6 +2592,9 @@
           </a:bodyPr>
           <a:lstStyle>
             <a:lvl1pPr marL="0" indent="0" algn="ctr">
+              <a:lnSpc>
+                <a:spcPct val="75000"/>
+              </a:lnSpc>
               <a:buNone/>
               <a:defRPr sz="2400" b="0">
                 <a:solidFill>
@@ -2306,7 +2639,7 @@
             <a:pPr lvl="0"/>
             <a:r>
               <a:rPr lang="es-ES"/>
-              <a:t>Haga clic para modificar los estilos de texto del patrón</a:t>
+              <a:t>Editar los estilos de texto del patrón</a:t>
             </a:r>
           </a:p>
         </p:txBody>
@@ -2323,8 +2656,8 @@
         </p:nvSpPr>
         <p:spPr>
           <a:xfrm>
-            <a:off x="5974929" y="2571750"/>
-            <a:ext cx="2475738" cy="3219450"/>
+            <a:off x="5979974" y="2943356"/>
+            <a:ext cx="2478696" cy="2847845"/>
           </a:xfrm>
         </p:spPr>
         <p:txBody>
@@ -2373,7 +2706,7 @@
             <a:pPr lvl="0"/>
             <a:r>
               <a:rPr lang="es-ES"/>
-              <a:t>Haga clic para modificar los estilos de texto del patrón</a:t>
+              <a:t>Editar los estilos de texto del patrón</a:t>
             </a:r>
           </a:p>
         </p:txBody>
@@ -2395,7 +2728,7 @@
           <a:p>
             <a:fld id="{26330FAE-141A-4BFF-887C-E995FE81429D}" type="datetime1">
               <a:rPr lang="es-CO" smtClean="0"/>
-              <a:t>2/05/2019</a:t>
+              <a:t>7/06/2019</a:t>
             </a:fld>
             <a:endParaRPr lang="es-CO" dirty="0"/>
           </a:p>
@@ -2447,7 +2780,7 @@
     </p:spTree>
     <p:extLst>
       <p:ext uri="{BB962C8B-B14F-4D97-AF65-F5344CB8AC3E}">
-        <p14:creationId xmlns:p14="http://schemas.microsoft.com/office/powerpoint/2010/main" val="487454487"/>
+        <p14:creationId xmlns:p14="http://schemas.microsoft.com/office/powerpoint/2010/main" val="1585327204"/>
       </p:ext>
     </p:extLst>
   </p:cSld>
@@ -2477,7 +2810,7 @@
       </p:grpSpPr>
       <p:pic>
         <p:nvPicPr>
-          <p:cNvPr id="6" name="Picture 5" descr="Slate-V2-SD-3colPhotoInset.png"/>
+          <p:cNvPr id="17" name="Picture 16" descr="Droplets-SD-Content-R1d.png"/>
           <p:cNvPicPr>
             <a:picLocks noChangeAspect="1"/>
           </p:cNvPicPr>
@@ -2497,74 +2830,14 @@
         </p:blipFill>
         <p:spPr>
           <a:xfrm>
-            <a:off x="659239" y="1826045"/>
-            <a:ext cx="2529046" cy="1833558"/>
+            <a:off x="0" y="0"/>
+            <a:ext cx="9144000" cy="6858000"/>
           </a:xfrm>
           <a:prstGeom prst="rect">
             <a:avLst/>
           </a:prstGeom>
         </p:spPr>
       </p:pic>
-      <p:pic>
-        <p:nvPicPr>
-          <p:cNvPr id="28" name="Picture 27" descr="Slate-V2-SD-3colPhotoInset.png"/>
-          <p:cNvPicPr>
-            <a:picLocks noChangeAspect="1"/>
-          </p:cNvPicPr>
-          <p:nvPr/>
-        </p:nvPicPr>
-        <p:blipFill>
-          <a:blip r:embed="rId2">
-            <a:extLst>
-              <a:ext uri="{28A0092B-C50C-407E-A947-70E740481C1C}">
-                <a14:useLocalDpi xmlns:a14="http://schemas.microsoft.com/office/drawing/2010/main" val="0"/>
-              </a:ext>
-            </a:extLst>
-          </a:blip>
-          <a:stretch>
-            <a:fillRect/>
-          </a:stretch>
-        </p:blipFill>
-        <p:spPr>
-          <a:xfrm>
-            <a:off x="3293813" y="1826045"/>
-            <a:ext cx="2529046" cy="1833558"/>
-          </a:xfrm>
-          <a:prstGeom prst="rect">
-            <a:avLst/>
-          </a:prstGeom>
-        </p:spPr>
-      </p:pic>
-      <p:pic>
-        <p:nvPicPr>
-          <p:cNvPr id="29" name="Picture 28" descr="Slate-V2-SD-3colPhotoInset.png"/>
-          <p:cNvPicPr>
-            <a:picLocks noChangeAspect="1"/>
-          </p:cNvPicPr>
-          <p:nvPr/>
-        </p:nvPicPr>
-        <p:blipFill>
-          <a:blip r:embed="rId2">
-            <a:extLst>
-              <a:ext uri="{28A0092B-C50C-407E-A947-70E740481C1C}">
-                <a14:useLocalDpi xmlns:a14="http://schemas.microsoft.com/office/drawing/2010/main" val="0"/>
-              </a:ext>
-            </a:extLst>
-          </a:blip>
-          <a:stretch>
-            <a:fillRect/>
-          </a:stretch>
-        </p:blipFill>
-        <p:spPr>
-          <a:xfrm>
-            <a:off x="5921715" y="1826045"/>
-            <a:ext cx="2529046" cy="1833558"/>
-          </a:xfrm>
-          <a:prstGeom prst="rect">
-            <a:avLst/>
-          </a:prstGeom>
-        </p:spPr>
-      </p:pic>
       <p:sp>
         <p:nvSpPr>
           <p:cNvPr id="30" name="Title 1"/>
@@ -2577,8 +2850,8 @@
         </p:nvSpPr>
         <p:spPr>
           <a:xfrm>
-            <a:off x="685346" y="609600"/>
-            <a:ext cx="7765322" cy="970450"/>
+            <a:off x="685331" y="610772"/>
+            <a:ext cx="7773339" cy="1603922"/>
           </a:xfrm>
         </p:spPr>
         <p:txBody>
@@ -2605,8 +2878,8 @@
         </p:nvSpPr>
         <p:spPr>
           <a:xfrm>
-            <a:off x="685346" y="3904106"/>
-            <a:ext cx="2475738" cy="576262"/>
+            <a:off x="685331" y="4204820"/>
+            <a:ext cx="2472307" cy="576262"/>
           </a:xfrm>
         </p:spPr>
         <p:txBody>
@@ -2615,8 +2888,11 @@
           </a:bodyPr>
           <a:lstStyle>
             <a:lvl1pPr marL="0" indent="0" algn="ctr">
-              <a:buNone/>
-              <a:defRPr sz="2000" b="0">
+              <a:lnSpc>
+                <a:spcPct val="75000"/>
+              </a:lnSpc>
+              <a:buNone/>
+              <a:defRPr sz="2200" b="0">
                 <a:solidFill>
                   <a:schemeClr val="tx1"/>
                 </a:solidFill>
@@ -2659,7 +2935,7 @@
             <a:pPr lvl="0"/>
             <a:r>
               <a:rPr lang="es-ES"/>
-              <a:t>Haga clic para modificar los estilos de texto del patrón</a:t>
+              <a:t>Editar los estilos de texto del patrón</a:t>
             </a:r>
           </a:p>
         </p:txBody>
@@ -2676,21 +2952,34 @@
         </p:nvSpPr>
         <p:spPr>
           <a:xfrm>
-            <a:off x="763577" y="1938918"/>
-            <a:ext cx="2319276" cy="1602954"/>
+            <a:off x="685331" y="2367093"/>
+            <a:ext cx="2472307" cy="1524000"/>
           </a:xfrm>
           <a:prstGeom prst="roundRect">
             <a:avLst>
-              <a:gd name="adj" fmla="val 1858"/>
+              <a:gd name="adj" fmla="val 9363"/>
             </a:avLst>
           </a:prstGeom>
-          <a:effectLst>
-            <a:outerShdw blurRad="38100" dist="25400" dir="4440000">
-              <a:srgbClr val="000000">
-                <a:alpha val="36000"/>
-              </a:srgbClr>
-            </a:outerShdw>
-          </a:effectLst>
+          <a:noFill/>
+          <a:ln w="82550" cap="sq">
+            <a:solidFill>
+              <a:srgbClr val="EAEAEA"/>
+            </a:solidFill>
+            <a:miter lim="800000"/>
+          </a:ln>
+          <a:effectLst/>
+          <a:scene3d>
+            <a:camera prst="orthographicFront"/>
+            <a:lightRig rig="threePt" dir="t">
+              <a:rot lat="0" lon="0" rev="2700000"/>
+            </a:lightRig>
+          </a:scene3d>
+          <a:sp3d contourW="6350">
+            <a:bevelT h="38100"/>
+            <a:contourClr>
+              <a:srgbClr val="C0C0C0"/>
+            </a:contourClr>
+          </a:sp3d>
         </p:spPr>
         <p:txBody>
           <a:bodyPr anchor="t">
@@ -2755,8 +3044,8 @@
         </p:nvSpPr>
         <p:spPr>
           <a:xfrm>
-            <a:off x="685346" y="4480369"/>
-            <a:ext cx="2475738" cy="1310833"/>
+            <a:off x="685331" y="4781082"/>
+            <a:ext cx="2472307" cy="1010118"/>
           </a:xfrm>
         </p:spPr>
         <p:txBody>
@@ -2805,7 +3094,7 @@
             <a:pPr lvl="0"/>
             <a:r>
               <a:rPr lang="es-ES"/>
-              <a:t>Haga clic para modificar los estilos de texto del patrón</a:t>
+              <a:t>Editar los estilos de texto del patrón</a:t>
             </a:r>
           </a:p>
         </p:txBody>
@@ -2822,8 +3111,8 @@
         </p:nvSpPr>
         <p:spPr>
           <a:xfrm>
-            <a:off x="3332091" y="3904106"/>
-            <a:ext cx="2475738" cy="576262"/>
+            <a:off x="3332069" y="4204820"/>
+            <a:ext cx="2476371" cy="576262"/>
           </a:xfrm>
         </p:spPr>
         <p:txBody>
@@ -2832,8 +3121,11 @@
           </a:bodyPr>
           <a:lstStyle>
             <a:lvl1pPr marL="0" indent="0" algn="ctr">
-              <a:buNone/>
-              <a:defRPr sz="2000" b="0">
+              <a:lnSpc>
+                <a:spcPct val="75000"/>
+              </a:lnSpc>
+              <a:buNone/>
+              <a:defRPr sz="2200" b="0">
                 <a:solidFill>
                   <a:schemeClr val="tx1"/>
                 </a:solidFill>
@@ -2876,7 +3168,7 @@
             <a:pPr lvl="0"/>
             <a:r>
               <a:rPr lang="es-ES"/>
-              <a:t>Haga clic para modificar los estilos de texto del patrón</a:t>
+              <a:t>Editar los estilos de texto del patrón</a:t>
             </a:r>
           </a:p>
         </p:txBody>
@@ -2893,21 +3185,34 @@
         </p:nvSpPr>
         <p:spPr>
           <a:xfrm>
-            <a:off x="3409307" y="1939094"/>
-            <a:ext cx="2319276" cy="1608164"/>
+            <a:off x="3331011" y="2367093"/>
+            <a:ext cx="2477514" cy="1524000"/>
           </a:xfrm>
           <a:prstGeom prst="roundRect">
             <a:avLst>
-              <a:gd name="adj" fmla="val 1858"/>
+              <a:gd name="adj" fmla="val 8841"/>
             </a:avLst>
           </a:prstGeom>
-          <a:effectLst>
-            <a:outerShdw blurRad="38100" dist="25400" dir="4440000">
-              <a:srgbClr val="000000">
-                <a:alpha val="36000"/>
-              </a:srgbClr>
-            </a:outerShdw>
-          </a:effectLst>
+          <a:noFill/>
+          <a:ln w="82550" cap="sq">
+            <a:solidFill>
+              <a:srgbClr val="EAEAEA"/>
+            </a:solidFill>
+            <a:miter lim="800000"/>
+          </a:ln>
+          <a:effectLst/>
+          <a:scene3d>
+            <a:camera prst="orthographicFront"/>
+            <a:lightRig rig="threePt" dir="t">
+              <a:rot lat="0" lon="0" rev="2700000"/>
+            </a:lightRig>
+          </a:scene3d>
+          <a:sp3d contourW="6350">
+            <a:bevelT h="38100"/>
+            <a:contourClr>
+              <a:srgbClr val="C0C0C0"/>
+            </a:contourClr>
+          </a:sp3d>
         </p:spPr>
         <p:txBody>
           <a:bodyPr anchor="t">
@@ -2972,8 +3277,8 @@
         </p:nvSpPr>
         <p:spPr>
           <a:xfrm>
-            <a:off x="3331075" y="4480368"/>
-            <a:ext cx="2476753" cy="1310833"/>
+            <a:off x="3331011" y="4781081"/>
+            <a:ext cx="2477514" cy="1010119"/>
           </a:xfrm>
         </p:spPr>
         <p:txBody>
@@ -3022,7 +3327,7 @@
             <a:pPr lvl="0"/>
             <a:r>
               <a:rPr lang="es-ES"/>
-              <a:t>Haga clic para modificar los estilos de texto del patrón</a:t>
+              <a:t>Editar los estilos de texto del patrón</a:t>
             </a:r>
           </a:p>
         </p:txBody>
@@ -3039,8 +3344,8 @@
         </p:nvSpPr>
         <p:spPr>
           <a:xfrm>
-            <a:off x="5975023" y="3904106"/>
-            <a:ext cx="2475738" cy="576262"/>
+            <a:off x="5979974" y="4204820"/>
+            <a:ext cx="2475511" cy="576262"/>
           </a:xfrm>
         </p:spPr>
         <p:txBody>
@@ -3049,8 +3354,11 @@
           </a:bodyPr>
           <a:lstStyle>
             <a:lvl1pPr marL="0" indent="0" algn="ctr">
-              <a:buNone/>
-              <a:defRPr sz="2000" b="0">
+              <a:lnSpc>
+                <a:spcPct val="75000"/>
+              </a:lnSpc>
+              <a:buNone/>
+              <a:defRPr sz="2200" b="0">
                 <a:solidFill>
                   <a:schemeClr val="tx1"/>
                 </a:solidFill>
@@ -3093,7 +3401,7 @@
             <a:pPr lvl="0"/>
             <a:r>
               <a:rPr lang="es-ES"/>
-              <a:t>Haga clic para modificar los estilos de texto del patrón</a:t>
+              <a:t>Editar los estilos de texto del patrón</a:t>
             </a:r>
           </a:p>
         </p:txBody>
@@ -3110,21 +3418,34 @@
         </p:nvSpPr>
         <p:spPr>
           <a:xfrm>
-            <a:off x="6056774" y="1934432"/>
-            <a:ext cx="2319276" cy="1607294"/>
+            <a:off x="5979974" y="2367093"/>
+            <a:ext cx="2478696" cy="1524000"/>
           </a:xfrm>
           <a:prstGeom prst="roundRect">
             <a:avLst>
-              <a:gd name="adj" fmla="val 1858"/>
+              <a:gd name="adj" fmla="val 8841"/>
             </a:avLst>
           </a:prstGeom>
-          <a:effectLst>
-            <a:outerShdw blurRad="38100" dist="25400" dir="4440000">
-              <a:srgbClr val="000000">
-                <a:alpha val="36000"/>
-              </a:srgbClr>
-            </a:outerShdw>
-          </a:effectLst>
+          <a:noFill/>
+          <a:ln w="82550" cap="sq">
+            <a:solidFill>
+              <a:srgbClr val="EAEAEA"/>
+            </a:solidFill>
+            <a:miter lim="800000"/>
+          </a:ln>
+          <a:effectLst/>
+          <a:scene3d>
+            <a:camera prst="orthographicFront"/>
+            <a:lightRig rig="threePt" dir="t">
+              <a:rot lat="0" lon="0" rev="2700000"/>
+            </a:lightRig>
+          </a:scene3d>
+          <a:sp3d contourW="6350">
+            <a:bevelT h="38100"/>
+            <a:contourClr>
+              <a:srgbClr val="C0C0C0"/>
+            </a:contourClr>
+          </a:sp3d>
         </p:spPr>
         <p:txBody>
           <a:bodyPr anchor="t">
@@ -3189,8 +3510,8 @@
         </p:nvSpPr>
         <p:spPr>
           <a:xfrm>
-            <a:off x="5974929" y="4480366"/>
-            <a:ext cx="2475738" cy="1310835"/>
+            <a:off x="5979880" y="4781079"/>
+            <a:ext cx="2478790" cy="1010121"/>
           </a:xfrm>
         </p:spPr>
         <p:txBody>
@@ -3239,7 +3560,7 @@
             <a:pPr lvl="0"/>
             <a:r>
               <a:rPr lang="es-ES"/>
-              <a:t>Haga clic para modificar los estilos de texto del patrón</a:t>
+              <a:t>Editar los estilos de texto del patrón</a:t>
             </a:r>
           </a:p>
         </p:txBody>
@@ -3261,7 +3582,7 @@
           <a:p>
             <a:fld id="{26330FAE-141A-4BFF-887C-E995FE81429D}" type="datetime1">
               <a:rPr lang="es-CO" smtClean="0"/>
-              <a:t>2/05/2019</a:t>
+              <a:t>7/06/2019</a:t>
             </a:fld>
             <a:endParaRPr lang="es-CO" dirty="0"/>
           </a:p>
@@ -3313,7 +3634,7 @@
     </p:spTree>
     <p:extLst>
       <p:ext uri="{BB962C8B-B14F-4D97-AF65-F5344CB8AC3E}">
-        <p14:creationId xmlns:p14="http://schemas.microsoft.com/office/powerpoint/2010/main" val="3114576883"/>
+        <p14:creationId xmlns:p14="http://schemas.microsoft.com/office/powerpoint/2010/main" val="2513394820"/>
       </p:ext>
     </p:extLst>
   </p:cSld>
@@ -3341,6 +3662,36 @@
           <a:chExt cx="0" cy="0"/>
         </a:xfrm>
       </p:grpSpPr>
+      <p:pic>
+        <p:nvPicPr>
+          <p:cNvPr id="9" name="Picture 8" descr="Droplets-SD-Content-R1d.png"/>
+          <p:cNvPicPr>
+            <a:picLocks noChangeAspect="1"/>
+          </p:cNvPicPr>
+          <p:nvPr/>
+        </p:nvPicPr>
+        <p:blipFill>
+          <a:blip r:embed="rId2">
+            <a:extLst>
+              <a:ext uri="{28A0092B-C50C-407E-A947-70E740481C1C}">
+                <a14:useLocalDpi xmlns:a14="http://schemas.microsoft.com/office/drawing/2010/main" val="0"/>
+              </a:ext>
+            </a:extLst>
+          </a:blip>
+          <a:stretch>
+            <a:fillRect/>
+          </a:stretch>
+        </p:blipFill>
+        <p:spPr>
+          <a:xfrm>
+            <a:off x="0" y="0"/>
+            <a:ext cx="9144000" cy="6858000"/>
+          </a:xfrm>
+          <a:prstGeom prst="rect">
+            <a:avLst/>
+          </a:prstGeom>
+        </p:spPr>
+      </p:pic>
       <p:sp>
         <p:nvSpPr>
           <p:cNvPr id="2" name="Title 1"/>
@@ -3366,23 +3717,28 @@
       </p:sp>
       <p:sp>
         <p:nvSpPr>
-          <p:cNvPr id="3" name="Vertical Text Placeholder 2"/>
-          <p:cNvSpPr>
-            <a:spLocks noGrp="1"/>
-          </p:cNvSpPr>
-          <p:nvPr>
-            <p:ph type="body" orient="vert" idx="1"/>
-          </p:nvPr>
-        </p:nvSpPr>
-        <p:spPr/>
-        <p:txBody>
-          <a:bodyPr vert="eaVert" anchor="t"/>
+          <p:cNvPr id="11" name="Vertical Text Placeholder 2"/>
+          <p:cNvSpPr>
+            <a:spLocks noGrp="1"/>
+          </p:cNvSpPr>
+          <p:nvPr>
+            <p:ph type="body" orient="vert" sz="quarter" idx="13"/>
+          </p:nvPr>
+        </p:nvSpPr>
+        <p:spPr>
+          <a:xfrm>
+            <a:off x="685331" y="2367094"/>
+            <a:ext cx="7773339" cy="3424107"/>
+          </a:xfrm>
+        </p:spPr>
+        <p:txBody>
+          <a:bodyPr vert="eaVert"/>
           <a:lstStyle/>
           <a:p>
             <a:pPr lvl="0"/>
             <a:r>
               <a:rPr lang="es-ES"/>
-              <a:t>Haga clic para modificar los estilos de texto del patrón</a:t>
+              <a:t>Editar los estilos de texto del patrón</a:t>
             </a:r>
           </a:p>
           <a:p>
@@ -3431,9 +3787,9 @@
           <a:bodyPr/>
           <a:lstStyle/>
           <a:p>
-            <a:fld id="{B71667AA-A0F9-4CEA-9C89-7CC4B96EFBBB}" type="datetime1">
+            <a:fld id="{26330FAE-141A-4BFF-887C-E995FE81429D}" type="datetime1">
               <a:rPr lang="es-CO" smtClean="0"/>
-              <a:t>2/05/2019</a:t>
+              <a:t>7/06/2019</a:t>
             </a:fld>
             <a:endParaRPr lang="es-CO" dirty="0"/>
           </a:p>
@@ -3485,13 +3841,14 @@
     </p:spTree>
     <p:extLst>
       <p:ext uri="{BB962C8B-B14F-4D97-AF65-F5344CB8AC3E}">
-        <p14:creationId xmlns:p14="http://schemas.microsoft.com/office/powerpoint/2010/main" val="1298400189"/>
+        <p14:creationId xmlns:p14="http://schemas.microsoft.com/office/powerpoint/2010/main" val="3437402361"/>
       </p:ext>
     </p:extLst>
   </p:cSld>
   <p:clrMapOvr>
     <a:masterClrMapping/>
   </p:clrMapOvr>
+  <p:hf sldNum="0" hdr="0" ftr="0" dt="0"/>
 </p:sldLayout>
 </file>
 
@@ -3512,6 +3869,36 @@
           <a:chExt cx="0" cy="0"/>
         </a:xfrm>
       </p:grpSpPr>
+      <p:pic>
+        <p:nvPicPr>
+          <p:cNvPr id="10" name="Picture 9" descr="Droplets-SD-Content-R1d.png"/>
+          <p:cNvPicPr>
+            <a:picLocks noChangeAspect="1"/>
+          </p:cNvPicPr>
+          <p:nvPr/>
+        </p:nvPicPr>
+        <p:blipFill>
+          <a:blip r:embed="rId2">
+            <a:extLst>
+              <a:ext uri="{28A0092B-C50C-407E-A947-70E740481C1C}">
+                <a14:useLocalDpi xmlns:a14="http://schemas.microsoft.com/office/drawing/2010/main" val="0"/>
+              </a:ext>
+            </a:extLst>
+          </a:blip>
+          <a:stretch>
+            <a:fillRect/>
+          </a:stretch>
+        </p:blipFill>
+        <p:spPr>
+          <a:xfrm>
+            <a:off x="0" y="0"/>
+            <a:ext cx="9144000" cy="6858000"/>
+          </a:xfrm>
+          <a:prstGeom prst="rect">
+            <a:avLst/>
+          </a:prstGeom>
+        </p:spPr>
+      </p:pic>
       <p:sp>
         <p:nvSpPr>
           <p:cNvPr id="2" name="Vertical Title 1"/>
@@ -3524,8 +3911,8 @@
         </p:nvSpPr>
         <p:spPr>
           <a:xfrm>
-            <a:off x="6737302" y="609600"/>
-            <a:ext cx="1713365" cy="5181601"/>
+            <a:off x="6543675" y="609602"/>
+            <a:ext cx="1914995" cy="5181599"/>
           </a:xfrm>
         </p:spPr>
         <p:txBody>
@@ -3546,28 +3933,28 @@
       </p:sp>
       <p:sp>
         <p:nvSpPr>
-          <p:cNvPr id="3" name="Vertical Text Placeholder 2"/>
-          <p:cNvSpPr>
-            <a:spLocks noGrp="1"/>
-          </p:cNvSpPr>
-          <p:nvPr>
-            <p:ph type="body" orient="vert" idx="1"/>
-          </p:nvPr>
-        </p:nvSpPr>
-        <p:spPr>
-          <a:xfrm>
-            <a:off x="685347" y="609600"/>
-            <a:ext cx="5937654" cy="5181601"/>
-          </a:xfrm>
-        </p:spPr>
-        <p:txBody>
-          <a:bodyPr vert="eaVert" anchor="t"/>
+          <p:cNvPr id="8" name="Vertical Text Placeholder 2"/>
+          <p:cNvSpPr>
+            <a:spLocks noGrp="1"/>
+          </p:cNvSpPr>
+          <p:nvPr>
+            <p:ph type="body" orient="vert" sz="quarter" idx="13"/>
+          </p:nvPr>
+        </p:nvSpPr>
+        <p:spPr>
+          <a:xfrm>
+            <a:off x="685331" y="609602"/>
+            <a:ext cx="5744043" cy="5181599"/>
+          </a:xfrm>
+        </p:spPr>
+        <p:txBody>
+          <a:bodyPr vert="eaVert"/>
           <a:lstStyle/>
           <a:p>
             <a:pPr lvl="0"/>
             <a:r>
               <a:rPr lang="es-ES"/>
-              <a:t>Haga clic para modificar los estilos de texto del patrón</a:t>
+              <a:t>Editar los estilos de texto del patrón</a:t>
             </a:r>
           </a:p>
           <a:p>
@@ -3616,9 +4003,9 @@
           <a:bodyPr/>
           <a:lstStyle/>
           <a:p>
-            <a:fld id="{74C80D9D-8886-438C-B3AC-C0C6499B7D8C}" type="datetime1">
+            <a:fld id="{26330FAE-141A-4BFF-887C-E995FE81429D}" type="datetime1">
               <a:rPr lang="es-CO" smtClean="0"/>
-              <a:t>2/05/2019</a:t>
+              <a:t>7/06/2019</a:t>
             </a:fld>
             <a:endParaRPr lang="es-CO" dirty="0"/>
           </a:p>
@@ -3670,13 +4057,14 @@
     </p:spTree>
     <p:extLst>
       <p:ext uri="{BB962C8B-B14F-4D97-AF65-F5344CB8AC3E}">
-        <p14:creationId xmlns:p14="http://schemas.microsoft.com/office/powerpoint/2010/main" val="198094964"/>
+        <p14:creationId xmlns:p14="http://schemas.microsoft.com/office/powerpoint/2010/main" val="604105815"/>
       </p:ext>
     </p:extLst>
   </p:cSld>
   <p:clrMapOvr>
     <a:masterClrMapping/>
   </p:clrMapOvr>
+  <p:hf sldNum="0" hdr="0" ftr="0" dt="0"/>
 </p:sldLayout>
 </file>
 
@@ -3697,6 +4085,36 @@
           <a:chExt cx="0" cy="0"/>
         </a:xfrm>
       </p:grpSpPr>
+      <p:pic>
+        <p:nvPicPr>
+          <p:cNvPr id="7" name="Picture 6" descr="Droplets-SD-Content-R1d.png"/>
+          <p:cNvPicPr>
+            <a:picLocks noChangeAspect="1"/>
+          </p:cNvPicPr>
+          <p:nvPr/>
+        </p:nvPicPr>
+        <p:blipFill>
+          <a:blip r:embed="rId2">
+            <a:extLst>
+              <a:ext uri="{28A0092B-C50C-407E-A947-70E740481C1C}">
+                <a14:useLocalDpi xmlns:a14="http://schemas.microsoft.com/office/drawing/2010/main" val="0"/>
+              </a:ext>
+            </a:extLst>
+          </a:blip>
+          <a:stretch>
+            <a:fillRect/>
+          </a:stretch>
+        </p:blipFill>
+        <p:spPr>
+          <a:xfrm>
+            <a:off x="0" y="0"/>
+            <a:ext cx="9144000" cy="6858000"/>
+          </a:xfrm>
+          <a:prstGeom prst="rect">
+            <a:avLst/>
+          </a:prstGeom>
+        </p:spPr>
+      </p:pic>
       <p:sp>
         <p:nvSpPr>
           <p:cNvPr id="2" name="Title 1"/>
@@ -3722,15 +4140,20 @@
       </p:sp>
       <p:sp>
         <p:nvSpPr>
-          <p:cNvPr id="3" name="Content Placeholder 2"/>
-          <p:cNvSpPr>
-            <a:spLocks noGrp="1"/>
-          </p:cNvSpPr>
-          <p:nvPr>
-            <p:ph idx="1"/>
-          </p:nvPr>
-        </p:nvSpPr>
-        <p:spPr/>
+          <p:cNvPr id="12" name="Content Placeholder 2"/>
+          <p:cNvSpPr>
+            <a:spLocks noGrp="1"/>
+          </p:cNvSpPr>
+          <p:nvPr>
+            <p:ph sz="quarter" idx="13"/>
+          </p:nvPr>
+        </p:nvSpPr>
+        <p:spPr>
+          <a:xfrm>
+            <a:off x="685330" y="2367093"/>
+            <a:ext cx="7772870" cy="3424107"/>
+          </a:xfrm>
+        </p:spPr>
         <p:txBody>
           <a:bodyPr/>
           <a:lstStyle/>
@@ -3738,7 +4161,7 @@
             <a:pPr lvl="0"/>
             <a:r>
               <a:rPr lang="es-ES"/>
-              <a:t>Haga clic para modificar los estilos de texto del patrón</a:t>
+              <a:t>Editar los estilos de texto del patrón</a:t>
             </a:r>
           </a:p>
           <a:p>
@@ -3787,9 +4210,9 @@
           <a:bodyPr/>
           <a:lstStyle/>
           <a:p>
-            <a:fld id="{583CF400-3EDD-4B93-B1D4-3B4E907EC021}" type="datetime1">
+            <a:fld id="{26330FAE-141A-4BFF-887C-E995FE81429D}" type="datetime1">
               <a:rPr lang="es-CO" smtClean="0"/>
-              <a:t>2/05/2019</a:t>
+              <a:t>7/06/2019</a:t>
             </a:fld>
             <a:endParaRPr lang="es-CO" dirty="0"/>
           </a:p>
@@ -3841,13 +4264,14 @@
     </p:spTree>
     <p:extLst>
       <p:ext uri="{BB962C8B-B14F-4D97-AF65-F5344CB8AC3E}">
-        <p14:creationId xmlns:p14="http://schemas.microsoft.com/office/powerpoint/2010/main" val="1402428799"/>
+        <p14:creationId xmlns:p14="http://schemas.microsoft.com/office/powerpoint/2010/main" val="3384501356"/>
       </p:ext>
     </p:extLst>
   </p:cSld>
   <p:clrMapOvr>
     <a:masterClrMapping/>
   </p:clrMapOvr>
+  <p:hf sldNum="0" hdr="0" ftr="0" dt="0"/>
 </p:sldLayout>
 </file>
 
@@ -3868,6 +4292,36 @@
           <a:chExt cx="0" cy="0"/>
         </a:xfrm>
       </p:grpSpPr>
+      <p:pic>
+        <p:nvPicPr>
+          <p:cNvPr id="8" name="Picture 7" descr="Droplets-SD-Content-R1d.png"/>
+          <p:cNvPicPr>
+            <a:picLocks noChangeAspect="1"/>
+          </p:cNvPicPr>
+          <p:nvPr/>
+        </p:nvPicPr>
+        <p:blipFill>
+          <a:blip r:embed="rId2">
+            <a:extLst>
+              <a:ext uri="{28A0092B-C50C-407E-A947-70E740481C1C}">
+                <a14:useLocalDpi xmlns:a14="http://schemas.microsoft.com/office/drawing/2010/main" val="0"/>
+              </a:ext>
+            </a:extLst>
+          </a:blip>
+          <a:stretch>
+            <a:fillRect/>
+          </a:stretch>
+        </p:blipFill>
+        <p:spPr>
+          <a:xfrm>
+            <a:off x="0" y="0"/>
+            <a:ext cx="9144000" cy="6858000"/>
+          </a:xfrm>
+          <a:prstGeom prst="rect">
+            <a:avLst/>
+          </a:prstGeom>
+        </p:spPr>
+      </p:pic>
       <p:sp>
         <p:nvSpPr>
           <p:cNvPr id="2" name="Title 1"/>
@@ -3880,15 +4334,17 @@
         </p:nvSpPr>
         <p:spPr>
           <a:xfrm>
-            <a:off x="971551" y="1761068"/>
-            <a:ext cx="7192913" cy="1828813"/>
-          </a:xfrm>
-        </p:spPr>
-        <p:txBody>
-          <a:bodyPr anchor="b"/>
+            <a:off x="685331" y="828564"/>
+            <a:ext cx="7763814" cy="2736819"/>
+          </a:xfrm>
+        </p:spPr>
+        <p:txBody>
+          <a:bodyPr anchor="b">
+            <a:normAutofit/>
+          </a:bodyPr>
           <a:lstStyle>
-            <a:lvl1pPr algn="ctr">
-              <a:defRPr sz="4000" b="0" cap="none"/>
+            <a:lvl1pPr>
+              <a:defRPr sz="4000"/>
             </a:lvl1pPr>
           </a:lstStyle>
           <a:p>
@@ -3912,24 +4368,28 @@
         </p:nvSpPr>
         <p:spPr>
           <a:xfrm>
-            <a:off x="971551" y="3589879"/>
-            <a:ext cx="7192913" cy="1507054"/>
-          </a:xfrm>
-        </p:spPr>
-        <p:txBody>
-          <a:bodyPr anchor="t"/>
+            <a:off x="685331" y="3657458"/>
+            <a:ext cx="7763814" cy="1368183"/>
+          </a:xfrm>
+        </p:spPr>
+        <p:txBody>
+          <a:bodyPr>
+            <a:normAutofit/>
+          </a:bodyPr>
           <a:lstStyle>
             <a:lvl1pPr marL="0" indent="0" algn="ctr">
               <a:buNone/>
               <a:defRPr sz="2000">
                 <a:solidFill>
-                  <a:schemeClr val="tx1"/>
+                  <a:schemeClr val="bg1">
+                    <a:lumMod val="50000"/>
+                  </a:schemeClr>
                 </a:solidFill>
               </a:defRPr>
             </a:lvl1pPr>
             <a:lvl2pPr marL="457200" indent="0">
               <a:buNone/>
-              <a:defRPr sz="1800">
+              <a:defRPr sz="2000">
                 <a:solidFill>
                   <a:schemeClr val="tx1">
                     <a:tint val="75000"/>
@@ -3939,7 +4399,7 @@
             </a:lvl2pPr>
             <a:lvl3pPr marL="914400" indent="0">
               <a:buNone/>
-              <a:defRPr sz="1600">
+              <a:defRPr sz="1800">
                 <a:solidFill>
                   <a:schemeClr val="tx1">
                     <a:tint val="75000"/>
@@ -3949,7 +4409,7 @@
             </a:lvl3pPr>
             <a:lvl4pPr marL="1371600" indent="0">
               <a:buNone/>
-              <a:defRPr sz="1400">
+              <a:defRPr sz="1600">
                 <a:solidFill>
                   <a:schemeClr val="tx1">
                     <a:tint val="75000"/>
@@ -3959,7 +4419,7 @@
             </a:lvl4pPr>
             <a:lvl5pPr marL="1828800" indent="0">
               <a:buNone/>
-              <a:defRPr sz="1400">
+              <a:defRPr sz="1600">
                 <a:solidFill>
                   <a:schemeClr val="tx1">
                     <a:tint val="75000"/>
@@ -3969,7 +4429,7 @@
             </a:lvl5pPr>
             <a:lvl6pPr marL="2286000" indent="0">
               <a:buNone/>
-              <a:defRPr sz="1400">
+              <a:defRPr sz="1600">
                 <a:solidFill>
                   <a:schemeClr val="tx1">
                     <a:tint val="75000"/>
@@ -3979,7 +4439,7 @@
             </a:lvl6pPr>
             <a:lvl7pPr marL="2743200" indent="0">
               <a:buNone/>
-              <a:defRPr sz="1400">
+              <a:defRPr sz="1600">
                 <a:solidFill>
                   <a:schemeClr val="tx1">
                     <a:tint val="75000"/>
@@ -3989,7 +4449,7 @@
             </a:lvl7pPr>
             <a:lvl8pPr marL="3200400" indent="0">
               <a:buNone/>
-              <a:defRPr sz="1400">
+              <a:defRPr sz="1600">
                 <a:solidFill>
                   <a:schemeClr val="tx1">
                     <a:tint val="75000"/>
@@ -3999,7 +4459,7 @@
             </a:lvl8pPr>
             <a:lvl9pPr marL="3657600" indent="0">
               <a:buNone/>
-              <a:defRPr sz="1400">
+              <a:defRPr sz="1600">
                 <a:solidFill>
                   <a:schemeClr val="tx1">
                     <a:tint val="75000"/>
@@ -4012,7 +4472,7 @@
             <a:pPr lvl="0"/>
             <a:r>
               <a:rPr lang="es-ES"/>
-              <a:t>Haga clic para modificar los estilos de texto del patrón</a:t>
+              <a:t>Editar los estilos de texto del patrón</a:t>
             </a:r>
           </a:p>
         </p:txBody>
@@ -4034,7 +4494,7 @@
           <a:p>
             <a:fld id="{034E3B09-D336-4CF7-91D4-B6E9115CB8A4}" type="datetime1">
               <a:rPr lang="es-CO" smtClean="0"/>
-              <a:t>2/05/2019</a:t>
+              <a:t>7/06/2019</a:t>
             </a:fld>
             <a:endParaRPr lang="es-CO" dirty="0"/>
           </a:p>
@@ -4086,7 +4546,7 @@
     </p:spTree>
     <p:extLst>
       <p:ext uri="{BB962C8B-B14F-4D97-AF65-F5344CB8AC3E}">
-        <p14:creationId xmlns:p14="http://schemas.microsoft.com/office/powerpoint/2010/main" val="857062689"/>
+        <p14:creationId xmlns:p14="http://schemas.microsoft.com/office/powerpoint/2010/main" val="3553172422"/>
       </p:ext>
     </p:extLst>
   </p:cSld>
@@ -4113,9 +4573,39 @@
           <a:chExt cx="0" cy="0"/>
         </a:xfrm>
       </p:grpSpPr>
-      <p:sp>
-        <p:nvSpPr>
-          <p:cNvPr id="2" name="Title 1"/>
+      <p:pic>
+        <p:nvPicPr>
+          <p:cNvPr id="9" name="Picture 8" descr="Droplets-SD-Content-R1d.png"/>
+          <p:cNvPicPr>
+            <a:picLocks noChangeAspect="1"/>
+          </p:cNvPicPr>
+          <p:nvPr/>
+        </p:nvPicPr>
+        <p:blipFill>
+          <a:blip r:embed="rId2">
+            <a:extLst>
+              <a:ext uri="{28A0092B-C50C-407E-A947-70E740481C1C}">
+                <a14:useLocalDpi xmlns:a14="http://schemas.microsoft.com/office/drawing/2010/main" val="0"/>
+              </a:ext>
+            </a:extLst>
+          </a:blip>
+          <a:stretch>
+            <a:fillRect/>
+          </a:stretch>
+        </p:blipFill>
+        <p:spPr>
+          <a:xfrm>
+            <a:off x="0" y="0"/>
+            <a:ext cx="9144000" cy="6858000"/>
+          </a:xfrm>
+          <a:prstGeom prst="rect">
+            <a:avLst/>
+          </a:prstGeom>
+        </p:spPr>
+      </p:pic>
+      <p:sp>
+        <p:nvSpPr>
+          <p:cNvPr id="14" name="Title 1"/>
           <p:cNvSpPr>
             <a:spLocks noGrp="1"/>
           </p:cNvSpPr>
@@ -4123,7 +4613,12 @@
             <p:ph type="title"/>
           </p:nvPr>
         </p:nvSpPr>
-        <p:spPr/>
+        <p:spPr>
+          <a:xfrm>
+            <a:off x="685332" y="618518"/>
+            <a:ext cx="7773338" cy="1596177"/>
+          </a:xfrm>
+        </p:spPr>
         <p:txBody>
           <a:bodyPr/>
           <a:lstStyle/>
@@ -4138,140 +4633,136 @@
       </p:sp>
       <p:sp>
         <p:nvSpPr>
-          <p:cNvPr id="3" name="Content Placeholder 2"/>
-          <p:cNvSpPr>
-            <a:spLocks noGrp="1"/>
-          </p:cNvSpPr>
-          <p:nvPr>
-            <p:ph sz="half" idx="1"/>
-          </p:nvPr>
-        </p:nvSpPr>
-        <p:spPr>
-          <a:xfrm>
-            <a:off x="685347" y="1732449"/>
-            <a:ext cx="3795373" cy="4058750"/>
-          </a:xfrm>
-        </p:spPr>
-        <p:txBody>
-          <a:bodyPr anchor="t">
-            <a:normAutofit/>
-          </a:bodyPr>
-          <a:lstStyle/>
-          <a:p>
-            <a:pPr lvl="0"/>
-            <a:r>
-              <a:rPr lang="es-ES"/>
-              <a:t>Haga clic para modificar los estilos de texto del patrón</a:t>
-            </a:r>
-          </a:p>
-          <a:p>
-            <a:pPr lvl="1"/>
-            <a:r>
-              <a:rPr lang="es-ES"/>
-              <a:t>Segundo nivel</a:t>
-            </a:r>
-          </a:p>
-          <a:p>
-            <a:pPr lvl="2"/>
-            <a:r>
-              <a:rPr lang="es-ES"/>
-              <a:t>Tercer nivel</a:t>
-            </a:r>
-          </a:p>
-          <a:p>
-            <a:pPr lvl="3"/>
-            <a:r>
-              <a:rPr lang="es-ES"/>
-              <a:t>Cuarto nivel</a:t>
-            </a:r>
-          </a:p>
-          <a:p>
-            <a:pPr lvl="4"/>
-            <a:r>
-              <a:rPr lang="es-ES"/>
-              <a:t>Quinto nivel</a:t>
-            </a:r>
-            <a:endParaRPr lang="en-US" dirty="0"/>
-          </a:p>
-        </p:txBody>
-      </p:sp>
-      <p:sp>
-        <p:nvSpPr>
-          <p:cNvPr id="4" name="Content Placeholder 3"/>
-          <p:cNvSpPr>
-            <a:spLocks noGrp="1"/>
-          </p:cNvSpPr>
-          <p:nvPr>
-            <p:ph sz="half" idx="2"/>
-          </p:nvPr>
-        </p:nvSpPr>
-        <p:spPr>
-          <a:xfrm>
-            <a:off x="4652169" y="1732450"/>
-            <a:ext cx="3798499" cy="4058751"/>
-          </a:xfrm>
-        </p:spPr>
-        <p:txBody>
-          <a:bodyPr anchor="t">
-            <a:normAutofit/>
-          </a:bodyPr>
-          <a:lstStyle/>
-          <a:p>
-            <a:pPr lvl="0"/>
-            <a:r>
-              <a:rPr lang="es-ES"/>
-              <a:t>Haga clic para modificar los estilos de texto del patrón</a:t>
-            </a:r>
-          </a:p>
-          <a:p>
-            <a:pPr lvl="1"/>
-            <a:r>
-              <a:rPr lang="es-ES"/>
-              <a:t>Segundo nivel</a:t>
-            </a:r>
-          </a:p>
-          <a:p>
-            <a:pPr lvl="2"/>
-            <a:r>
-              <a:rPr lang="es-ES"/>
-              <a:t>Tercer nivel</a:t>
-            </a:r>
-          </a:p>
-          <a:p>
-            <a:pPr lvl="3"/>
-            <a:r>
-              <a:rPr lang="es-ES"/>
-              <a:t>Cuarto nivel</a:t>
-            </a:r>
-          </a:p>
-          <a:p>
-            <a:pPr lvl="4"/>
-            <a:r>
-              <a:rPr lang="es-ES"/>
-              <a:t>Quinto nivel</a:t>
-            </a:r>
-            <a:endParaRPr lang="en-US" dirty="0"/>
-          </a:p>
-        </p:txBody>
-      </p:sp>
-      <p:sp>
-        <p:nvSpPr>
-          <p:cNvPr id="5" name="Date Placeholder 4"/>
-          <p:cNvSpPr>
-            <a:spLocks noGrp="1"/>
-          </p:cNvSpPr>
-          <p:nvPr>
-            <p:ph type="dt" sz="half" idx="10"/>
-          </p:nvPr>
-        </p:nvSpPr>
-        <p:spPr/>
+          <p:cNvPr id="12" name="Content Placeholder 2"/>
+          <p:cNvSpPr>
+            <a:spLocks noGrp="1"/>
+          </p:cNvSpPr>
+          <p:nvPr>
+            <p:ph sz="quarter" idx="13"/>
+          </p:nvPr>
+        </p:nvSpPr>
+        <p:spPr>
+          <a:xfrm>
+            <a:off x="685330" y="2367093"/>
+            <a:ext cx="3829520" cy="3424107"/>
+          </a:xfrm>
+        </p:spPr>
         <p:txBody>
           <a:bodyPr/>
           <a:lstStyle/>
           <a:p>
-            <a:fld id="{9D65138E-880C-4059-8E27-FF876D100CAF}" type="datetime1">
+            <a:pPr lvl="0"/>
+            <a:r>
+              <a:rPr lang="es-ES"/>
+              <a:t>Editar los estilos de texto del patrón</a:t>
+            </a:r>
+          </a:p>
+          <a:p>
+            <a:pPr lvl="1"/>
+            <a:r>
+              <a:rPr lang="es-ES"/>
+              <a:t>Segundo nivel</a:t>
+            </a:r>
+          </a:p>
+          <a:p>
+            <a:pPr lvl="2"/>
+            <a:r>
+              <a:rPr lang="es-ES"/>
+              <a:t>Tercer nivel</a:t>
+            </a:r>
+          </a:p>
+          <a:p>
+            <a:pPr lvl="3"/>
+            <a:r>
+              <a:rPr lang="es-ES"/>
+              <a:t>Cuarto nivel</a:t>
+            </a:r>
+          </a:p>
+          <a:p>
+            <a:pPr lvl="4"/>
+            <a:r>
+              <a:rPr lang="es-ES"/>
+              <a:t>Quinto nivel</a:t>
+            </a:r>
+            <a:endParaRPr lang="en-US" dirty="0"/>
+          </a:p>
+        </p:txBody>
+      </p:sp>
+      <p:sp>
+        <p:nvSpPr>
+          <p:cNvPr id="13" name="Content Placeholder 3"/>
+          <p:cNvSpPr>
+            <a:spLocks noGrp="1"/>
+          </p:cNvSpPr>
+          <p:nvPr>
+            <p:ph sz="quarter" idx="14"/>
+          </p:nvPr>
+        </p:nvSpPr>
+        <p:spPr>
+          <a:xfrm>
+            <a:off x="4629150" y="2367093"/>
+            <a:ext cx="3829050" cy="3424107"/>
+          </a:xfrm>
+        </p:spPr>
+        <p:txBody>
+          <a:bodyPr/>
+          <a:lstStyle/>
+          <a:p>
+            <a:pPr lvl="0"/>
+            <a:r>
+              <a:rPr lang="es-ES"/>
+              <a:t>Editar los estilos de texto del patrón</a:t>
+            </a:r>
+          </a:p>
+          <a:p>
+            <a:pPr lvl="1"/>
+            <a:r>
+              <a:rPr lang="es-ES"/>
+              <a:t>Segundo nivel</a:t>
+            </a:r>
+          </a:p>
+          <a:p>
+            <a:pPr lvl="2"/>
+            <a:r>
+              <a:rPr lang="es-ES"/>
+              <a:t>Tercer nivel</a:t>
+            </a:r>
+          </a:p>
+          <a:p>
+            <a:pPr lvl="3"/>
+            <a:r>
+              <a:rPr lang="es-ES"/>
+              <a:t>Cuarto nivel</a:t>
+            </a:r>
+          </a:p>
+          <a:p>
+            <a:pPr lvl="4"/>
+            <a:r>
+              <a:rPr lang="es-ES"/>
+              <a:t>Quinto nivel</a:t>
+            </a:r>
+            <a:endParaRPr lang="en-US" dirty="0"/>
+          </a:p>
+        </p:txBody>
+      </p:sp>
+      <p:sp>
+        <p:nvSpPr>
+          <p:cNvPr id="5" name="Date Placeholder 4"/>
+          <p:cNvSpPr>
+            <a:spLocks noGrp="1"/>
+          </p:cNvSpPr>
+          <p:nvPr>
+            <p:ph type="dt" sz="half" idx="10"/>
+          </p:nvPr>
+        </p:nvSpPr>
+        <p:spPr/>
+        <p:txBody>
+          <a:bodyPr/>
+          <a:lstStyle/>
+          <a:p>
+            <a:fld id="{26330FAE-141A-4BFF-887C-E995FE81429D}" type="datetime1">
               <a:rPr lang="es-CO" smtClean="0"/>
-              <a:t>2/05/2019</a:t>
+              <a:t>7/06/2019</a:t>
             </a:fld>
             <a:endParaRPr lang="es-CO" dirty="0"/>
           </a:p>
@@ -4323,13 +4814,14 @@
     </p:spTree>
     <p:extLst>
       <p:ext uri="{BB962C8B-B14F-4D97-AF65-F5344CB8AC3E}">
-        <p14:creationId xmlns:p14="http://schemas.microsoft.com/office/powerpoint/2010/main" val="3156763098"/>
+        <p14:creationId xmlns:p14="http://schemas.microsoft.com/office/powerpoint/2010/main" val="4167997368"/>
       </p:ext>
     </p:extLst>
   </p:cSld>
   <p:clrMapOvr>
     <a:masterClrMapping/>
   </p:clrMapOvr>
+  <p:hf sldNum="0" hdr="0" ftr="0" dt="0"/>
 </p:sldLayout>
 </file>
 
@@ -4352,7 +4844,7 @@
       </p:grpSpPr>
       <p:pic>
         <p:nvPicPr>
-          <p:cNvPr id="10" name="Picture 9" descr="Slate-V2-SD-compPhotoInset.png"/>
+          <p:cNvPr id="11" name="Picture 10" descr="Droplets-SD-Content-R1d.png"/>
           <p:cNvPicPr>
             <a:picLocks noChangeAspect="1"/>
           </p:cNvPicPr>
@@ -4372,47 +4864,17 @@
         </p:blipFill>
         <p:spPr>
           <a:xfrm>
-            <a:off x="685345" y="1770323"/>
-            <a:ext cx="3787423" cy="4112953"/>
+            <a:off x="0" y="0"/>
+            <a:ext cx="9144000" cy="6858000"/>
           </a:xfrm>
           <a:prstGeom prst="rect">
             <a:avLst/>
           </a:prstGeom>
         </p:spPr>
       </p:pic>
-      <p:pic>
-        <p:nvPicPr>
-          <p:cNvPr id="14" name="Picture 13" descr="Slate-V2-SD-compPhotoInset.png"/>
-          <p:cNvPicPr>
-            <a:picLocks noChangeAspect="1"/>
-          </p:cNvPicPr>
-          <p:nvPr/>
-        </p:nvPicPr>
-        <p:blipFill>
-          <a:blip r:embed="rId2">
-            <a:extLst>
-              <a:ext uri="{28A0092B-C50C-407E-A947-70E740481C1C}">
-                <a14:useLocalDpi xmlns:a14="http://schemas.microsoft.com/office/drawing/2010/main" val="0"/>
-              </a:ext>
-            </a:extLst>
-          </a:blip>
-          <a:stretch>
-            <a:fillRect/>
-          </a:stretch>
-        </p:blipFill>
-        <p:spPr>
-          <a:xfrm>
-            <a:off x="4663245" y="1770323"/>
-            <a:ext cx="3787423" cy="4112953"/>
-          </a:xfrm>
-          <a:prstGeom prst="rect">
-            <a:avLst/>
-          </a:prstGeom>
-        </p:spPr>
-      </p:pic>
-      <p:sp>
-        <p:nvSpPr>
-          <p:cNvPr id="2" name="Title 1"/>
+      <p:sp>
+        <p:nvSpPr>
+          <p:cNvPr id="14" name="Title 1"/>
           <p:cNvSpPr>
             <a:spLocks noGrp="1"/>
           </p:cNvSpPr>
@@ -4420,14 +4882,15 @@
             <p:ph type="title"/>
           </p:nvPr>
         </p:nvSpPr>
-        <p:spPr/>
+        <p:spPr>
+          <a:xfrm>
+            <a:off x="685332" y="618518"/>
+            <a:ext cx="7773338" cy="1596177"/>
+          </a:xfrm>
+        </p:spPr>
         <p:txBody>
           <a:bodyPr/>
-          <a:lstStyle>
-            <a:lvl1pPr>
-              <a:defRPr/>
-            </a:lvl1pPr>
-          </a:lstStyle>
+          <a:lstStyle/>
           <a:p>
             <a:r>
               <a:rPr lang="es-ES"/>
@@ -4449,8 +4912,8 @@
         </p:nvSpPr>
         <p:spPr>
           <a:xfrm>
-            <a:off x="754404" y="1835254"/>
-            <a:ext cx="3657258" cy="544884"/>
+            <a:off x="859746" y="2371018"/>
+            <a:ext cx="3655106" cy="679994"/>
           </a:xfrm>
         </p:spPr>
         <p:txBody>
@@ -4458,9 +4921,16 @@
             <a:noAutofit/>
           </a:bodyPr>
           <a:lstStyle>
-            <a:lvl1pPr marL="0" indent="0" algn="ctr">
-              <a:buNone/>
-              <a:defRPr sz="2400" b="0"/>
+            <a:lvl1pPr marL="0" indent="0">
+              <a:lnSpc>
+                <a:spcPct val="75000"/>
+              </a:lnSpc>
+              <a:buNone/>
+              <a:defRPr sz="2600" b="0">
+                <a:solidFill>
+                  <a:schemeClr val="tx1"/>
+                </a:solidFill>
+              </a:defRPr>
             </a:lvl1pPr>
             <a:lvl2pPr marL="457200" indent="0">
               <a:buNone/>
@@ -4499,53 +4969,35 @@
             <a:pPr lvl="0"/>
             <a:r>
               <a:rPr lang="es-ES"/>
-              <a:t>Haga clic para modificar los estilos de texto del patrón</a:t>
-            </a:r>
-          </a:p>
-        </p:txBody>
-      </p:sp>
-      <p:sp>
-        <p:nvSpPr>
-          <p:cNvPr id="4" name="Content Placeholder 3"/>
-          <p:cNvSpPr>
-            <a:spLocks noGrp="1"/>
-          </p:cNvSpPr>
-          <p:nvPr>
-            <p:ph sz="half" idx="2"/>
-          </p:nvPr>
-        </p:nvSpPr>
-        <p:spPr>
-          <a:xfrm>
-            <a:off x="754404" y="2380138"/>
-            <a:ext cx="3657258" cy="3411063"/>
-          </a:xfrm>
-        </p:spPr>
-        <p:txBody>
-          <a:bodyPr anchor="t">
-            <a:normAutofit/>
-          </a:bodyPr>
-          <a:lstStyle>
-            <a:lvl1pPr>
-              <a:defRPr sz="1800"/>
-            </a:lvl1pPr>
-            <a:lvl2pPr>
-              <a:defRPr sz="1600"/>
-            </a:lvl2pPr>
-            <a:lvl3pPr>
-              <a:defRPr sz="1400"/>
-            </a:lvl3pPr>
-            <a:lvl4pPr>
-              <a:defRPr sz="1200"/>
-            </a:lvl4pPr>
-            <a:lvl5pPr>
-              <a:defRPr sz="1200"/>
-            </a:lvl5pPr>
-          </a:lstStyle>
+              <a:t>Editar los estilos de texto del patrón</a:t>
+            </a:r>
+          </a:p>
+        </p:txBody>
+      </p:sp>
+      <p:sp>
+        <p:nvSpPr>
+          <p:cNvPr id="12" name="Content Placeholder 3"/>
+          <p:cNvSpPr>
+            <a:spLocks noGrp="1"/>
+          </p:cNvSpPr>
+          <p:nvPr>
+            <p:ph sz="quarter" idx="13"/>
+          </p:nvPr>
+        </p:nvSpPr>
+        <p:spPr>
+          <a:xfrm>
+            <a:off x="685331" y="3051013"/>
+            <a:ext cx="3829520" cy="2740187"/>
+          </a:xfrm>
+        </p:spPr>
+        <p:txBody>
+          <a:bodyPr/>
+          <a:lstStyle/>
           <a:p>
             <a:pPr lvl="0"/>
             <a:r>
               <a:rPr lang="es-ES"/>
-              <a:t>Haga clic para modificar los estilos de texto del patrón</a:t>
+              <a:t>Editar los estilos de texto del patrón</a:t>
             </a:r>
           </a:p>
           <a:p>
@@ -4591,8 +5043,8 @@
         </p:nvSpPr>
         <p:spPr>
           <a:xfrm>
-            <a:off x="4721225" y="1835255"/>
-            <a:ext cx="3671498" cy="544883"/>
+            <a:off x="4797317" y="2371018"/>
+            <a:ext cx="3661353" cy="679994"/>
           </a:xfrm>
         </p:spPr>
         <p:txBody>
@@ -4600,9 +5052,16 @@
             <a:noAutofit/>
           </a:bodyPr>
           <a:lstStyle>
-            <a:lvl1pPr marL="0" indent="0" algn="ctr">
-              <a:buNone/>
-              <a:defRPr sz="2400" b="0"/>
+            <a:lvl1pPr marL="0" indent="0">
+              <a:lnSpc>
+                <a:spcPct val="75000"/>
+              </a:lnSpc>
+              <a:buNone/>
+              <a:defRPr sz="2600" b="0">
+                <a:solidFill>
+                  <a:schemeClr val="tx1"/>
+                </a:solidFill>
+              </a:defRPr>
             </a:lvl1pPr>
             <a:lvl2pPr marL="457200" indent="0">
               <a:buNone/>
@@ -4641,104 +5100,86 @@
             <a:pPr lvl="0"/>
             <a:r>
               <a:rPr lang="es-ES"/>
-              <a:t>Haga clic para modificar los estilos de texto del patrón</a:t>
-            </a:r>
-          </a:p>
-        </p:txBody>
-      </p:sp>
-      <p:sp>
-        <p:nvSpPr>
-          <p:cNvPr id="6" name="Content Placeholder 5"/>
-          <p:cNvSpPr>
-            <a:spLocks noGrp="1"/>
-          </p:cNvSpPr>
-          <p:nvPr>
-            <p:ph sz="quarter" idx="4"/>
-          </p:nvPr>
-        </p:nvSpPr>
-        <p:spPr>
-          <a:xfrm>
-            <a:off x="4721225" y="2380138"/>
-            <a:ext cx="3671498" cy="3411063"/>
-          </a:xfrm>
-        </p:spPr>
-        <p:txBody>
-          <a:bodyPr anchor="t">
-            <a:normAutofit/>
-          </a:bodyPr>
-          <a:lstStyle>
-            <a:lvl1pPr>
-              <a:defRPr sz="1800"/>
-            </a:lvl1pPr>
-            <a:lvl2pPr>
-              <a:defRPr sz="1600"/>
-            </a:lvl2pPr>
-            <a:lvl3pPr>
-              <a:defRPr sz="1400"/>
-            </a:lvl3pPr>
-            <a:lvl4pPr>
-              <a:defRPr sz="1200"/>
-            </a:lvl4pPr>
-            <a:lvl5pPr>
-              <a:defRPr sz="1200"/>
-            </a:lvl5pPr>
-          </a:lstStyle>
-          <a:p>
-            <a:pPr lvl="0"/>
-            <a:r>
-              <a:rPr lang="es-ES"/>
-              <a:t>Haga clic para modificar los estilos de texto del patrón</a:t>
-            </a:r>
-          </a:p>
-          <a:p>
-            <a:pPr lvl="1"/>
-            <a:r>
-              <a:rPr lang="es-ES"/>
-              <a:t>Segundo nivel</a:t>
-            </a:r>
-          </a:p>
-          <a:p>
-            <a:pPr lvl="2"/>
-            <a:r>
-              <a:rPr lang="es-ES"/>
-              <a:t>Tercer nivel</a:t>
-            </a:r>
-          </a:p>
-          <a:p>
-            <a:pPr lvl="3"/>
-            <a:r>
-              <a:rPr lang="es-ES"/>
-              <a:t>Cuarto nivel</a:t>
-            </a:r>
-          </a:p>
-          <a:p>
-            <a:pPr lvl="4"/>
-            <a:r>
-              <a:rPr lang="es-ES"/>
-              <a:t>Quinto nivel</a:t>
-            </a:r>
-            <a:endParaRPr lang="en-US" dirty="0"/>
-          </a:p>
-        </p:txBody>
-      </p:sp>
-      <p:sp>
-        <p:nvSpPr>
-          <p:cNvPr id="7" name="Date Placeholder 6"/>
-          <p:cNvSpPr>
-            <a:spLocks noGrp="1"/>
-          </p:cNvSpPr>
-          <p:nvPr>
-            <p:ph type="dt" sz="half" idx="10"/>
-          </p:nvPr>
-        </p:nvSpPr>
-        <p:spPr/>
+              <a:t>Editar los estilos de texto del patrón</a:t>
+            </a:r>
+          </a:p>
+        </p:txBody>
+      </p:sp>
+      <p:sp>
+        <p:nvSpPr>
+          <p:cNvPr id="13" name="Content Placeholder 5"/>
+          <p:cNvSpPr>
+            <a:spLocks noGrp="1"/>
+          </p:cNvSpPr>
+          <p:nvPr>
+            <p:ph sz="quarter" idx="14"/>
+          </p:nvPr>
+        </p:nvSpPr>
+        <p:spPr>
+          <a:xfrm>
+            <a:off x="4629150" y="3051013"/>
+            <a:ext cx="3829051" cy="2740187"/>
+          </a:xfrm>
+        </p:spPr>
         <p:txBody>
           <a:bodyPr/>
           <a:lstStyle/>
           <a:p>
-            <a:fld id="{DC6E6577-1C7A-4DFE-9700-2D8DFB3472D1}" type="datetime1">
+            <a:pPr lvl="0"/>
+            <a:r>
+              <a:rPr lang="es-ES"/>
+              <a:t>Editar los estilos de texto del patrón</a:t>
+            </a:r>
+          </a:p>
+          <a:p>
+            <a:pPr lvl="1"/>
+            <a:r>
+              <a:rPr lang="es-ES"/>
+              <a:t>Segundo nivel</a:t>
+            </a:r>
+          </a:p>
+          <a:p>
+            <a:pPr lvl="2"/>
+            <a:r>
+              <a:rPr lang="es-ES"/>
+              <a:t>Tercer nivel</a:t>
+            </a:r>
+          </a:p>
+          <a:p>
+            <a:pPr lvl="3"/>
+            <a:r>
+              <a:rPr lang="es-ES"/>
+              <a:t>Cuarto nivel</a:t>
+            </a:r>
+          </a:p>
+          <a:p>
+            <a:pPr lvl="4"/>
+            <a:r>
+              <a:rPr lang="es-ES"/>
+              <a:t>Quinto nivel</a:t>
+            </a:r>
+            <a:endParaRPr lang="en-US" dirty="0"/>
+          </a:p>
+        </p:txBody>
+      </p:sp>
+      <p:sp>
+        <p:nvSpPr>
+          <p:cNvPr id="7" name="Date Placeholder 6"/>
+          <p:cNvSpPr>
+            <a:spLocks noGrp="1"/>
+          </p:cNvSpPr>
+          <p:nvPr>
+            <p:ph type="dt" sz="half" idx="10"/>
+          </p:nvPr>
+        </p:nvSpPr>
+        <p:spPr/>
+        <p:txBody>
+          <a:bodyPr/>
+          <a:lstStyle/>
+          <a:p>
+            <a:fld id="{26330FAE-141A-4BFF-887C-E995FE81429D}" type="datetime1">
               <a:rPr lang="es-CO" smtClean="0"/>
-              <a:t>2/05/2019</a:t>
+              <a:t>7/06/2019</a:t>
             </a:fld>
             <a:endParaRPr lang="es-CO" dirty="0"/>
           </a:p>
@@ -4790,13 +5231,14 @@
     </p:spTree>
     <p:extLst>
       <p:ext uri="{BB962C8B-B14F-4D97-AF65-F5344CB8AC3E}">
-        <p14:creationId xmlns:p14="http://schemas.microsoft.com/office/powerpoint/2010/main" val="1695294452"/>
+        <p14:creationId xmlns:p14="http://schemas.microsoft.com/office/powerpoint/2010/main" val="1370328698"/>
       </p:ext>
     </p:extLst>
   </p:cSld>
   <p:clrMapOvr>
     <a:masterClrMapping/>
   </p:clrMapOvr>
+  <p:hf sldNum="0" hdr="0" ftr="0" dt="0"/>
 </p:sldLayout>
 </file>
 
@@ -4817,6 +5259,36 @@
           <a:chExt cx="0" cy="0"/>
         </a:xfrm>
       </p:grpSpPr>
+      <p:pic>
+        <p:nvPicPr>
+          <p:cNvPr id="7" name="Picture 6" descr="Droplets-SD-Content-R1d.png"/>
+          <p:cNvPicPr>
+            <a:picLocks noChangeAspect="1"/>
+          </p:cNvPicPr>
+          <p:nvPr/>
+        </p:nvPicPr>
+        <p:blipFill>
+          <a:blip r:embed="rId2">
+            <a:extLst>
+              <a:ext uri="{28A0092B-C50C-407E-A947-70E740481C1C}">
+                <a14:useLocalDpi xmlns:a14="http://schemas.microsoft.com/office/drawing/2010/main" val="0"/>
+              </a:ext>
+            </a:extLst>
+          </a:blip>
+          <a:stretch>
+            <a:fillRect/>
+          </a:stretch>
+        </p:blipFill>
+        <p:spPr>
+          <a:xfrm>
+            <a:off x="0" y="0"/>
+            <a:ext cx="9144000" cy="6858000"/>
+          </a:xfrm>
+          <a:prstGeom prst="rect">
+            <a:avLst/>
+          </a:prstGeom>
+        </p:spPr>
+      </p:pic>
       <p:sp>
         <p:nvSpPr>
           <p:cNvPr id="2" name="Title 1"/>
@@ -4857,7 +5329,7 @@
           <a:p>
             <a:fld id="{26330FAE-141A-4BFF-887C-E995FE81429D}" type="datetime1">
               <a:rPr lang="es-CO" smtClean="0"/>
-              <a:t>2/05/2019</a:t>
+              <a:t>7/06/2019</a:t>
             </a:fld>
             <a:endParaRPr lang="es-CO" dirty="0"/>
           </a:p>
@@ -4909,7 +5381,7 @@
     </p:spTree>
     <p:extLst>
       <p:ext uri="{BB962C8B-B14F-4D97-AF65-F5344CB8AC3E}">
-        <p14:creationId xmlns:p14="http://schemas.microsoft.com/office/powerpoint/2010/main" val="3154139456"/>
+        <p14:creationId xmlns:p14="http://schemas.microsoft.com/office/powerpoint/2010/main" val="2935069138"/>
       </p:ext>
     </p:extLst>
   </p:cSld>
@@ -4937,6 +5409,36 @@
           <a:chExt cx="0" cy="0"/>
         </a:xfrm>
       </p:grpSpPr>
+      <p:pic>
+        <p:nvPicPr>
+          <p:cNvPr id="6" name="Picture 5" descr="Droplets-SD-Content-R1d.png"/>
+          <p:cNvPicPr>
+            <a:picLocks noChangeAspect="1"/>
+          </p:cNvPicPr>
+          <p:nvPr/>
+        </p:nvPicPr>
+        <p:blipFill>
+          <a:blip r:embed="rId2">
+            <a:extLst>
+              <a:ext uri="{28A0092B-C50C-407E-A947-70E740481C1C}">
+                <a14:useLocalDpi xmlns:a14="http://schemas.microsoft.com/office/drawing/2010/main" val="0"/>
+              </a:ext>
+            </a:extLst>
+          </a:blip>
+          <a:stretch>
+            <a:fillRect/>
+          </a:stretch>
+        </p:blipFill>
+        <p:spPr>
+          <a:xfrm>
+            <a:off x="0" y="0"/>
+            <a:ext cx="9144000" cy="6858000"/>
+          </a:xfrm>
+          <a:prstGeom prst="rect">
+            <a:avLst/>
+          </a:prstGeom>
+        </p:spPr>
+      </p:pic>
       <p:sp>
         <p:nvSpPr>
           <p:cNvPr id="2" name="Date Placeholder 1"/>
@@ -4954,7 +5456,7 @@
           <a:p>
             <a:fld id="{8DA94E56-31C3-428C-906D-B3E9E4B8DBAD}" type="datetime1">
               <a:rPr lang="es-CO" smtClean="0"/>
-              <a:t>2/05/2019</a:t>
+              <a:t>7/06/2019</a:t>
             </a:fld>
             <a:endParaRPr lang="es-CO" dirty="0"/>
           </a:p>
@@ -5006,7 +5508,7 @@
     </p:spTree>
     <p:extLst>
       <p:ext uri="{BB962C8B-B14F-4D97-AF65-F5344CB8AC3E}">
-        <p14:creationId xmlns:p14="http://schemas.microsoft.com/office/powerpoint/2010/main" val="394793233"/>
+        <p14:creationId xmlns:p14="http://schemas.microsoft.com/office/powerpoint/2010/main" val="597966129"/>
       </p:ext>
     </p:extLst>
   </p:cSld>
@@ -5033,6 +5535,36 @@
           <a:chExt cx="0" cy="0"/>
         </a:xfrm>
       </p:grpSpPr>
+      <p:pic>
+        <p:nvPicPr>
+          <p:cNvPr id="9" name="Picture 8" descr="Droplets-SD-Content-R1d.png"/>
+          <p:cNvPicPr>
+            <a:picLocks noChangeAspect="1"/>
+          </p:cNvPicPr>
+          <p:nvPr/>
+        </p:nvPicPr>
+        <p:blipFill>
+          <a:blip r:embed="rId2">
+            <a:extLst>
+              <a:ext uri="{28A0092B-C50C-407E-A947-70E740481C1C}">
+                <a14:useLocalDpi xmlns:a14="http://schemas.microsoft.com/office/drawing/2010/main" val="0"/>
+              </a:ext>
+            </a:extLst>
+          </a:blip>
+          <a:stretch>
+            <a:fillRect/>
+          </a:stretch>
+        </p:blipFill>
+        <p:spPr>
+          <a:xfrm>
+            <a:off x="0" y="0"/>
+            <a:ext cx="9144000" cy="6858000"/>
+          </a:xfrm>
+          <a:prstGeom prst="rect">
+            <a:avLst/>
+          </a:prstGeom>
+        </p:spPr>
+      </p:pic>
       <p:sp>
         <p:nvSpPr>
           <p:cNvPr id="2" name="Title 1"/>
@@ -5045,17 +5577,15 @@
         </p:nvSpPr>
         <p:spPr>
           <a:xfrm>
-            <a:off x="685347" y="609600"/>
-            <a:ext cx="2780167" cy="1821918"/>
-          </a:xfrm>
-        </p:spPr>
-        <p:txBody>
-          <a:bodyPr anchor="b">
-            <a:normAutofit/>
-          </a:bodyPr>
+            <a:off x="685331" y="609600"/>
+            <a:ext cx="2951766" cy="2023252"/>
+          </a:xfrm>
+        </p:spPr>
+        <p:txBody>
+          <a:bodyPr anchor="b"/>
           <a:lstStyle>
             <a:lvl1pPr algn="ctr">
-              <a:defRPr sz="2400" b="0"/>
+              <a:defRPr sz="3200"/>
             </a:lvl1pPr>
           </a:lstStyle>
           <a:p>
@@ -5069,30 +5599,28 @@
       </p:sp>
       <p:sp>
         <p:nvSpPr>
-          <p:cNvPr id="3" name="Content Placeholder 2"/>
-          <p:cNvSpPr>
-            <a:spLocks noGrp="1"/>
-          </p:cNvSpPr>
-          <p:nvPr>
-            <p:ph idx="1"/>
-          </p:nvPr>
-        </p:nvSpPr>
-        <p:spPr>
-          <a:xfrm>
-            <a:off x="3641725" y="609600"/>
-            <a:ext cx="4808943" cy="5181600"/>
-          </a:xfrm>
-        </p:spPr>
-        <p:txBody>
-          <a:bodyPr>
-            <a:normAutofit/>
-          </a:bodyPr>
+          <p:cNvPr id="10" name="Content Placeholder 2"/>
+          <p:cNvSpPr>
+            <a:spLocks noGrp="1"/>
+          </p:cNvSpPr>
+          <p:nvPr>
+            <p:ph sz="quarter" idx="13"/>
+          </p:nvPr>
+        </p:nvSpPr>
+        <p:spPr>
+          <a:xfrm>
+            <a:off x="3808547" y="609601"/>
+            <a:ext cx="4650122" cy="5181599"/>
+          </a:xfrm>
+        </p:spPr>
+        <p:txBody>
+          <a:bodyPr/>
           <a:lstStyle/>
           <a:p>
             <a:pPr lvl="0"/>
             <a:r>
               <a:rPr lang="es-ES"/>
-              <a:t>Haga clic para modificar los estilos de texto del patrón</a:t>
+              <a:t>Editar los estilos de texto del patrón</a:t>
             </a:r>
           </a:p>
           <a:p>
@@ -5138,14 +5666,12 @@
         </p:nvSpPr>
         <p:spPr>
           <a:xfrm>
-            <a:off x="685347" y="2431518"/>
-            <a:ext cx="2780167" cy="3359681"/>
-          </a:xfrm>
-        </p:spPr>
-        <p:txBody>
-          <a:bodyPr anchor="t">
-            <a:normAutofit/>
-          </a:bodyPr>
+            <a:off x="685331" y="2632852"/>
+            <a:ext cx="2951767" cy="3158348"/>
+          </a:xfrm>
+        </p:spPr>
+        <p:txBody>
+          <a:bodyPr/>
           <a:lstStyle>
             <a:lvl1pPr marL="0" indent="0" algn="ctr">
               <a:buNone/>
@@ -5153,42 +5679,42 @@
             </a:lvl1pPr>
             <a:lvl2pPr marL="457200" indent="0">
               <a:buNone/>
-              <a:defRPr sz="1200"/>
+              <a:defRPr sz="1400"/>
             </a:lvl2pPr>
             <a:lvl3pPr marL="914400" indent="0">
               <a:buNone/>
-              <a:defRPr sz="1000"/>
+              <a:defRPr sz="1200"/>
             </a:lvl3pPr>
             <a:lvl4pPr marL="1371600" indent="0">
               <a:buNone/>
-              <a:defRPr sz="900"/>
+              <a:defRPr sz="1000"/>
             </a:lvl4pPr>
             <a:lvl5pPr marL="1828800" indent="0">
               <a:buNone/>
-              <a:defRPr sz="900"/>
+              <a:defRPr sz="1000"/>
             </a:lvl5pPr>
             <a:lvl6pPr marL="2286000" indent="0">
               <a:buNone/>
-              <a:defRPr sz="900"/>
+              <a:defRPr sz="1000"/>
             </a:lvl6pPr>
             <a:lvl7pPr marL="2743200" indent="0">
               <a:buNone/>
-              <a:defRPr sz="900"/>
+              <a:defRPr sz="1000"/>
             </a:lvl7pPr>
             <a:lvl8pPr marL="3200400" indent="0">
               <a:buNone/>
-              <a:defRPr sz="900"/>
+              <a:defRPr sz="1000"/>
             </a:lvl8pPr>
             <a:lvl9pPr marL="3657600" indent="0">
               <a:buNone/>
-              <a:defRPr sz="900"/>
+              <a:defRPr sz="1000"/>
             </a:lvl9pPr>
           </a:lstStyle>
           <a:p>
             <a:pPr lvl="0"/>
             <a:r>
               <a:rPr lang="es-ES"/>
-              <a:t>Haga clic para modificar los estilos de texto del patrón</a:t>
+              <a:t>Editar los estilos de texto del patrón</a:t>
             </a:r>
           </a:p>
         </p:txBody>
@@ -5208,9 +5734,9 @@
           <a:bodyPr/>
           <a:lstStyle/>
           <a:p>
-            <a:fld id="{9407FB20-0F53-4606-9515-75A418ADA495}" type="datetime1">
+            <a:fld id="{26330FAE-141A-4BFF-887C-E995FE81429D}" type="datetime1">
               <a:rPr lang="es-CO" smtClean="0"/>
-              <a:t>2/05/2019</a:t>
+              <a:t>7/06/2019</a:t>
             </a:fld>
             <a:endParaRPr lang="es-CO" dirty="0"/>
           </a:p>
@@ -5262,13 +5788,14 @@
     </p:spTree>
     <p:extLst>
       <p:ext uri="{BB962C8B-B14F-4D97-AF65-F5344CB8AC3E}">
-        <p14:creationId xmlns:p14="http://schemas.microsoft.com/office/powerpoint/2010/main" val="3748041771"/>
+        <p14:creationId xmlns:p14="http://schemas.microsoft.com/office/powerpoint/2010/main" val="157906064"/>
       </p:ext>
     </p:extLst>
   </p:cSld>
   <p:clrMapOvr>
     <a:masterClrMapping/>
   </p:clrMapOvr>
+  <p:hf sldNum="0" hdr="0" ftr="0" dt="0"/>
 </p:sldLayout>
 </file>
 
@@ -5291,7 +5818,7 @@
       </p:grpSpPr>
       <p:pic>
         <p:nvPicPr>
-          <p:cNvPr id="12" name="Picture 11" descr="Slate-V2-SD-vertPhotoInset.png"/>
+          <p:cNvPr id="9" name="Picture 8" descr="Droplets-SD-Content-R1d.png"/>
           <p:cNvPicPr>
             <a:picLocks noChangeAspect="1"/>
           </p:cNvPicPr>
@@ -5311,8 +5838,8 @@
         </p:blipFill>
         <p:spPr>
           <a:xfrm>
-            <a:off x="4844987" y="609923"/>
-            <a:ext cx="3428146" cy="5205472"/>
+            <a:off x="0" y="0"/>
+            <a:ext cx="9144000" cy="6858000"/>
           </a:xfrm>
           <a:prstGeom prst="rect">
             <a:avLst/>
@@ -5331,17 +5858,15 @@
         </p:nvSpPr>
         <p:spPr>
           <a:xfrm>
-            <a:off x="685347" y="609923"/>
-            <a:ext cx="3924676" cy="1829338"/>
-          </a:xfrm>
-        </p:spPr>
-        <p:txBody>
-          <a:bodyPr anchor="b">
-            <a:noAutofit/>
-          </a:bodyPr>
+            <a:off x="685332" y="609600"/>
+            <a:ext cx="4129618" cy="2023254"/>
+          </a:xfrm>
+        </p:spPr>
+        <p:txBody>
+          <a:bodyPr anchor="b"/>
           <a:lstStyle>
             <a:lvl1pPr algn="ctr">
-              <a:defRPr sz="3200" b="0"/>
+              <a:defRPr sz="3200"/>
             </a:lvl1pPr>
           </a:lstStyle>
           <a:p>
@@ -5365,21 +5890,102 @@
         </p:nvSpPr>
         <p:spPr>
           <a:xfrm>
-            <a:off x="4976728" y="743989"/>
-            <a:ext cx="3165375" cy="4912822"/>
-          </a:xfrm>
-          <a:effectLst>
-            <a:outerShdw blurRad="38100" dist="25400" dir="4440000">
-              <a:srgbClr val="000000">
-                <a:alpha val="36000"/>
-              </a:srgbClr>
-            </a:outerShdw>
-          </a:effectLst>
-        </p:spPr>
-        <p:txBody>
-          <a:bodyPr anchor="t">
-            <a:normAutofit/>
-          </a:bodyPr>
+            <a:off x="5004270" y="609601"/>
+            <a:ext cx="3005851" cy="5181600"/>
+          </a:xfrm>
+          <a:prstGeom prst="roundRect">
+            <a:avLst>
+              <a:gd name="adj" fmla="val 4943"/>
+            </a:avLst>
+          </a:prstGeom>
+          <a:noFill/>
+          <a:ln w="82550" cap="sq">
+            <a:solidFill>
+              <a:srgbClr val="EAEAEA"/>
+            </a:solidFill>
+            <a:miter lim="800000"/>
+          </a:ln>
+          <a:effectLst/>
+          <a:scene3d>
+            <a:camera prst="orthographicFront"/>
+            <a:lightRig rig="threePt" dir="t">
+              <a:rot lat="0" lon="0" rev="2700000"/>
+            </a:lightRig>
+          </a:scene3d>
+          <a:sp3d contourW="6350">
+            <a:bevelT h="38100"/>
+            <a:contourClr>
+              <a:srgbClr val="C0C0C0"/>
+            </a:contourClr>
+          </a:sp3d>
+        </p:spPr>
+        <p:txBody>
+          <a:bodyPr anchor="t"/>
+          <a:lstStyle>
+            <a:lvl1pPr marL="0" indent="0">
+              <a:buNone/>
+              <a:defRPr sz="3200"/>
+            </a:lvl1pPr>
+            <a:lvl2pPr marL="457200" indent="0">
+              <a:buNone/>
+              <a:defRPr sz="2800"/>
+            </a:lvl2pPr>
+            <a:lvl3pPr marL="914400" indent="0">
+              <a:buNone/>
+              <a:defRPr sz="2400"/>
+            </a:lvl3pPr>
+            <a:lvl4pPr marL="1371600" indent="0">
+              <a:buNone/>
+              <a:defRPr sz="2000"/>
+            </a:lvl4pPr>
+            <a:lvl5pPr marL="1828800" indent="0">
+              <a:buNone/>
+              <a:defRPr sz="2000"/>
+            </a:lvl5pPr>
+            <a:lvl6pPr marL="2286000" indent="0">
+              <a:buNone/>
+              <a:defRPr sz="2000"/>
+            </a:lvl6pPr>
+            <a:lvl7pPr marL="2743200" indent="0">
+              <a:buNone/>
+              <a:defRPr sz="2000"/>
+            </a:lvl7pPr>
+            <a:lvl8pPr marL="3200400" indent="0">
+              <a:buNone/>
+              <a:defRPr sz="2000"/>
+            </a:lvl8pPr>
+            <a:lvl9pPr marL="3657600" indent="0">
+              <a:buNone/>
+              <a:defRPr sz="2000"/>
+            </a:lvl9pPr>
+          </a:lstStyle>
+          <a:p>
+            <a:r>
+              <a:rPr lang="es-ES"/>
+              <a:t>Haga clic en el icono para agregar una imagen</a:t>
+            </a:r>
+            <a:endParaRPr lang="en-US" dirty="0"/>
+          </a:p>
+        </p:txBody>
+      </p:sp>
+      <p:sp>
+        <p:nvSpPr>
+          <p:cNvPr id="4" name="Text Placeholder 3"/>
+          <p:cNvSpPr>
+            <a:spLocks noGrp="1"/>
+          </p:cNvSpPr>
+          <p:nvPr>
+            <p:ph type="body" sz="half" idx="2"/>
+          </p:nvPr>
+        </p:nvSpPr>
+        <p:spPr>
+          <a:xfrm>
+            <a:off x="685346" y="2632853"/>
+            <a:ext cx="4129604" cy="3158347"/>
+          </a:xfrm>
+        </p:spPr>
+        <p:txBody>
+          <a:bodyPr/>
           <a:lstStyle>
             <a:lvl1pPr marL="0" indent="0" algn="ctr">
               <a:buNone/>
@@ -5387,109 +5993,42 @@
             </a:lvl1pPr>
             <a:lvl2pPr marL="457200" indent="0">
               <a:buNone/>
-              <a:defRPr sz="1600"/>
+              <a:defRPr sz="1400"/>
             </a:lvl2pPr>
             <a:lvl3pPr marL="914400" indent="0">
               <a:buNone/>
-              <a:defRPr sz="1600"/>
+              <a:defRPr sz="1200"/>
             </a:lvl3pPr>
             <a:lvl4pPr marL="1371600" indent="0">
               <a:buNone/>
-              <a:defRPr sz="1600"/>
+              <a:defRPr sz="1000"/>
             </a:lvl4pPr>
             <a:lvl5pPr marL="1828800" indent="0">
               <a:buNone/>
-              <a:defRPr sz="1600"/>
+              <a:defRPr sz="1000"/>
             </a:lvl5pPr>
             <a:lvl6pPr marL="2286000" indent="0">
               <a:buNone/>
-              <a:defRPr sz="1600"/>
+              <a:defRPr sz="1000"/>
             </a:lvl6pPr>
             <a:lvl7pPr marL="2743200" indent="0">
               <a:buNone/>
-              <a:defRPr sz="1600"/>
+              <a:defRPr sz="1000"/>
             </a:lvl7pPr>
             <a:lvl8pPr marL="3200400" indent="0">
               <a:buNone/>
-              <a:defRPr sz="1600"/>
+              <a:defRPr sz="1000"/>
             </a:lvl8pPr>
             <a:lvl9pPr marL="3657600" indent="0">
               <a:buNone/>
-              <a:defRPr sz="1600"/>
+              <a:defRPr sz="1000"/>
             </a:lvl9pPr>
           </a:lstStyle>
           <a:p>
-            <a:r>
-              <a:rPr lang="es-ES"/>
-              <a:t>Haga clic en el icono para agregar una imagen</a:t>
-            </a:r>
-            <a:endParaRPr lang="en-US" dirty="0"/>
-          </a:p>
-        </p:txBody>
-      </p:sp>
-      <p:sp>
-        <p:nvSpPr>
-          <p:cNvPr id="4" name="Text Placeholder 3"/>
-          <p:cNvSpPr>
-            <a:spLocks noGrp="1"/>
-          </p:cNvSpPr>
-          <p:nvPr>
-            <p:ph type="body" sz="half" idx="2"/>
-          </p:nvPr>
-        </p:nvSpPr>
-        <p:spPr>
-          <a:xfrm>
-            <a:off x="685347" y="2439261"/>
-            <a:ext cx="3924676" cy="3376134"/>
-          </a:xfrm>
-        </p:spPr>
-        <p:txBody>
-          <a:bodyPr anchor="t">
-            <a:normAutofit/>
-          </a:bodyPr>
-          <a:lstStyle>
-            <a:lvl1pPr marL="0" indent="0" algn="ctr">
-              <a:buNone/>
-              <a:defRPr sz="1600"/>
-            </a:lvl1pPr>
-            <a:lvl2pPr marL="457200" indent="0">
-              <a:buNone/>
-              <a:defRPr sz="1200"/>
-            </a:lvl2pPr>
-            <a:lvl3pPr marL="914400" indent="0">
-              <a:buNone/>
-              <a:defRPr sz="1000"/>
-            </a:lvl3pPr>
-            <a:lvl4pPr marL="1371600" indent="0">
-              <a:buNone/>
-              <a:defRPr sz="900"/>
-            </a:lvl4pPr>
-            <a:lvl5pPr marL="1828800" indent="0">
-              <a:buNone/>
-              <a:defRPr sz="900"/>
-            </a:lvl5pPr>
-            <a:lvl6pPr marL="2286000" indent="0">
-              <a:buNone/>
-              <a:defRPr sz="900"/>
-            </a:lvl6pPr>
-            <a:lvl7pPr marL="2743200" indent="0">
-              <a:buNone/>
-              <a:defRPr sz="900"/>
-            </a:lvl7pPr>
-            <a:lvl8pPr marL="3200400" indent="0">
-              <a:buNone/>
-              <a:defRPr sz="900"/>
-            </a:lvl8pPr>
-            <a:lvl9pPr marL="3657600" indent="0">
-              <a:buNone/>
-              <a:defRPr sz="900"/>
-            </a:lvl9pPr>
-          </a:lstStyle>
-          <a:p>
             <a:pPr lvl="0"/>
             <a:r>
               <a:rPr lang="es-ES"/>
-              <a:t>Haga clic para modificar los estilos de texto del patrón</a:t>
+              <a:t>Editar los estilos de texto del patrón</a:t>
             </a:r>
           </a:p>
         </p:txBody>
@@ -5511,7 +6050,7 @@
           <a:p>
             <a:fld id="{1A7B92AE-B2EB-4F10-B119-B863F70790DC}" type="datetime1">
               <a:rPr lang="es-CO" smtClean="0"/>
-              <a:t>2/05/2019</a:t>
+              <a:t>7/06/2019</a:t>
             </a:fld>
             <a:endParaRPr lang="es-CO" dirty="0"/>
           </a:p>
@@ -5563,7 +6102,7 @@
     </p:spTree>
     <p:extLst>
       <p:ext uri="{BB962C8B-B14F-4D97-AF65-F5344CB8AC3E}">
-        <p14:creationId xmlns:p14="http://schemas.microsoft.com/office/powerpoint/2010/main" val="1435586842"/>
+        <p14:creationId xmlns:p14="http://schemas.microsoft.com/office/powerpoint/2010/main" val="3184212781"/>
       </p:ext>
     </p:extLst>
   </p:cSld>
@@ -5577,8 +6116,8 @@
 <p:sldMaster xmlns:a="http://schemas.openxmlformats.org/drawingml/2006/main" xmlns:r="http://schemas.openxmlformats.org/officeDocument/2006/relationships" xmlns:p="http://schemas.openxmlformats.org/presentationml/2006/main">
   <p:cSld>
     <p:bg>
-      <p:bgRef idx="1003">
-        <a:schemeClr val="bg2"/>
+      <p:bgRef idx="1002">
+        <a:schemeClr val="bg1"/>
       </p:bgRef>
     </p:bg>
     <p:spTree>
@@ -5595,31 +6134,66 @@
           <a:chExt cx="0" cy="0"/>
         </a:xfrm>
       </p:grpSpPr>
-      <p:sp>
-        <p:nvSpPr>
-          <p:cNvPr id="2" name="Title Placeholder 1"/>
-          <p:cNvSpPr>
-            <a:spLocks noGrp="1"/>
-          </p:cNvSpPr>
-          <p:nvPr>
-            <p:ph type="title"/>
-          </p:nvPr>
-        </p:nvSpPr>
-        <p:spPr>
-          <a:xfrm>
-            <a:off x="685346" y="609600"/>
-            <a:ext cx="7765322" cy="970450"/>
+      <p:pic>
+        <p:nvPicPr>
+          <p:cNvPr id="1026" name="Picture 2" descr="\\DROBO-FS\QuickDrops\JB\PPTX NG\Droplets\LightingOverlay.png"/>
+          <p:cNvPicPr>
+            <a:picLocks noChangeAspect="1" noChangeArrowheads="1"/>
+          </p:cNvPicPr>
+          <p:nvPr/>
+        </p:nvPicPr>
+        <p:blipFill>
+          <a:blip r:embed="rId19">
+            <a:alphaModFix/>
+            <a:extLst>
+              <a:ext uri="{28A0092B-C50C-407E-A947-70E740481C1C}">
+                <a14:useLocalDpi xmlns:a14="http://schemas.microsoft.com/office/drawing/2010/main" val="0"/>
+              </a:ext>
+            </a:extLst>
+          </a:blip>
+          <a:srcRect/>
+          <a:stretch>
+            <a:fillRect/>
+          </a:stretch>
+        </p:blipFill>
+        <p:spPr bwMode="auto">
+          <a:xfrm>
+            <a:off x="1" y="-1"/>
+            <a:ext cx="9144002" cy="6858001"/>
           </a:xfrm>
           <a:prstGeom prst="rect">
             <a:avLst/>
           </a:prstGeom>
-          <a:effectLst>
-            <a:outerShdw blurRad="25400" dir="17880000">
-              <a:srgbClr val="000000">
-                <a:alpha val="46000"/>
-              </a:srgbClr>
-            </a:outerShdw>
-          </a:effectLst>
+          <a:noFill/>
+          <a:extLst>
+            <a:ext uri="{909E8E84-426E-40DD-AFC4-6F175D3DCCD1}">
+              <a14:hiddenFill xmlns:a14="http://schemas.microsoft.com/office/drawing/2010/main">
+                <a:solidFill>
+                  <a:srgbClr val="FFFFFF"/>
+                </a:solidFill>
+              </a14:hiddenFill>
+            </a:ext>
+          </a:extLst>
+        </p:spPr>
+      </p:pic>
+      <p:sp>
+        <p:nvSpPr>
+          <p:cNvPr id="2" name="Title Placeholder 1"/>
+          <p:cNvSpPr>
+            <a:spLocks noGrp="1"/>
+          </p:cNvSpPr>
+          <p:nvPr>
+            <p:ph type="title"/>
+          </p:nvPr>
+        </p:nvSpPr>
+        <p:spPr>
+          <a:xfrm>
+            <a:off x="685332" y="618518"/>
+            <a:ext cx="7773338" cy="1596177"/>
+          </a:xfrm>
+          <a:prstGeom prst="rect">
+            <a:avLst/>
+          </a:prstGeom>
         </p:spPr>
         <p:txBody>
           <a:bodyPr vert="horz" lIns="91440" tIns="45720" rIns="91440" bIns="45720" rtlCol="0" anchor="ctr">
@@ -5647,22 +6221,15 @@
         </p:nvSpPr>
         <p:spPr>
           <a:xfrm>
-            <a:off x="685346" y="1732450"/>
-            <a:ext cx="7765322" cy="4058751"/>
+            <a:off x="685331" y="2367094"/>
+            <a:ext cx="7773339" cy="3424107"/>
           </a:xfrm>
           <a:prstGeom prst="rect">
             <a:avLst/>
           </a:prstGeom>
-          <a:effectLst>
-            <a:outerShdw blurRad="25400" dir="17880000">
-              <a:srgbClr val="000000">
-                <a:alpha val="46000"/>
-              </a:srgbClr>
-            </a:outerShdw>
-          </a:effectLst>
-        </p:spPr>
-        <p:txBody>
-          <a:bodyPr vert="horz" lIns="91440" tIns="45720" rIns="91440" bIns="45720" rtlCol="0" anchor="t">
+        </p:spPr>
+        <p:txBody>
+          <a:bodyPr vert="horz" lIns="91440" tIns="45720" rIns="91440" bIns="45720" rtlCol="0">
             <a:normAutofit/>
           </a:bodyPr>
           <a:lstStyle/>
@@ -5670,7 +6237,7 @@
             <a:pPr lvl="0"/>
             <a:r>
               <a:rPr lang="es-ES"/>
-              <a:t>Haga clic para modificar los estilos de texto del patrón</a:t>
+              <a:t>Editar los estilos de texto del patrón</a:t>
             </a:r>
           </a:p>
           <a:p>
@@ -5716,7 +6283,7 @@
         </p:nvSpPr>
         <p:spPr>
           <a:xfrm>
-            <a:off x="5759052" y="5883276"/>
+            <a:off x="5759053" y="5883276"/>
             <a:ext cx="2057400" cy="365125"/>
           </a:xfrm>
           <a:prstGeom prst="rect">
@@ -5729,24 +6296,15 @@
             <a:lvl1pPr algn="r">
               <a:defRPr sz="1000">
                 <a:solidFill>
-                  <a:schemeClr val="tx1">
-                    <a:lumMod val="95000"/>
-                  </a:schemeClr>
+                  <a:schemeClr val="tx1"/>
                 </a:solidFill>
-                <a:effectLst>
-                  <a:outerShdw blurRad="50800" dist="38100" dir="2700000" algn="tl" rotWithShape="0">
-                    <a:schemeClr val="bg1">
-                      <a:alpha val="43000"/>
-                    </a:schemeClr>
-                  </a:outerShdw>
-                </a:effectLst>
               </a:defRPr>
             </a:lvl1pPr>
           </a:lstStyle>
           <a:p>
             <a:fld id="{26330FAE-141A-4BFF-887C-E995FE81429D}" type="datetime1">
               <a:rPr lang="es-CO" smtClean="0"/>
-              <a:t>2/05/2019</a:t>
+              <a:t>7/06/2019</a:t>
             </a:fld>
             <a:endParaRPr lang="es-CO" dirty="0"/>
           </a:p>
@@ -5764,8 +6322,8 @@
         </p:nvSpPr>
         <p:spPr>
           <a:xfrm>
-            <a:off x="685347" y="5883276"/>
-            <a:ext cx="5004649" cy="365125"/>
+            <a:off x="685331" y="5883276"/>
+            <a:ext cx="5004665" cy="365125"/>
           </a:xfrm>
           <a:prstGeom prst="rect">
             <a:avLst/>
@@ -5777,17 +6335,8 @@
             <a:lvl1pPr algn="l">
               <a:defRPr sz="1000">
                 <a:solidFill>
-                  <a:schemeClr val="tx1">
-                    <a:lumMod val="95000"/>
-                  </a:schemeClr>
+                  <a:schemeClr val="tx1"/>
                 </a:solidFill>
-                <a:effectLst>
-                  <a:outerShdw blurRad="50800" dist="38100" dir="2700000" algn="tl" rotWithShape="0">
-                    <a:schemeClr val="bg1">
-                      <a:alpha val="43000"/>
-                    </a:schemeClr>
-                  </a:outerShdw>
-                </a:effectLst>
               </a:defRPr>
             </a:lvl1pPr>
           </a:lstStyle>
@@ -5809,7 +6358,7 @@
         <p:spPr>
           <a:xfrm>
             <a:off x="7885509" y="5883276"/>
-            <a:ext cx="565159" cy="365125"/>
+            <a:ext cx="573161" cy="365125"/>
           </a:xfrm>
           <a:prstGeom prst="rect">
             <a:avLst/>
@@ -5821,17 +6370,8 @@
             <a:lvl1pPr algn="r">
               <a:defRPr sz="1000">
                 <a:solidFill>
-                  <a:schemeClr val="tx1">
-                    <a:lumMod val="95000"/>
-                  </a:schemeClr>
+                  <a:schemeClr val="tx1"/>
                 </a:solidFill>
-                <a:effectLst>
-                  <a:outerShdw blurRad="50800" dist="38100" dir="2700000" algn="tl" rotWithShape="0">
-                    <a:schemeClr val="bg1">
-                      <a:alpha val="43000"/>
-                    </a:schemeClr>
-                  </a:outerShdw>
-                </a:effectLst>
               </a:defRPr>
             </a:lvl1pPr>
           </a:lstStyle>
@@ -5848,458 +6388,246 @@
     </p:spTree>
     <p:extLst>
       <p:ext uri="{BB962C8B-B14F-4D97-AF65-F5344CB8AC3E}">
-        <p14:creationId xmlns:p14="http://schemas.microsoft.com/office/powerpoint/2010/main" val="142646273"/>
+        <p14:creationId xmlns:p14="http://schemas.microsoft.com/office/powerpoint/2010/main" val="1666107003"/>
       </p:ext>
     </p:extLst>
   </p:cSld>
-  <p:clrMap bg1="dk1" tx1="lt1" bg2="dk2" tx2="lt2" accent1="accent1" accent2="accent2" accent3="accent3" accent4="accent4" accent5="accent5" accent6="accent6" hlink="hlink" folHlink="folHlink"/>
+  <p:clrMap bg1="lt1" tx1="dk1" bg2="lt2" tx2="dk2" accent1="accent1" accent2="accent2" accent3="accent3" accent4="accent4" accent5="accent5" accent6="accent6" hlink="hlink" folHlink="folHlink"/>
   <p:sldLayoutIdLst>
-    <p:sldLayoutId id="2147483661" r:id="rId1"/>
-    <p:sldLayoutId id="2147483662" r:id="rId2"/>
-    <p:sldLayoutId id="2147483663" r:id="rId3"/>
-    <p:sldLayoutId id="2147483664" r:id="rId4"/>
-    <p:sldLayoutId id="2147483665" r:id="rId5"/>
-    <p:sldLayoutId id="2147483666" r:id="rId6"/>
-    <p:sldLayoutId id="2147483667" r:id="rId7"/>
-    <p:sldLayoutId id="2147483668" r:id="rId8"/>
-    <p:sldLayoutId id="2147483669" r:id="rId9"/>
-    <p:sldLayoutId id="2147483670" r:id="rId10"/>
-    <p:sldLayoutId id="2147483671" r:id="rId11"/>
-    <p:sldLayoutId id="2147483672" r:id="rId12"/>
-    <p:sldLayoutId id="2147483673" r:id="rId13"/>
-    <p:sldLayoutId id="2147483674" r:id="rId14"/>
-    <p:sldLayoutId id="2147483675" r:id="rId15"/>
-    <p:sldLayoutId id="2147483676" r:id="rId16"/>
-    <p:sldLayoutId id="2147483677" r:id="rId17"/>
+    <p:sldLayoutId id="2147483679" r:id="rId1"/>
+    <p:sldLayoutId id="2147483680" r:id="rId2"/>
+    <p:sldLayoutId id="2147483681" r:id="rId3"/>
+    <p:sldLayoutId id="2147483682" r:id="rId4"/>
+    <p:sldLayoutId id="2147483683" r:id="rId5"/>
+    <p:sldLayoutId id="2147483684" r:id="rId6"/>
+    <p:sldLayoutId id="2147483685" r:id="rId7"/>
+    <p:sldLayoutId id="2147483686" r:id="rId8"/>
+    <p:sldLayoutId id="2147483687" r:id="rId9"/>
+    <p:sldLayoutId id="2147483688" r:id="rId10"/>
+    <p:sldLayoutId id="2147483689" r:id="rId11"/>
+    <p:sldLayoutId id="2147483690" r:id="rId12"/>
+    <p:sldLayoutId id="2147483691" r:id="rId13"/>
+    <p:sldLayoutId id="2147483692" r:id="rId14"/>
+    <p:sldLayoutId id="2147483693" r:id="rId15"/>
+    <p:sldLayoutId id="2147483694" r:id="rId16"/>
+    <p:sldLayoutId id="2147483695" r:id="rId17"/>
   </p:sldLayoutIdLst>
   <p:hf sldNum="0" hdr="0" ftr="0" dt="0"/>
   <p:txStyles>
     <p:titleStyle>
-      <a:lvl1pPr algn="ctr" defTabSz="457200" rtl="0" eaLnBrk="1" latinLnBrk="0" hangingPunct="1">
+      <a:lvl1pPr algn="ctr" defTabSz="914400" rtl="0" eaLnBrk="1" latinLnBrk="0" hangingPunct="1">
+        <a:lnSpc>
+          <a:spcPct val="90000"/>
+        </a:lnSpc>
         <a:spcBef>
           <a:spcPct val="0"/>
         </a:spcBef>
         <a:buNone/>
-        <a:defRPr sz="4000" kern="1200">
-          <a:ln>
-            <a:solidFill>
-              <a:schemeClr val="bg1">
-                <a:lumMod val="75000"/>
-                <a:lumOff val="25000"/>
-                <a:alpha val="10000"/>
-              </a:schemeClr>
-            </a:solidFill>
-          </a:ln>
+        <a:defRPr sz="3600" kern="1200" cap="all" baseline="0">
           <a:solidFill>
-            <a:schemeClr val="tx2"/>
+            <a:schemeClr val="tx1"/>
           </a:solidFill>
-          <a:effectLst>
-            <a:outerShdw blurRad="9525" dist="25400" dir="14640000" algn="tl" rotWithShape="0">
-              <a:schemeClr val="bg1">
-                <a:alpha val="30000"/>
-              </a:schemeClr>
-            </a:outerShdw>
-          </a:effectLst>
+          <a:effectLst/>
           <a:latin typeface="+mj-lt"/>
           <a:ea typeface="+mj-ea"/>
-          <a:cs typeface="Trebuchet MS"/>
+          <a:cs typeface="+mj-cs"/>
         </a:defRPr>
       </a:lvl1pPr>
-      <a:lvl2pPr eaLnBrk="1" hangingPunct="1">
-        <a:defRPr>
-          <a:solidFill>
-            <a:schemeClr val="tx2"/>
-          </a:solidFill>
-        </a:defRPr>
-      </a:lvl2pPr>
-      <a:lvl3pPr eaLnBrk="1" hangingPunct="1">
-        <a:defRPr>
-          <a:solidFill>
-            <a:schemeClr val="tx2"/>
-          </a:solidFill>
-        </a:defRPr>
-      </a:lvl3pPr>
-      <a:lvl4pPr eaLnBrk="1" hangingPunct="1">
-        <a:defRPr>
-          <a:solidFill>
-            <a:schemeClr val="tx2"/>
-          </a:solidFill>
-        </a:defRPr>
-      </a:lvl4pPr>
-      <a:lvl5pPr eaLnBrk="1" hangingPunct="1">
-        <a:defRPr>
-          <a:solidFill>
-            <a:schemeClr val="tx2"/>
-          </a:solidFill>
-        </a:defRPr>
-      </a:lvl5pPr>
-      <a:lvl6pPr eaLnBrk="1" hangingPunct="1">
-        <a:defRPr>
-          <a:solidFill>
-            <a:schemeClr val="tx2"/>
-          </a:solidFill>
-        </a:defRPr>
-      </a:lvl6pPr>
-      <a:lvl7pPr eaLnBrk="1" hangingPunct="1">
-        <a:defRPr>
-          <a:solidFill>
-            <a:schemeClr val="tx2"/>
-          </a:solidFill>
-        </a:defRPr>
-      </a:lvl7pPr>
-      <a:lvl8pPr eaLnBrk="1" hangingPunct="1">
-        <a:defRPr>
-          <a:solidFill>
-            <a:schemeClr val="tx2"/>
-          </a:solidFill>
-        </a:defRPr>
-      </a:lvl8pPr>
-      <a:lvl9pPr eaLnBrk="1" hangingPunct="1">
-        <a:defRPr>
-          <a:solidFill>
-            <a:schemeClr val="tx2"/>
-          </a:solidFill>
-        </a:defRPr>
-      </a:lvl9pPr>
     </p:titleStyle>
     <p:bodyStyle>
-      <a:lvl1pPr marL="342900" indent="-306000" algn="l" defTabSz="457200" rtl="0" eaLnBrk="1" latinLnBrk="0" hangingPunct="1">
+      <a:lvl1pPr marL="228600" indent="-228600" algn="l" defTabSz="914400" rtl="0" eaLnBrk="1" latinLnBrk="0" hangingPunct="1">
+        <a:lnSpc>
+          <a:spcPct val="120000"/>
+        </a:lnSpc>
         <a:spcBef>
-          <a:spcPct val="20000"/>
+          <a:spcPts val="1000"/>
         </a:spcBef>
-        <a:spcAft>
-          <a:spcPts val="600"/>
-        </a:spcAft>
         <a:buClr>
-          <a:schemeClr val="tx2"/>
+          <a:schemeClr val="tx1"/>
         </a:buClr>
-        <a:buSzPct val="70000"/>
-        <a:buFont typeface="Wingdings 2" charset="2"/>
-        <a:buChar char=""/>
-        <a:defRPr sz="2000" kern="1200">
-          <a:ln>
-            <a:solidFill>
-              <a:schemeClr val="bg1">
-                <a:lumMod val="75000"/>
-                <a:lumOff val="25000"/>
-                <a:alpha val="10000"/>
-              </a:schemeClr>
-            </a:solidFill>
-          </a:ln>
+        <a:buFont typeface="Arial" panose="020B0604020202020204" pitchFamily="34" charset="0"/>
+        <a:buChar char="•"/>
+        <a:defRPr sz="2000" kern="1200" cap="all" baseline="0">
           <a:solidFill>
-            <a:schemeClr val="tx2"/>
+            <a:schemeClr val="tx1"/>
           </a:solidFill>
-          <a:effectLst>
-            <a:outerShdw blurRad="9525" dist="25400" dir="14640000" algn="tl" rotWithShape="0">
-              <a:schemeClr val="bg1">
-                <a:alpha val="30000"/>
-              </a:schemeClr>
-            </a:outerShdw>
-          </a:effectLst>
+          <a:effectLst/>
           <a:latin typeface="+mn-lt"/>
           <a:ea typeface="+mn-ea"/>
           <a:cs typeface="+mn-cs"/>
         </a:defRPr>
       </a:lvl1pPr>
-      <a:lvl2pPr marL="720000" indent="-270000" algn="l" defTabSz="457200" rtl="0" eaLnBrk="1" latinLnBrk="0" hangingPunct="1">
+      <a:lvl2pPr marL="685800" indent="-228600" algn="l" defTabSz="914400" rtl="0" eaLnBrk="1" latinLnBrk="0" hangingPunct="1">
+        <a:lnSpc>
+          <a:spcPct val="120000"/>
+        </a:lnSpc>
         <a:spcBef>
-          <a:spcPct val="20000"/>
+          <a:spcPts val="500"/>
         </a:spcBef>
-        <a:spcAft>
-          <a:spcPts val="600"/>
-        </a:spcAft>
         <a:buClr>
-          <a:schemeClr val="tx2"/>
+          <a:schemeClr val="tx1"/>
         </a:buClr>
-        <a:buSzPct val="70000"/>
-        <a:buFont typeface="Wingdings 2" charset="2"/>
-        <a:buChar char=""/>
-        <a:defRPr sz="1800" kern="1200">
-          <a:ln>
-            <a:solidFill>
-              <a:schemeClr val="bg1">
-                <a:lumMod val="75000"/>
-                <a:lumOff val="25000"/>
-                <a:alpha val="10000"/>
-              </a:schemeClr>
-            </a:solidFill>
-          </a:ln>
+        <a:buFont typeface="Arial" panose="020B0604020202020204" pitchFamily="34" charset="0"/>
+        <a:buChar char="•"/>
+        <a:defRPr sz="1800" kern="1200" cap="all" baseline="0">
           <a:solidFill>
-            <a:schemeClr val="tx2"/>
+            <a:schemeClr val="tx1"/>
           </a:solidFill>
-          <a:effectLst>
-            <a:outerShdw blurRad="9525" dist="25400" dir="14640000" algn="tl" rotWithShape="0">
-              <a:schemeClr val="bg1">
-                <a:alpha val="30000"/>
-              </a:schemeClr>
-            </a:outerShdw>
-          </a:effectLst>
+          <a:effectLst/>
           <a:latin typeface="+mn-lt"/>
           <a:ea typeface="+mn-ea"/>
           <a:cs typeface="+mn-cs"/>
         </a:defRPr>
       </a:lvl2pPr>
-      <a:lvl3pPr marL="1026000" indent="-216000" algn="l" defTabSz="457200" rtl="0" eaLnBrk="1" latinLnBrk="0" hangingPunct="1">
+      <a:lvl3pPr marL="1143000" indent="-228600" algn="l" defTabSz="914400" rtl="0" eaLnBrk="1" latinLnBrk="0" hangingPunct="1">
+        <a:lnSpc>
+          <a:spcPct val="120000"/>
+        </a:lnSpc>
         <a:spcBef>
-          <a:spcPct val="20000"/>
+          <a:spcPts val="500"/>
         </a:spcBef>
-        <a:spcAft>
-          <a:spcPts val="600"/>
-        </a:spcAft>
         <a:buClr>
-          <a:schemeClr val="tx2"/>
+          <a:schemeClr val="tx1"/>
         </a:buClr>
-        <a:buSzPct val="70000"/>
-        <a:buFont typeface="Wingdings 2" charset="2"/>
-        <a:buChar char=""/>
-        <a:defRPr sz="1600" kern="1200">
-          <a:ln>
-            <a:solidFill>
-              <a:schemeClr val="bg1">
-                <a:lumMod val="75000"/>
-                <a:lumOff val="25000"/>
-                <a:alpha val="10000"/>
-              </a:schemeClr>
-            </a:solidFill>
-          </a:ln>
+        <a:buFont typeface="Arial" panose="020B0604020202020204" pitchFamily="34" charset="0"/>
+        <a:buChar char="•"/>
+        <a:defRPr sz="1600" kern="1200" cap="all" baseline="0">
           <a:solidFill>
-            <a:schemeClr val="tx2"/>
+            <a:schemeClr val="tx1"/>
           </a:solidFill>
-          <a:effectLst>
-            <a:outerShdw blurRad="9525" dist="25400" dir="14640000" algn="tl" rotWithShape="0">
-              <a:schemeClr val="bg1">
-                <a:alpha val="30000"/>
-              </a:schemeClr>
-            </a:outerShdw>
-          </a:effectLst>
+          <a:effectLst/>
           <a:latin typeface="+mn-lt"/>
           <a:ea typeface="+mn-ea"/>
           <a:cs typeface="+mn-cs"/>
         </a:defRPr>
       </a:lvl3pPr>
-      <a:lvl4pPr marL="1386000" indent="-216000" algn="l" defTabSz="457200" rtl="0" eaLnBrk="1" latinLnBrk="0" hangingPunct="1">
+      <a:lvl4pPr marL="1600200" indent="-228600" algn="l" defTabSz="914400" rtl="0" eaLnBrk="1" latinLnBrk="0" hangingPunct="1">
+        <a:lnSpc>
+          <a:spcPct val="120000"/>
+        </a:lnSpc>
         <a:spcBef>
-          <a:spcPct val="20000"/>
+          <a:spcPts val="500"/>
         </a:spcBef>
-        <a:spcAft>
-          <a:spcPts val="600"/>
-        </a:spcAft>
         <a:buClr>
-          <a:schemeClr val="tx2"/>
+          <a:schemeClr val="tx1"/>
         </a:buClr>
-        <a:buSzPct val="70000"/>
-        <a:buFont typeface="Wingdings 2" charset="2"/>
-        <a:buChar char=""/>
-        <a:defRPr sz="1400" kern="1200">
-          <a:ln>
-            <a:solidFill>
-              <a:schemeClr val="bg1">
-                <a:lumMod val="75000"/>
-                <a:lumOff val="25000"/>
-                <a:alpha val="10000"/>
-              </a:schemeClr>
-            </a:solidFill>
-          </a:ln>
+        <a:buFont typeface="Arial" panose="020B0604020202020204" pitchFamily="34" charset="0"/>
+        <a:buChar char="•"/>
+        <a:defRPr sz="1400" kern="1200" cap="all" baseline="0">
           <a:solidFill>
-            <a:schemeClr val="tx2"/>
+            <a:schemeClr val="tx1"/>
           </a:solidFill>
-          <a:effectLst>
-            <a:outerShdw blurRad="9525" dist="25400" dir="14640000" algn="tl" rotWithShape="0">
-              <a:schemeClr val="bg1">
-                <a:alpha val="30000"/>
-              </a:schemeClr>
-            </a:outerShdw>
-          </a:effectLst>
+          <a:effectLst/>
           <a:latin typeface="+mn-lt"/>
           <a:ea typeface="+mn-ea"/>
           <a:cs typeface="+mn-cs"/>
         </a:defRPr>
       </a:lvl4pPr>
-      <a:lvl5pPr marL="1674000" indent="-216000" algn="l" defTabSz="457200" rtl="0" eaLnBrk="1" latinLnBrk="0" hangingPunct="1">
+      <a:lvl5pPr marL="2057400" indent="-228600" algn="l" defTabSz="914400" rtl="0" eaLnBrk="1" latinLnBrk="0" hangingPunct="1">
+        <a:lnSpc>
+          <a:spcPct val="120000"/>
+        </a:lnSpc>
         <a:spcBef>
-          <a:spcPct val="20000"/>
+          <a:spcPts val="500"/>
         </a:spcBef>
-        <a:spcAft>
-          <a:spcPts val="600"/>
-        </a:spcAft>
         <a:buClr>
-          <a:schemeClr val="tx2"/>
+          <a:schemeClr val="tx1"/>
         </a:buClr>
-        <a:buSzPct val="70000"/>
-        <a:buFont typeface="Wingdings 2" charset="2"/>
-        <a:buChar char=""/>
-        <a:defRPr sz="1400" kern="1200">
-          <a:ln>
-            <a:solidFill>
-              <a:schemeClr val="bg1">
-                <a:lumMod val="75000"/>
-                <a:lumOff val="25000"/>
-                <a:alpha val="10000"/>
-              </a:schemeClr>
-            </a:solidFill>
-          </a:ln>
+        <a:buFont typeface="Arial" panose="020B0604020202020204" pitchFamily="34" charset="0"/>
+        <a:buChar char="•"/>
+        <a:defRPr sz="1400" kern="1200" cap="all" baseline="0">
           <a:solidFill>
-            <a:schemeClr val="tx2"/>
+            <a:schemeClr val="tx1"/>
           </a:solidFill>
-          <a:effectLst>
-            <a:outerShdw blurRad="9525" dist="25400" dir="14640000" algn="tl" rotWithShape="0">
-              <a:schemeClr val="bg1">
-                <a:alpha val="30000"/>
-              </a:schemeClr>
-            </a:outerShdw>
-          </a:effectLst>
+          <a:effectLst/>
           <a:latin typeface="+mn-lt"/>
           <a:ea typeface="+mn-ea"/>
           <a:cs typeface="+mn-cs"/>
         </a:defRPr>
       </a:lvl5pPr>
-      <a:lvl6pPr marL="2014600" indent="-228600" algn="l" defTabSz="457200" rtl="0" eaLnBrk="1" latinLnBrk="0" hangingPunct="1">
+      <a:lvl6pPr marL="2514600" indent="-228600" algn="l" defTabSz="914400" rtl="0" eaLnBrk="1" latinLnBrk="0" hangingPunct="1">
+        <a:lnSpc>
+          <a:spcPct val="120000"/>
+        </a:lnSpc>
         <a:spcBef>
-          <a:spcPct val="20000"/>
+          <a:spcPts val="500"/>
         </a:spcBef>
-        <a:spcAft>
-          <a:spcPts val="600"/>
-        </a:spcAft>
         <a:buClr>
-          <a:schemeClr val="tx2"/>
+          <a:schemeClr val="tx1"/>
         </a:buClr>
-        <a:buSzPct val="70000"/>
-        <a:buFont typeface="Wingdings 2" charset="2"/>
-        <a:buChar char=""/>
-        <a:defRPr sz="1400" kern="1200">
-          <a:ln>
-            <a:solidFill>
-              <a:schemeClr val="bg1">
-                <a:lumMod val="75000"/>
-                <a:lumOff val="25000"/>
-                <a:alpha val="10000"/>
-              </a:schemeClr>
-            </a:solidFill>
-          </a:ln>
+        <a:buFont typeface="Arial" panose="020B0604020202020204" pitchFamily="34" charset="0"/>
+        <a:buChar char="•"/>
+        <a:defRPr sz="1400" kern="1200" cap="all" baseline="0">
           <a:solidFill>
-            <a:schemeClr val="tx2"/>
+            <a:schemeClr val="tx1"/>
           </a:solidFill>
-          <a:effectLst>
-            <a:outerShdw blurRad="9525" dist="25400" dir="14640000" algn="tl" rotWithShape="0">
-              <a:schemeClr val="bg1">
-                <a:alpha val="30000"/>
-              </a:schemeClr>
-            </a:outerShdw>
-          </a:effectLst>
+          <a:effectLst/>
           <a:latin typeface="+mn-lt"/>
           <a:ea typeface="+mn-ea"/>
           <a:cs typeface="+mn-cs"/>
         </a:defRPr>
       </a:lvl6pPr>
-      <a:lvl7pPr marL="2401800" indent="-228600" algn="l" defTabSz="457200" rtl="0" eaLnBrk="1" latinLnBrk="0" hangingPunct="1">
+      <a:lvl7pPr marL="2971800" indent="-228600" algn="l" defTabSz="914400" rtl="0" eaLnBrk="1" latinLnBrk="0" hangingPunct="1">
+        <a:lnSpc>
+          <a:spcPct val="120000"/>
+        </a:lnSpc>
         <a:spcBef>
-          <a:spcPct val="20000"/>
+          <a:spcPts val="500"/>
         </a:spcBef>
-        <a:spcAft>
-          <a:spcPts val="600"/>
-        </a:spcAft>
         <a:buClr>
-          <a:schemeClr val="tx2"/>
+          <a:schemeClr val="tx1"/>
         </a:buClr>
-        <a:buSzPct val="70000"/>
-        <a:buFont typeface="Wingdings 2" charset="2"/>
-        <a:buChar char=""/>
-        <a:defRPr sz="1400" kern="1200">
-          <a:ln>
-            <a:solidFill>
-              <a:schemeClr val="bg1">
-                <a:lumMod val="75000"/>
-                <a:lumOff val="25000"/>
-                <a:alpha val="10000"/>
-              </a:schemeClr>
-            </a:solidFill>
-          </a:ln>
+        <a:buFont typeface="Arial" panose="020B0604020202020204" pitchFamily="34" charset="0"/>
+        <a:buChar char="•"/>
+        <a:defRPr sz="1400" kern="1200" cap="all" baseline="0">
           <a:solidFill>
-            <a:schemeClr val="tx2"/>
+            <a:schemeClr val="tx1"/>
           </a:solidFill>
-          <a:effectLst>
-            <a:outerShdw blurRad="9525" dist="25400" dir="14640000" algn="tl" rotWithShape="0">
-              <a:schemeClr val="bg1">
-                <a:alpha val="30000"/>
-              </a:schemeClr>
-            </a:outerShdw>
-          </a:effectLst>
+          <a:effectLst/>
           <a:latin typeface="+mn-lt"/>
           <a:ea typeface="+mn-ea"/>
           <a:cs typeface="+mn-cs"/>
         </a:defRPr>
       </a:lvl7pPr>
-      <a:lvl8pPr marL="2789000" indent="-228600" algn="l" defTabSz="457200" rtl="0" eaLnBrk="1" latinLnBrk="0" hangingPunct="1">
+      <a:lvl8pPr marL="3429000" indent="-228600" algn="l" defTabSz="914400" rtl="0" eaLnBrk="1" latinLnBrk="0" hangingPunct="1">
+        <a:lnSpc>
+          <a:spcPct val="120000"/>
+        </a:lnSpc>
         <a:spcBef>
-          <a:spcPct val="20000"/>
+          <a:spcPts val="500"/>
         </a:spcBef>
-        <a:spcAft>
-          <a:spcPts val="600"/>
-        </a:spcAft>
         <a:buClr>
-          <a:schemeClr val="tx2"/>
+          <a:schemeClr val="tx1"/>
         </a:buClr>
-        <a:buSzPct val="70000"/>
-        <a:buFont typeface="Wingdings 2" charset="2"/>
-        <a:buChar char=""/>
-        <a:defRPr sz="1400" kern="1200">
-          <a:ln>
-            <a:solidFill>
-              <a:schemeClr val="bg1">
-                <a:lumMod val="75000"/>
-                <a:lumOff val="25000"/>
-                <a:alpha val="10000"/>
-              </a:schemeClr>
-            </a:solidFill>
-          </a:ln>
+        <a:buFont typeface="Arial" panose="020B0604020202020204" pitchFamily="34" charset="0"/>
+        <a:buChar char="•"/>
+        <a:defRPr sz="1400" kern="1200" cap="all" baseline="0">
           <a:solidFill>
-            <a:schemeClr val="tx2"/>
+            <a:schemeClr val="tx1"/>
           </a:solidFill>
-          <a:effectLst>
-            <a:outerShdw blurRad="9525" dist="25400" dir="14640000" algn="tl" rotWithShape="0">
-              <a:schemeClr val="bg1">
-                <a:alpha val="30000"/>
-              </a:schemeClr>
-            </a:outerShdw>
-          </a:effectLst>
+          <a:effectLst/>
           <a:latin typeface="+mn-lt"/>
           <a:ea typeface="+mn-ea"/>
           <a:cs typeface="+mn-cs"/>
         </a:defRPr>
       </a:lvl8pPr>
-      <a:lvl9pPr marL="3106200" indent="-228600" algn="l" defTabSz="457200" rtl="0" eaLnBrk="1" latinLnBrk="0" hangingPunct="1">
+      <a:lvl9pPr marL="3886200" indent="-228600" algn="l" defTabSz="914400" rtl="0" eaLnBrk="1" latinLnBrk="0" hangingPunct="1">
+        <a:lnSpc>
+          <a:spcPct val="120000"/>
+        </a:lnSpc>
         <a:spcBef>
-          <a:spcPct val="20000"/>
+          <a:spcPts val="500"/>
         </a:spcBef>
-        <a:spcAft>
-          <a:spcPts val="600"/>
-        </a:spcAft>
         <a:buClr>
-          <a:schemeClr val="tx2"/>
+          <a:schemeClr val="tx1"/>
         </a:buClr>
-        <a:buSzPct val="70000"/>
-        <a:buFont typeface="Wingdings 2" charset="2"/>
-        <a:buChar char=""/>
-        <a:defRPr sz="1400" kern="1200">
-          <a:ln>
-            <a:solidFill>
-              <a:schemeClr val="bg1">
-                <a:lumMod val="75000"/>
-                <a:lumOff val="25000"/>
-                <a:alpha val="10000"/>
-              </a:schemeClr>
-            </a:solidFill>
-          </a:ln>
+        <a:buFont typeface="Arial" panose="020B0604020202020204" pitchFamily="34" charset="0"/>
+        <a:buChar char="•"/>
+        <a:defRPr sz="1400" kern="1200" cap="all" baseline="0">
           <a:solidFill>
-            <a:schemeClr val="tx2"/>
+            <a:schemeClr val="tx1"/>
           </a:solidFill>
-          <a:effectLst>
-            <a:outerShdw blurRad="9525" dist="25400" dir="14640000" algn="tl" rotWithShape="0">
-              <a:schemeClr val="bg1">
-                <a:alpha val="30000"/>
-              </a:schemeClr>
-            </a:outerShdw>
-          </a:effectLst>
+          <a:effectLst/>
           <a:latin typeface="+mn-lt"/>
           <a:ea typeface="+mn-ea"/>
           <a:cs typeface="+mn-cs"/>
@@ -6310,7 +6638,7 @@
       <a:defPPr>
         <a:defRPr lang="en-US"/>
       </a:defPPr>
-      <a:lvl1pPr marL="0" algn="l" defTabSz="457200" rtl="0" eaLnBrk="1" latinLnBrk="0" hangingPunct="1">
+      <a:lvl1pPr marL="0" algn="l" defTabSz="914400" rtl="0" eaLnBrk="1" latinLnBrk="0" hangingPunct="1">
         <a:defRPr sz="1800" kern="1200">
           <a:solidFill>
             <a:schemeClr val="tx1"/>
@@ -6320,7 +6648,7 @@
           <a:cs typeface="+mn-cs"/>
         </a:defRPr>
       </a:lvl1pPr>
-      <a:lvl2pPr marL="457200" algn="l" defTabSz="457200" rtl="0" eaLnBrk="1" latinLnBrk="0" hangingPunct="1">
+      <a:lvl2pPr marL="457200" algn="l" defTabSz="914400" rtl="0" eaLnBrk="1" latinLnBrk="0" hangingPunct="1">
         <a:defRPr sz="1800" kern="1200">
           <a:solidFill>
             <a:schemeClr val="tx1"/>
@@ -6330,7 +6658,7 @@
           <a:cs typeface="+mn-cs"/>
         </a:defRPr>
       </a:lvl2pPr>
-      <a:lvl3pPr marL="914400" algn="l" defTabSz="457200" rtl="0" eaLnBrk="1" latinLnBrk="0" hangingPunct="1">
+      <a:lvl3pPr marL="914400" algn="l" defTabSz="914400" rtl="0" eaLnBrk="1" latinLnBrk="0" hangingPunct="1">
         <a:defRPr sz="1800" kern="1200">
           <a:solidFill>
             <a:schemeClr val="tx1"/>
@@ -6340,7 +6668,7 @@
           <a:cs typeface="+mn-cs"/>
         </a:defRPr>
       </a:lvl3pPr>
-      <a:lvl4pPr marL="1371600" algn="l" defTabSz="457200" rtl="0" eaLnBrk="1" latinLnBrk="0" hangingPunct="1">
+      <a:lvl4pPr marL="1371600" algn="l" defTabSz="914400" rtl="0" eaLnBrk="1" latinLnBrk="0" hangingPunct="1">
         <a:defRPr sz="1800" kern="1200">
           <a:solidFill>
             <a:schemeClr val="tx1"/>
@@ -6350,7 +6678,7 @@
           <a:cs typeface="+mn-cs"/>
         </a:defRPr>
       </a:lvl4pPr>
-      <a:lvl5pPr marL="1828800" algn="l" defTabSz="457200" rtl="0" eaLnBrk="1" latinLnBrk="0" hangingPunct="1">
+      <a:lvl5pPr marL="1828800" algn="l" defTabSz="914400" rtl="0" eaLnBrk="1" latinLnBrk="0" hangingPunct="1">
         <a:defRPr sz="1800" kern="1200">
           <a:solidFill>
             <a:schemeClr val="tx1"/>
@@ -6360,7 +6688,7 @@
           <a:cs typeface="+mn-cs"/>
         </a:defRPr>
       </a:lvl5pPr>
-      <a:lvl6pPr marL="2286000" algn="l" defTabSz="457200" rtl="0" eaLnBrk="1" latinLnBrk="0" hangingPunct="1">
+      <a:lvl6pPr marL="2286000" algn="l" defTabSz="914400" rtl="0" eaLnBrk="1" latinLnBrk="0" hangingPunct="1">
         <a:defRPr sz="1800" kern="1200">
           <a:solidFill>
             <a:schemeClr val="tx1"/>
@@ -6370,7 +6698,7 @@
           <a:cs typeface="+mn-cs"/>
         </a:defRPr>
       </a:lvl6pPr>
-      <a:lvl7pPr marL="2743200" algn="l" defTabSz="457200" rtl="0" eaLnBrk="1" latinLnBrk="0" hangingPunct="1">
+      <a:lvl7pPr marL="2743200" algn="l" defTabSz="914400" rtl="0" eaLnBrk="1" latinLnBrk="0" hangingPunct="1">
         <a:defRPr sz="1800" kern="1200">
           <a:solidFill>
             <a:schemeClr val="tx1"/>
@@ -6380,7 +6708,7 @@
           <a:cs typeface="+mn-cs"/>
         </a:defRPr>
       </a:lvl7pPr>
-      <a:lvl8pPr marL="3200400" algn="l" defTabSz="457200" rtl="0" eaLnBrk="1" latinLnBrk="0" hangingPunct="1">
+      <a:lvl8pPr marL="3200400" algn="l" defTabSz="914400" rtl="0" eaLnBrk="1" latinLnBrk="0" hangingPunct="1">
         <a:defRPr sz="1800" kern="1200">
           <a:solidFill>
             <a:schemeClr val="tx1"/>
@@ -6390,7 +6718,7 @@
           <a:cs typeface="+mn-cs"/>
         </a:defRPr>
       </a:lvl8pPr>
-      <a:lvl9pPr marL="3657600" algn="l" defTabSz="457200" rtl="0" eaLnBrk="1" latinLnBrk="0" hangingPunct="1">
+      <a:lvl9pPr marL="3657600" algn="l" defTabSz="914400" rtl="0" eaLnBrk="1" latinLnBrk="0" hangingPunct="1">
         <a:defRPr sz="1800" kern="1200">
           <a:solidFill>
             <a:schemeClr val="tx1"/>
@@ -6410,21 +6738,23 @@
   <p:cSld>
     <p:bg>
       <p:bgPr>
-        <a:blipFill rotWithShape="1">
-          <a:blip r:embed="rId2">
-            <a:duotone>
+        <a:gradFill rotWithShape="1">
+          <a:gsLst>
+            <a:gs pos="0">
               <a:schemeClr val="bg1">
-                <a:shade val="80000"/>
-                <a:lumMod val="80000"/>
+                <a:tint val="90000"/>
+                <a:lumMod val="110000"/>
               </a:schemeClr>
+            </a:gs>
+            <a:gs pos="100000">
               <a:schemeClr val="bg1">
-                <a:tint val="98000"/>
+                <a:shade val="64000"/>
+                <a:lumMod val="88000"/>
               </a:schemeClr>
-            </a:duotone>
-            <a:extLst/>
-          </a:blip>
-          <a:stretch/>
-        </a:blipFill>
+            </a:gs>
+          </a:gsLst>
+          <a:lin ang="5400000" scaled="0"/>
+        </a:gradFill>
         <a:effectLst/>
       </p:bgPr>
     </p:bg>
@@ -6444,6 +6774,225 @@
       </p:grpSpPr>
       <p:pic>
         <p:nvPicPr>
+          <p:cNvPr id="30" name="Picture 2">
+            <a:extLst>
+              <a:ext uri="{FF2B5EF4-FFF2-40B4-BE49-F238E27FC236}">
+                <a16:creationId xmlns:a16="http://schemas.microsoft.com/office/drawing/2014/main" id="{22790EC5-ACA7-4536-8066-B60199F3C6DF}"/>
+              </a:ext>
+              <a:ext uri="{C183D7F6-B498-43B3-948B-1728B52AA6E4}">
+                <adec:decorative xmlns:adec="http://schemas.microsoft.com/office/drawing/2017/decorative" val="1"/>
+              </a:ext>
+            </a:extLst>
+          </p:cNvPr>
+          <p:cNvPicPr>
+            <a:picLocks noGrp="1" noRot="1" noChangeAspect="1" noMove="1" noResize="1" noEditPoints="1" noAdjustHandles="1" noChangeArrowheads="1" noChangeShapeType="1" noCrop="1"/>
+          </p:cNvPicPr>
+          <p:nvPr>
+            <p:extLst>
+              <p:ext uri="{386F3935-93C4-4BCD-93E2-E3B085C9AB24}">
+                <p16:designElem xmlns:p16="http://schemas.microsoft.com/office/powerpoint/2015/main" val="1"/>
+              </p:ext>
+            </p:extLst>
+          </p:nvPr>
+        </p:nvPicPr>
+        <p:blipFill>
+          <a:blip r:embed="rId2">
+            <a:alphaModFix/>
+            <a:extLst>
+              <a:ext uri="{28A0092B-C50C-407E-A947-70E740481C1C}">
+                <a14:useLocalDpi xmlns:a14="http://schemas.microsoft.com/office/drawing/2010/main" val="0"/>
+              </a:ext>
+            </a:extLst>
+          </a:blip>
+          <a:srcRect/>
+          <a:stretch>
+            <a:fillRect/>
+          </a:stretch>
+        </p:blipFill>
+        <p:spPr bwMode="auto">
+          <a:xfrm>
+            <a:off x="0" y="-1"/>
+            <a:ext cx="9144002" cy="6858001"/>
+          </a:xfrm>
+          <a:prstGeom prst="rect">
+            <a:avLst/>
+          </a:prstGeom>
+          <a:noFill/>
+          <a:extLst>
+            <a:ext uri="{909E8E84-426E-40DD-AFC4-6F175D3DCCD1}">
+              <a14:hiddenFill xmlns:a14="http://schemas.microsoft.com/office/drawing/2010/main">
+                <a:solidFill>
+                  <a:srgbClr val="FFFFFF"/>
+                </a:solidFill>
+              </a14:hiddenFill>
+            </a:ext>
+          </a:extLst>
+        </p:spPr>
+      </p:pic>
+      <p:pic>
+        <p:nvPicPr>
+          <p:cNvPr id="31" name="Picture 12">
+            <a:extLst>
+              <a:ext uri="{FF2B5EF4-FFF2-40B4-BE49-F238E27FC236}">
+                <a16:creationId xmlns:a16="http://schemas.microsoft.com/office/drawing/2014/main" id="{CAD20AEA-7CAF-4A83-BE2E-EAF010B8B7FC}"/>
+              </a:ext>
+              <a:ext uri="{C183D7F6-B498-43B3-948B-1728B52AA6E4}">
+                <adec:decorative xmlns:adec="http://schemas.microsoft.com/office/drawing/2017/decorative" val="1"/>
+              </a:ext>
+            </a:extLst>
+          </p:cNvPr>
+          <p:cNvPicPr>
+            <a:picLocks noGrp="1" noRot="1" noChangeAspect="1" noMove="1" noResize="1" noEditPoints="1" noAdjustHandles="1" noChangeArrowheads="1" noChangeShapeType="1" noCrop="1"/>
+          </p:cNvPicPr>
+          <p:nvPr>
+            <p:extLst>
+              <p:ext uri="{386F3935-93C4-4BCD-93E2-E3B085C9AB24}">
+                <p16:designElem xmlns:p16="http://schemas.microsoft.com/office/powerpoint/2015/main" val="1"/>
+              </p:ext>
+            </p:extLst>
+          </p:nvPr>
+        </p:nvPicPr>
+        <p:blipFill>
+          <a:blip r:embed="rId3">
+            <a:extLst>
+              <a:ext uri="{28A0092B-C50C-407E-A947-70E740481C1C}">
+                <a14:useLocalDpi xmlns:a14="http://schemas.microsoft.com/office/drawing/2010/main" val="0"/>
+              </a:ext>
+            </a:extLst>
+          </a:blip>
+          <a:stretch>
+            <a:fillRect/>
+          </a:stretch>
+        </p:blipFill>
+        <p:spPr>
+          <a:xfrm>
+            <a:off x="0" y="0"/>
+            <a:ext cx="9144000" cy="6858000"/>
+          </a:xfrm>
+          <a:prstGeom prst="rect">
+            <a:avLst/>
+          </a:prstGeom>
+        </p:spPr>
+      </p:pic>
+      <p:sp useBgFill="1">
+        <p:nvSpPr>
+          <p:cNvPr id="32" name="Rectangle 14">
+            <a:extLst>
+              <a:ext uri="{FF2B5EF4-FFF2-40B4-BE49-F238E27FC236}">
+                <a16:creationId xmlns:a16="http://schemas.microsoft.com/office/drawing/2014/main" id="{2255CADE-DCE0-447F-B290-2AE78E5E5598}"/>
+              </a:ext>
+              <a:ext uri="{C183D7F6-B498-43B3-948B-1728B52AA6E4}">
+                <adec:decorative xmlns:adec="http://schemas.microsoft.com/office/drawing/2017/decorative" val="1"/>
+              </a:ext>
+            </a:extLst>
+          </p:cNvPr>
+          <p:cNvSpPr>
+            <a:spLocks noGrp="1" noRot="1" noChangeAspect="1" noMove="1" noResize="1" noEditPoints="1" noAdjustHandles="1" noChangeArrowheads="1" noChangeShapeType="1" noTextEdit="1"/>
+          </p:cNvSpPr>
+          <p:nvPr>
+            <p:extLst>
+              <p:ext uri="{386F3935-93C4-4BCD-93E2-E3B085C9AB24}">
+                <p16:designElem xmlns:p16="http://schemas.microsoft.com/office/powerpoint/2015/main" val="1"/>
+              </p:ext>
+            </p:extLst>
+          </p:nvPr>
+        </p:nvSpPr>
+        <p:spPr>
+          <a:xfrm>
+            <a:off x="0" y="0"/>
+            <a:ext cx="9144000" cy="6858000"/>
+          </a:xfrm>
+          <a:prstGeom prst="rect">
+            <a:avLst/>
+          </a:prstGeom>
+          <a:ln>
+            <a:noFill/>
+          </a:ln>
+        </p:spPr>
+        <p:style>
+          <a:lnRef idx="2">
+            <a:schemeClr val="accent1">
+              <a:shade val="50000"/>
+            </a:schemeClr>
+          </a:lnRef>
+          <a:fillRef idx="1">
+            <a:schemeClr val="accent1"/>
+          </a:fillRef>
+          <a:effectRef idx="0">
+            <a:schemeClr val="accent1"/>
+          </a:effectRef>
+          <a:fontRef idx="minor">
+            <a:schemeClr val="lt1"/>
+          </a:fontRef>
+        </p:style>
+        <p:txBody>
+          <a:bodyPr rtlCol="0" anchor="ctr"/>
+          <a:lstStyle/>
+          <a:p>
+            <a:pPr algn="ctr"/>
+            <a:endParaRPr lang="en-US"/>
+          </a:p>
+        </p:txBody>
+      </p:sp>
+      <p:pic>
+        <p:nvPicPr>
+          <p:cNvPr id="33" name="Picture 2">
+            <a:extLst>
+              <a:ext uri="{FF2B5EF4-FFF2-40B4-BE49-F238E27FC236}">
+                <a16:creationId xmlns:a16="http://schemas.microsoft.com/office/drawing/2014/main" id="{240987D2-7FAC-4B65-A97B-0EAADE73BB32}"/>
+              </a:ext>
+              <a:ext uri="{C183D7F6-B498-43B3-948B-1728B52AA6E4}">
+                <adec:decorative xmlns:adec="http://schemas.microsoft.com/office/drawing/2017/decorative" val="1"/>
+              </a:ext>
+            </a:extLst>
+          </p:cNvPr>
+          <p:cNvPicPr>
+            <a:picLocks noGrp="1" noRot="1" noChangeAspect="1" noMove="1" noResize="1" noEditPoints="1" noAdjustHandles="1" noChangeArrowheads="1" noChangeShapeType="1" noCrop="1"/>
+          </p:cNvPicPr>
+          <p:nvPr>
+            <p:extLst>
+              <p:ext uri="{386F3935-93C4-4BCD-93E2-E3B085C9AB24}">
+                <p16:designElem xmlns:p16="http://schemas.microsoft.com/office/powerpoint/2015/main" val="1"/>
+              </p:ext>
+            </p:extLst>
+          </p:nvPr>
+        </p:nvPicPr>
+        <p:blipFill>
+          <a:blip r:embed="rId2">
+            <a:alphaModFix/>
+            <a:extLst>
+              <a:ext uri="{28A0092B-C50C-407E-A947-70E740481C1C}">
+                <a14:useLocalDpi xmlns:a14="http://schemas.microsoft.com/office/drawing/2010/main" val="0"/>
+              </a:ext>
+            </a:extLst>
+          </a:blip>
+          <a:srcRect/>
+          <a:stretch>
+            <a:fillRect/>
+          </a:stretch>
+        </p:blipFill>
+        <p:spPr bwMode="auto">
+          <a:xfrm>
+            <a:off x="0" y="130627"/>
+            <a:ext cx="9144002" cy="6858001"/>
+          </a:xfrm>
+          <a:prstGeom prst="rect">
+            <a:avLst/>
+          </a:prstGeom>
+          <a:noFill/>
+          <a:extLst>
+            <a:ext uri="{909E8E84-426E-40DD-AFC4-6F175D3DCCD1}">
+              <a14:hiddenFill xmlns:a14="http://schemas.microsoft.com/office/drawing/2010/main">
+                <a:solidFill>
+                  <a:srgbClr val="FFFFFF"/>
+                </a:solidFill>
+              </a14:hiddenFill>
+            </a:ext>
+          </a:extLst>
+        </p:spPr>
+      </p:pic>
+      <p:pic>
+        <p:nvPicPr>
           <p:cNvPr id="6" name="Imagen 5">
             <a:extLst>
               <a:ext uri="{FF2B5EF4-FFF2-40B4-BE49-F238E27FC236}">
@@ -6457,21 +7006,20 @@
           <p:nvPr/>
         </p:nvPicPr>
         <p:blipFill rotWithShape="1">
-          <a:blip r:embed="rId3">
-            <a:alphaModFix amt="35000"/>
+          <a:blip r:embed="rId4">
             <a:extLst>
               <a:ext uri="{28A0092B-C50C-407E-A947-70E740481C1C}">
                 <a14:useLocalDpi xmlns:a14="http://schemas.microsoft.com/office/drawing/2010/main" val="0"/>
               </a:ext>
             </a:extLst>
           </a:blip>
-          <a:srcRect r="3000"/>
+          <a:srcRect l="7537" r="37374"/>
           <a:stretch/>
         </p:blipFill>
         <p:spPr>
           <a:xfrm>
-            <a:off x="20" y="10"/>
-            <a:ext cx="9143980" cy="6857990"/>
+            <a:off x="6645" y="10"/>
+            <a:ext cx="5193150" cy="6857990"/>
           </a:xfrm>
           <a:prstGeom prst="rect">
             <a:avLst/>
@@ -6480,6 +7028,144 @@
       </p:pic>
       <p:sp>
         <p:nvSpPr>
+          <p:cNvPr id="34" name="Rectangle 18">
+            <a:extLst>
+              <a:ext uri="{FF2B5EF4-FFF2-40B4-BE49-F238E27FC236}">
+                <a16:creationId xmlns:a16="http://schemas.microsoft.com/office/drawing/2014/main" id="{4245587C-701C-48A1-9B6B-10C3DF81A876}"/>
+              </a:ext>
+              <a:ext uri="{C183D7F6-B498-43B3-948B-1728B52AA6E4}">
+                <adec:decorative xmlns:adec="http://schemas.microsoft.com/office/drawing/2017/decorative" val="1"/>
+              </a:ext>
+            </a:extLst>
+          </p:cNvPr>
+          <p:cNvSpPr>
+            <a:spLocks noGrp="1" noRot="1" noChangeAspect="1" noMove="1" noResize="1" noEditPoints="1" noAdjustHandles="1" noChangeArrowheads="1" noChangeShapeType="1" noTextEdit="1"/>
+          </p:cNvSpPr>
+          <p:nvPr>
+            <p:extLst>
+              <p:ext uri="{386F3935-93C4-4BCD-93E2-E3B085C9AB24}">
+                <p16:designElem xmlns:p16="http://schemas.microsoft.com/office/powerpoint/2015/main" val="1"/>
+              </p:ext>
+            </p:extLst>
+          </p:nvPr>
+        </p:nvSpPr>
+        <p:spPr>
+          <a:xfrm>
+            <a:off x="5199795" y="-2"/>
+            <a:ext cx="60985" cy="6858002"/>
+          </a:xfrm>
+          <a:prstGeom prst="rect">
+            <a:avLst/>
+          </a:prstGeom>
+          <a:gradFill flip="none" rotWithShape="1">
+            <a:gsLst>
+              <a:gs pos="84000">
+                <a:srgbClr val="B5B5B5"/>
+              </a:gs>
+              <a:gs pos="60159">
+                <a:srgbClr val="D5D5D5"/>
+              </a:gs>
+              <a:gs pos="50447">
+                <a:srgbClr val="E6E6E6"/>
+              </a:gs>
+              <a:gs pos="44260">
+                <a:srgbClr val="D5D5D5"/>
+              </a:gs>
+              <a:gs pos="15928">
+                <a:srgbClr val="B5B5B5"/>
+              </a:gs>
+              <a:gs pos="7000">
+                <a:srgbClr val="8A8A8A"/>
+              </a:gs>
+              <a:gs pos="0">
+                <a:srgbClr val="BBBBBB"/>
+              </a:gs>
+              <a:gs pos="93000">
+                <a:srgbClr val="8A8A8A"/>
+              </a:gs>
+              <a:gs pos="100000">
+                <a:srgbClr val="BBBBBB"/>
+              </a:gs>
+            </a:gsLst>
+            <a:lin ang="0" scaled="1"/>
+            <a:tileRect/>
+          </a:gradFill>
+          <a:ln>
+            <a:noFill/>
+          </a:ln>
+        </p:spPr>
+        <p:style>
+          <a:lnRef idx="2">
+            <a:schemeClr val="accent1">
+              <a:shade val="50000"/>
+            </a:schemeClr>
+          </a:lnRef>
+          <a:fillRef idx="1">
+            <a:schemeClr val="accent1"/>
+          </a:fillRef>
+          <a:effectRef idx="0">
+            <a:schemeClr val="accent1"/>
+          </a:effectRef>
+          <a:fontRef idx="minor">
+            <a:schemeClr val="lt1"/>
+          </a:fontRef>
+        </p:style>
+        <p:txBody>
+          <a:bodyPr rtlCol="0" anchor="ctr"/>
+          <a:lstStyle/>
+          <a:p>
+            <a:pPr algn="ctr"/>
+            <a:endParaRPr lang="en-US"/>
+          </a:p>
+        </p:txBody>
+      </p:sp>
+      <p:pic>
+        <p:nvPicPr>
+          <p:cNvPr id="35" name="Picture 20">
+            <a:extLst>
+              <a:ext uri="{FF2B5EF4-FFF2-40B4-BE49-F238E27FC236}">
+                <a16:creationId xmlns:a16="http://schemas.microsoft.com/office/drawing/2014/main" id="{2E5CF545-7AAF-4A13-8871-089E929E850A}"/>
+              </a:ext>
+              <a:ext uri="{C183D7F6-B498-43B3-948B-1728B52AA6E4}">
+                <adec:decorative xmlns:adec="http://schemas.microsoft.com/office/drawing/2017/decorative" val="1"/>
+              </a:ext>
+            </a:extLst>
+          </p:cNvPr>
+          <p:cNvPicPr>
+            <a:picLocks noGrp="1" noRot="1" noChangeAspect="1" noMove="1" noResize="1" noEditPoints="1" noAdjustHandles="1" noChangeArrowheads="1" noChangeShapeType="1" noCrop="1"/>
+          </p:cNvPicPr>
+          <p:nvPr>
+            <p:extLst>
+              <p:ext uri="{386F3935-93C4-4BCD-93E2-E3B085C9AB24}">
+                <p16:designElem xmlns:p16="http://schemas.microsoft.com/office/powerpoint/2015/main" val="1"/>
+              </p:ext>
+            </p:extLst>
+          </p:nvPr>
+        </p:nvPicPr>
+        <p:blipFill>
+          <a:blip r:embed="rId3">
+            <a:extLst>
+              <a:ext uri="{28A0092B-C50C-407E-A947-70E740481C1C}">
+                <a14:useLocalDpi xmlns:a14="http://schemas.microsoft.com/office/drawing/2010/main" val="0"/>
+              </a:ext>
+            </a:extLst>
+          </a:blip>
+          <a:stretch>
+            <a:fillRect/>
+          </a:stretch>
+        </p:blipFill>
+        <p:spPr>
+          <a:xfrm>
+            <a:off x="6645" y="0"/>
+            <a:ext cx="9144000" cy="6858000"/>
+          </a:xfrm>
+          <a:prstGeom prst="rect">
+            <a:avLst/>
+          </a:prstGeom>
+        </p:spPr>
+      </p:pic>
+      <p:sp>
+        <p:nvSpPr>
           <p:cNvPr id="5" name="2 Marcador de texto"/>
           <p:cNvSpPr txBox="1">
             <a:spLocks/>
@@ -6488,13 +7174,48 @@
         </p:nvSpPr>
         <p:spPr>
           <a:xfrm>
-            <a:off x="1028019" y="1769540"/>
-            <a:ext cx="7080026" cy="1828801"/>
+            <a:off x="5677786" y="1358901"/>
+            <a:ext cx="3398584" cy="2730498"/>
           </a:xfrm>
           <a:prstGeom prst="rect">
             <a:avLst/>
           </a:prstGeom>
-        </p:spPr>
+          <a:ln>
+            <a:noFill/>
+          </a:ln>
+          <a:effectLst>
+            <a:outerShdw blurRad="149987" dist="250190" dir="8460000" algn="ctr">
+              <a:srgbClr val="000000">
+                <a:alpha val="28000"/>
+              </a:srgbClr>
+            </a:outerShdw>
+          </a:effectLst>
+          <a:scene3d>
+            <a:camera prst="orthographicFront">
+              <a:rot lat="0" lon="0" rev="0"/>
+            </a:camera>
+            <a:lightRig rig="contrasting" dir="t">
+              <a:rot lat="0" lon="0" rev="1500000"/>
+            </a:lightRig>
+          </a:scene3d>
+          <a:sp3d prstMaterial="metal">
+            <a:bevelT w="88900" h="88900"/>
+          </a:sp3d>
+        </p:spPr>
+        <p:style>
+          <a:lnRef idx="0">
+            <a:scrgbClr r="0" g="0" b="0"/>
+          </a:lnRef>
+          <a:fillRef idx="0">
+            <a:scrgbClr r="0" g="0" b="0"/>
+          </a:fillRef>
+          <a:effectRef idx="0">
+            <a:scrgbClr r="0" g="0" b="0"/>
+          </a:effectRef>
+          <a:fontRef idx="minor">
+            <a:schemeClr val="accent3"/>
+          </a:fontRef>
+        </p:style>
         <p:txBody>
           <a:bodyPr vert="horz" lIns="91440" tIns="45720" rIns="91440" bIns="45720" rtlCol="0" anchor="b">
             <a:normAutofit/>
@@ -6644,7 +7365,10 @@
             </a:lvl9pPr>
           </a:lstStyle>
           <a:p>
-            <a:pPr marL="0" indent="0" algn="ctr" defTabSz="457200">
+            <a:pPr marL="0" indent="0" algn="ctr">
+              <a:lnSpc>
+                <a:spcPct val="90000"/>
+              </a:lnSpc>
               <a:spcBef>
                 <a:spcPct val="0"/>
               </a:spcBef>
@@ -6654,35 +7378,41 @@
               <a:buNone/>
             </a:pPr>
             <a:r>
-              <a:rPr lang="en-US" sz="5400" b="1">
-                <a:ln>
+              <a:rPr lang="en-US" sz="4400" b="1" dirty="0">
+                <a:ln w="12700">
                   <a:solidFill>
-                    <a:schemeClr val="bg1">
-                      <a:lumMod val="75000"/>
-                      <a:lumOff val="25000"/>
-                      <a:alpha val="10000"/>
+                    <a:schemeClr val="accent1"/>
+                  </a:solidFill>
+                  <a:prstDash val="solid"/>
+                </a:ln>
+                <a:pattFill prst="pct50">
+                  <a:fgClr>
+                    <a:schemeClr val="accent1"/>
+                  </a:fgClr>
+                  <a:bgClr>
+                    <a:schemeClr val="accent1">
+                      <a:lumMod val="20000"/>
+                      <a:lumOff val="80000"/>
                     </a:schemeClr>
-                  </a:solidFill>
-                </a:ln>
-                <a:solidFill>
-                  <a:schemeClr val="tx2"/>
-                </a:solidFill>
+                  </a:bgClr>
+                </a:pattFill>
                 <a:effectLst>
-                  <a:outerShdw blurRad="9525" dist="25400" dir="14640000" algn="tl" rotWithShape="0">
-                    <a:schemeClr val="bg1">
-                      <a:alpha val="30000"/>
-                    </a:schemeClr>
+                  <a:outerShdw dist="38100" dir="2640000" algn="bl" rotWithShape="0">
+                    <a:schemeClr val="accent1"/>
                   </a:outerShdw>
                 </a:effectLst>
                 <a:latin typeface="+mj-lt"/>
                 <a:ea typeface="+mj-ea"/>
-                <a:cs typeface="Arial" charset="0"/>
+                <a:cs typeface="+mj-cs"/>
               </a:rPr>
               <a:t>SEGURIDAD A NIVEL USUARIO </a:t>
             </a:r>
           </a:p>
           <a:p>
-            <a:pPr marL="0" indent="0" algn="ctr" defTabSz="457200">
+            <a:pPr marL="0" indent="0" algn="ctr">
+              <a:lnSpc>
+                <a:spcPct val="90000"/>
+              </a:lnSpc>
               <a:spcBef>
                 <a:spcPct val="0"/>
               </a:spcBef>
@@ -6691,7 +7421,7 @@
               </a:spcAft>
               <a:buNone/>
             </a:pPr>
-            <a:endParaRPr lang="en-US" sz="5400" b="1">
+            <a:endParaRPr lang="en-US" sz="4400" b="1" cap="all" dirty="0">
               <a:ln>
                 <a:solidFill>
                   <a:schemeClr val="bg1">
@@ -6701,19 +7431,9 @@
                   </a:schemeClr>
                 </a:solidFill>
               </a:ln>
-              <a:solidFill>
-                <a:schemeClr val="tx2"/>
-              </a:solidFill>
-              <a:effectLst>
-                <a:outerShdw blurRad="9525" dist="25400" dir="14640000" algn="tl" rotWithShape="0">
-                  <a:schemeClr val="bg1">
-                    <a:alpha val="30000"/>
-                  </a:schemeClr>
-                </a:outerShdw>
-              </a:effectLst>
               <a:latin typeface="+mj-lt"/>
               <a:ea typeface="+mj-ea"/>
-              <a:cs typeface="Arial" charset="0"/>
+              <a:cs typeface="+mj-cs"/>
             </a:endParaRPr>
           </a:p>
         </p:txBody>
@@ -7152,7 +7872,7 @@
             <a:pPr algn="just"/>
             <a:r>
               <a:rPr lang="es-CO" dirty="0"/>
-              <a:t>Con el nombre software malicioso agrupamos todos los tipos de programas que han sido desarrollados para entrar en ordenadores sin permiso de su propietario, y producir efectos no deseados. Estos efectos se producen algunas veces sin que nos demos cuenta en el acto. Esta expresión es un término general muy utilizado por profesionales de la computación para definir una variedad de software o programas de códigos hostiles e intrusivos. Muchos usuarios de computadores no están aún familiarizados con este término y otros incluso nunca lo han utilizado. Sin embargo la expresión "virus informático" es más utilizada en el lenguaje cotidiano y a menudo en los medios de comunicación para describir todos los tipos de malware. </a:t>
+              <a:t>Este agrupamos todos los tipos de programas que han sido desarrollados para entrar en ordenadores sin permiso de su propietario, y producir efectos no deseados. Estos efectos se producen algunas veces sin que nos demos cuenta en el acto. Esta expresión es un término general muy utilizado por profesionales de la computación para definir una variedad de software o programas de códigos hostiles e intrusivos. Muchos usuarios de computadores no están aún familiarizados con este término y otros incluso nunca lo han utilizado. Sin embargo la expresión "virus informático" es más utilizada en el lenguaje cotidiano y a menudo en los medios de comunicación para describir todos los tipos de malware. </a:t>
             </a:r>
           </a:p>
         </p:txBody>
@@ -8027,9 +8747,9 @@
 </file>
 
 <file path=ppt/theme/theme1.xml><?xml version="1.0" encoding="utf-8"?>
-<a:theme xmlns:a="http://schemas.openxmlformats.org/drawingml/2006/main" name="Pizarra">
+<a:theme xmlns:a="http://schemas.openxmlformats.org/drawingml/2006/main" name="Gota">
   <a:themeElements>
-    <a:clrScheme name="Pizarra">
+    <a:clrScheme name="Gota">
       <a:dk1>
         <a:sysClr val="windowText" lastClr="000000"/>
       </a:dk1>
@@ -8037,52 +8757,52 @@
         <a:sysClr val="window" lastClr="FFFFFF"/>
       </a:lt1>
       <a:dk2>
-        <a:srgbClr val="212123"/>
+        <a:srgbClr val="355071"/>
       </a:dk2>
       <a:lt2>
-        <a:srgbClr val="DADADA"/>
+        <a:srgbClr val="AABED7"/>
       </a:lt2>
       <a:accent1>
-        <a:srgbClr val="BC451B"/>
+        <a:srgbClr val="2FA3EE"/>
       </a:accent1>
       <a:accent2>
-        <a:srgbClr val="D3BA68"/>
+        <a:srgbClr val="4BCAAD"/>
       </a:accent2>
       <a:accent3>
-        <a:srgbClr val="BB8640"/>
+        <a:srgbClr val="86C157"/>
       </a:accent3>
       <a:accent4>
-        <a:srgbClr val="AD9277"/>
+        <a:srgbClr val="D99C3F"/>
       </a:accent4>
       <a:accent5>
-        <a:srgbClr val="A55A43"/>
+        <a:srgbClr val="CE6633"/>
       </a:accent5>
       <a:accent6>
-        <a:srgbClr val="AD9D7B"/>
+        <a:srgbClr val="A35DD1"/>
       </a:accent6>
       <a:hlink>
-        <a:srgbClr val="E98052"/>
+        <a:srgbClr val="56BCFE"/>
       </a:hlink>
       <a:folHlink>
-        <a:srgbClr val="F4B69B"/>
+        <a:srgbClr val="97C5E3"/>
       </a:folHlink>
     </a:clrScheme>
-    <a:fontScheme name="Pizarra">
+    <a:fontScheme name="Gota">
       <a:majorFont>
-        <a:latin typeface="Calisto MT" panose="02040603050505030304"/>
+        <a:latin typeface="Tw Cen MT" panose="020B0602020104020603"/>
         <a:ea typeface=""/>
         <a:cs typeface=""/>
         <a:font script="Jpan" typeface="ＭＳ Ｐゴシック"/>
-        <a:font script="Hang" typeface="돋움"/>
-        <a:font script="Hans" typeface="方正舒体"/>
-        <a:font script="Hant" typeface="微軟正黑體"/>
-        <a:font script="Arab" typeface="Arial"/>
-        <a:font script="Hebr" typeface="Arial"/>
-        <a:font script="Thai" typeface="Cordia New"/>
+        <a:font script="Hang" typeface="맑은 고딕"/>
+        <a:font script="Hans" typeface="宋体"/>
+        <a:font script="Hant" typeface="新細明體"/>
+        <a:font script="Arab" typeface="Times New Roman"/>
+        <a:font script="Hebr" typeface="Times New Roman"/>
+        <a:font script="Thai" typeface="Angsana New"/>
         <a:font script="Ethi" typeface="Nyala"/>
         <a:font script="Beng" typeface="Vrinda"/>
         <a:font script="Gujr" typeface="Shruti"/>
-        <a:font script="Khmr" typeface="DaunPenh"/>
+        <a:font script="Khmr" typeface="MoolBoran"/>
         <a:font script="Knda" typeface="Tunga"/>
         <a:font script="Guru" typeface="Raavi"/>
         <a:font script="Cans" typeface="Euphemia"/>
@@ -8099,18 +8819,18 @@
         <a:font script="Laoo" typeface="DokChampa"/>
         <a:font script="Sinh" typeface="Iskoola Pota"/>
         <a:font script="Mong" typeface="Mongolian Baiti"/>
-        <a:font script="Viet" typeface="Arial"/>
+        <a:font script="Viet" typeface="Times New Roman"/>
         <a:font script="Uigh" typeface="Microsoft Uighur"/>
         <a:font script="Geor" typeface="Sylfaen"/>
       </a:majorFont>
       <a:minorFont>
-        <a:latin typeface="Calisto MT" panose="02040603050505030304"/>
+        <a:latin typeface="Tw Cen MT" panose="020B0602020104020603"/>
         <a:ea typeface=""/>
         <a:cs typeface=""/>
         <a:font script="Jpan" typeface="ＭＳ Ｐゴシック"/>
-        <a:font script="Hang" typeface="돋움"/>
-        <a:font script="Hans" typeface="方正舒体"/>
-        <a:font script="Hant" typeface="微軟正黑體"/>
+        <a:font script="Hang" typeface="맑은 고딕"/>
+        <a:font script="Hans" typeface="宋体"/>
+        <a:font script="Hant" typeface="新細明體"/>
         <a:font script="Arab" typeface="Arial"/>
         <a:font script="Hebr" typeface="Arial"/>
         <a:font script="Thai" typeface="Cordia New"/>
@@ -8139,39 +8859,40 @@
         <a:font script="Geor" typeface="Sylfaen"/>
       </a:minorFont>
     </a:fontScheme>
-    <a:fmtScheme name="Pizarra">
+    <a:fmtScheme name="Gota">
       <a:fillStyleLst>
         <a:solidFill>
           <a:schemeClr val="phClr"/>
+        </a:solidFill>
+        <a:solidFill>
+          <a:schemeClr val="phClr">
+            <a:tint val="69000"/>
+            <a:satMod val="105000"/>
+            <a:lumMod val="110000"/>
+          </a:schemeClr>
         </a:solidFill>
         <a:gradFill rotWithShape="1">
           <a:gsLst>
             <a:gs pos="0">
               <a:schemeClr val="phClr">
-                <a:tint val="60000"/>
-                <a:lumMod val="110000"/>
+                <a:tint val="94000"/>
+                <a:satMod val="100000"/>
+                <a:lumMod val="108000"/>
+              </a:schemeClr>
+            </a:gs>
+            <a:gs pos="50000">
+              <a:schemeClr val="phClr">
+                <a:tint val="98000"/>
+                <a:shade val="100000"/>
+                <a:satMod val="100000"/>
+                <a:lumMod val="100000"/>
               </a:schemeClr>
             </a:gs>
             <a:gs pos="100000">
               <a:schemeClr val="phClr">
-                <a:tint val="88000"/>
-              </a:schemeClr>
-            </a:gs>
-          </a:gsLst>
-          <a:lin ang="5400000" scaled="0"/>
-        </a:gradFill>
-        <a:gradFill rotWithShape="1">
-          <a:gsLst>
-            <a:gs pos="0">
-              <a:schemeClr val="phClr">
-                <a:tint val="96000"/>
-                <a:lumMod val="104000"/>
-              </a:schemeClr>
-            </a:gs>
-            <a:gs pos="100000">
-              <a:schemeClr val="phClr">
-                <a:shade val="90000"/>
-                <a:lumMod val="90000"/>
+                <a:shade val="72000"/>
+                <a:satMod val="120000"/>
+                <a:lumMod val="100000"/>
               </a:schemeClr>
             </a:gs>
           </a:gsLst>
@@ -8179,21 +8900,21 @@
         </a:gradFill>
       </a:fillStyleLst>
       <a:lnStyleLst>
-        <a:ln w="9525" cap="rnd" cmpd="sng" algn="ctr">
+        <a:ln w="9525" cap="flat" cmpd="sng" algn="ctr">
           <a:solidFill>
             <a:schemeClr val="phClr">
-              <a:shade val="90000"/>
+              <a:shade val="60000"/>
             </a:schemeClr>
           </a:solidFill>
           <a:prstDash val="solid"/>
         </a:ln>
-        <a:ln w="15875" cap="rnd" cmpd="sng" algn="ctr">
+        <a:ln w="15875" cap="flat" cmpd="sng" algn="ctr">
           <a:solidFill>
             <a:schemeClr val="phClr"/>
           </a:solidFill>
           <a:prstDash val="solid"/>
         </a:ln>
-        <a:ln w="25400" cap="rnd" cmpd="sng" algn="ctr">
+        <a:ln w="22225" cap="flat" cmpd="sng" algn="ctr">
           <a:solidFill>
             <a:schemeClr val="phClr"/>
           </a:solidFill>
@@ -8206,18 +8927,18 @@
         </a:effectStyle>
         <a:effectStyle>
           <a:effectLst>
-            <a:outerShdw blurRad="63500" dist="25400" dir="5400000" rotWithShape="0">
+            <a:outerShdw blurRad="50800" dist="25400" dir="5400000" rotWithShape="0">
               <a:srgbClr val="000000">
-                <a:alpha val="60000"/>
+                <a:alpha val="28000"/>
               </a:srgbClr>
             </a:outerShdw>
           </a:effectLst>
         </a:effectStyle>
         <a:effectStyle>
           <a:effectLst>
-            <a:outerShdw blurRad="76200" dist="38100" dir="5400000" rotWithShape="0">
+            <a:outerShdw blurRad="63500" dist="25400" dir="5400000" algn="ctr" rotWithShape="0">
               <a:srgbClr val="000000">
-                <a:alpha val="75000"/>
+                <a:alpha val="69000"/>
               </a:srgbClr>
             </a:outerShdw>
           </a:effectLst>
@@ -8225,12 +8946,12 @@
             <a:camera prst="orthographicFront">
               <a:rot lat="0" lon="0" rev="0"/>
             </a:camera>
-            <a:lightRig rig="threePt" dir="t">
+            <a:lightRig rig="balanced" dir="t">
               <a:rot lat="0" lon="0" rev="1200000"/>
             </a:lightRig>
           </a:scene3d>
-          <a:sp3d>
-            <a:bevelT w="63500" h="25400" prst="hardEdge"/>
+          <a:sp3d prstMaterial="plastic">
+            <a:bevelT w="25400" h="25400"/>
           </a:sp3d>
         </a:effectStyle>
       </a:effectStyleLst>
@@ -8238,23 +8959,44 @@
         <a:solidFill>
           <a:schemeClr val="phClr"/>
         </a:solidFill>
-        <a:solidFill>
-          <a:schemeClr val="phClr"/>
-        </a:solidFill>
-        <a:blipFill rotWithShape="1">
-          <a:blip xmlns:r="http://schemas.openxmlformats.org/officeDocument/2006/relationships" r:embed="rId1">
-            <a:duotone>
+        <a:gradFill rotWithShape="1">
+          <a:gsLst>
+            <a:gs pos="0">
               <a:schemeClr val="phClr">
-                <a:shade val="80000"/>
-                <a:lumMod val="80000"/>
+                <a:tint val="90000"/>
+                <a:lumMod val="110000"/>
               </a:schemeClr>
+            </a:gs>
+            <a:gs pos="100000">
               <a:schemeClr val="phClr">
-                <a:tint val="98000"/>
+                <a:shade val="64000"/>
+                <a:lumMod val="88000"/>
               </a:schemeClr>
-            </a:duotone>
-          </a:blip>
-          <a:stretch/>
-        </a:blipFill>
+            </a:gs>
+          </a:gsLst>
+          <a:lin ang="5400000" scaled="0"/>
+        </a:gradFill>
+        <a:gradFill rotWithShape="1">
+          <a:gsLst>
+            <a:gs pos="0">
+              <a:schemeClr val="phClr">
+                <a:tint val="84000"/>
+                <a:shade val="100000"/>
+                <a:hueMod val="130000"/>
+                <a:satMod val="150000"/>
+                <a:lumMod val="112000"/>
+              </a:schemeClr>
+            </a:gs>
+            <a:gs pos="100000">
+              <a:schemeClr val="phClr">
+                <a:shade val="92000"/>
+                <a:satMod val="140000"/>
+                <a:lumMod val="110000"/>
+              </a:schemeClr>
+            </a:gs>
+          </a:gsLst>
+          <a:lin ang="5400000" scaled="0"/>
+        </a:gradFill>
       </a:bgFillStyleLst>
     </a:fmtScheme>
   </a:themeElements>
@@ -8262,7 +9004,7 @@
   <a:extraClrSchemeLst/>
   <a:extLst>
     <a:ext uri="{05A4C25C-085E-4340-85A3-A5531E510DB2}">
-      <thm15:themeFamily xmlns:thm15="http://schemas.microsoft.com/office/thememl/2012/main" name="Slate" id="{C3F70B94-7CE9-428E-ADC1-3269CC2C3385}" vid="{3F2DE9A5-64E6-437C-A389-CC4477E817E8}"/>
+      <thm15:themeFamily xmlns:thm15="http://schemas.microsoft.com/office/thememl/2012/main" name="Droplet" id="{8984A317-299A-4E50-B45D-BFC9EDE2337A}" vid="{A633B6A3-9E7F-4C10-9C98-2517A3134361}"/>
     </a:ext>
   </a:extLst>
 </a:theme>

--- a/Docu/docu4.pptx
+++ b/Docu/docu4.pptx
@@ -2,10 +2,10 @@
 <file path=ppt/presentation.xml><?xml version="1.0" encoding="utf-8"?>
 <p:presentation xmlns:a="http://schemas.openxmlformats.org/drawingml/2006/main" xmlns:r="http://schemas.openxmlformats.org/officeDocument/2006/relationships" xmlns:p="http://schemas.openxmlformats.org/presentationml/2006/main" saveSubsetFonts="1">
   <p:sldMasterIdLst>
-    <p:sldMasterId id="2147483678" r:id="rId1"/>
+    <p:sldMasterId id="2147483732" r:id="rId1"/>
   </p:sldMasterIdLst>
   <p:notesMasterIdLst>
-    <p:notesMasterId r:id="rId14"/>
+    <p:notesMasterId r:id="rId11"/>
   </p:notesMasterIdLst>
   <p:sldIdLst>
     <p:sldId id="257" r:id="rId2"/>
@@ -15,11 +15,8 @@
     <p:sldId id="261" r:id="rId6"/>
     <p:sldId id="262" r:id="rId7"/>
     <p:sldId id="263" r:id="rId8"/>
-    <p:sldId id="264" r:id="rId9"/>
-    <p:sldId id="265" r:id="rId10"/>
-    <p:sldId id="266" r:id="rId11"/>
-    <p:sldId id="267" r:id="rId12"/>
-    <p:sldId id="268" r:id="rId13"/>
+    <p:sldId id="267" r:id="rId9"/>
+    <p:sldId id="268" r:id="rId10"/>
   </p:sldIdLst>
   <p:sldSz cx="9144000" cy="6858000" type="screen4x3"/>
   <p:notesSz cx="6858000" cy="9144000"/>
@@ -140,7 +137,7 @@
 <file path=ppt/revisionInfo.xml><?xml version="1.0" encoding="utf-8"?>
 <p1510:revInfo xmlns:a="http://schemas.openxmlformats.org/drawingml/2006/main" xmlns:r="http://schemas.openxmlformats.org/officeDocument/2006/relationships" xmlns:p1510="http://schemas.microsoft.com/office/powerpoint/2015/10/main">
   <p1510:revLst>
-    <p1510:client id="{6DAD6E24-93CA-4A9D-B257-69EC82EE659B}" v="21" dt="2019-06-08T02:30:13.931"/>
+    <p1510:client id="{6DAD6E24-93CA-4A9D-B257-69EC82EE659B}" v="1249" dt="2019-06-08T02:57:57.953"/>
   </p1510:revLst>
 </p1510:revInfo>
 </file>
@@ -149,13 +146,13 @@
 <pc:chgInfo xmlns:a="http://schemas.openxmlformats.org/drawingml/2006/main" xmlns:r="http://schemas.openxmlformats.org/officeDocument/2006/relationships" xmlns:ac="http://schemas.microsoft.com/office/drawing/2013/main/command" xmlns:pc="http://schemas.microsoft.com/office/powerpoint/2013/main/command">
   <pc:docChgLst>
     <pc:chgData name="Yarithza Hasbleidy Galindo Ayala" userId="81d3b4e3-e252-4d52-8b97-5ee33ca8cec6" providerId="ADAL" clId="{6DAD6E24-93CA-4A9D-B257-69EC82EE659B}"/>
-    <pc:docChg chg="undo custSel mod modSld">
-      <pc:chgData name="Yarithza Hasbleidy Galindo Ayala" userId="81d3b4e3-e252-4d52-8b97-5ee33ca8cec6" providerId="ADAL" clId="{6DAD6E24-93CA-4A9D-B257-69EC82EE659B}" dt="2019-06-08T02:30:13.931" v="19" actId="339"/>
+    <pc:docChg chg="undo custSel mod delSld modSld">
+      <pc:chgData name="Yarithza Hasbleidy Galindo Ayala" userId="81d3b4e3-e252-4d52-8b97-5ee33ca8cec6" providerId="ADAL" clId="{6DAD6E24-93CA-4A9D-B257-69EC82EE659B}" dt="2019-06-08T02:57:57.952" v="1242"/>
       <pc:docMkLst>
         <pc:docMk/>
       </pc:docMkLst>
-      <pc:sldChg chg="addSp delSp modSp mod setBg">
-        <pc:chgData name="Yarithza Hasbleidy Galindo Ayala" userId="81d3b4e3-e252-4d52-8b97-5ee33ca8cec6" providerId="ADAL" clId="{6DAD6E24-93CA-4A9D-B257-69EC82EE659B}" dt="2019-06-08T02:30:13.931" v="19" actId="339"/>
+      <pc:sldChg chg="addSp delSp modSp mod modTransition setBg delDesignElem">
+        <pc:chgData name="Yarithza Hasbleidy Galindo Ayala" userId="81d3b4e3-e252-4d52-8b97-5ee33ca8cec6" providerId="ADAL" clId="{6DAD6E24-93CA-4A9D-B257-69EC82EE659B}" dt="2019-06-08T02:57:14.158" v="1234"/>
         <pc:sldMkLst>
           <pc:docMk/>
           <pc:sldMk cId="1936742288" sldId="257"/>
@@ -200,16 +197,16 @@
             <ac:spMk id="27" creationId="{90E712EA-29C8-427E-A8F2-38BB66849315}"/>
           </ac:spMkLst>
         </pc:spChg>
-        <pc:spChg chg="add">
-          <ac:chgData name="Yarithza Hasbleidy Galindo Ayala" userId="81d3b4e3-e252-4d52-8b97-5ee33ca8cec6" providerId="ADAL" clId="{6DAD6E24-93CA-4A9D-B257-69EC82EE659B}" dt="2019-06-08T02:29:47.705" v="14" actId="26606"/>
+        <pc:spChg chg="add del">
+          <ac:chgData name="Yarithza Hasbleidy Galindo Ayala" userId="81d3b4e3-e252-4d52-8b97-5ee33ca8cec6" providerId="ADAL" clId="{6DAD6E24-93CA-4A9D-B257-69EC82EE659B}" dt="2019-06-08T02:47:19.609" v="696"/>
           <ac:spMkLst>
             <pc:docMk/>
             <pc:sldMk cId="1936742288" sldId="257"/>
             <ac:spMk id="32" creationId="{2255CADE-DCE0-447F-B290-2AE78E5E5598}"/>
           </ac:spMkLst>
         </pc:spChg>
-        <pc:spChg chg="add">
-          <ac:chgData name="Yarithza Hasbleidy Galindo Ayala" userId="81d3b4e3-e252-4d52-8b97-5ee33ca8cec6" providerId="ADAL" clId="{6DAD6E24-93CA-4A9D-B257-69EC82EE659B}" dt="2019-06-08T02:29:47.705" v="14" actId="26606"/>
+        <pc:spChg chg="add del">
+          <ac:chgData name="Yarithza Hasbleidy Galindo Ayala" userId="81d3b4e3-e252-4d52-8b97-5ee33ca8cec6" providerId="ADAL" clId="{6DAD6E24-93CA-4A9D-B257-69EC82EE659B}" dt="2019-06-08T02:47:19.609" v="696"/>
           <ac:spMkLst>
             <pc:docMk/>
             <pc:sldMk cId="1936742288" sldId="257"/>
@@ -288,32 +285,32 @@
             <ac:picMk id="28" creationId="{F81E24BF-59C1-4F7E-B758-FC580AE6DDC0}"/>
           </ac:picMkLst>
         </pc:picChg>
-        <pc:picChg chg="add">
-          <ac:chgData name="Yarithza Hasbleidy Galindo Ayala" userId="81d3b4e3-e252-4d52-8b97-5ee33ca8cec6" providerId="ADAL" clId="{6DAD6E24-93CA-4A9D-B257-69EC82EE659B}" dt="2019-06-08T02:29:47.705" v="14" actId="26606"/>
+        <pc:picChg chg="add del">
+          <ac:chgData name="Yarithza Hasbleidy Galindo Ayala" userId="81d3b4e3-e252-4d52-8b97-5ee33ca8cec6" providerId="ADAL" clId="{6DAD6E24-93CA-4A9D-B257-69EC82EE659B}" dt="2019-06-08T02:47:19.609" v="696"/>
           <ac:picMkLst>
             <pc:docMk/>
             <pc:sldMk cId="1936742288" sldId="257"/>
             <ac:picMk id="30" creationId="{22790EC5-ACA7-4536-8066-B60199F3C6DF}"/>
           </ac:picMkLst>
         </pc:picChg>
-        <pc:picChg chg="add">
-          <ac:chgData name="Yarithza Hasbleidy Galindo Ayala" userId="81d3b4e3-e252-4d52-8b97-5ee33ca8cec6" providerId="ADAL" clId="{6DAD6E24-93CA-4A9D-B257-69EC82EE659B}" dt="2019-06-08T02:29:47.705" v="14" actId="26606"/>
+        <pc:picChg chg="add del">
+          <ac:chgData name="Yarithza Hasbleidy Galindo Ayala" userId="81d3b4e3-e252-4d52-8b97-5ee33ca8cec6" providerId="ADAL" clId="{6DAD6E24-93CA-4A9D-B257-69EC82EE659B}" dt="2019-06-08T02:47:19.609" v="696"/>
           <ac:picMkLst>
             <pc:docMk/>
             <pc:sldMk cId="1936742288" sldId="257"/>
             <ac:picMk id="31" creationId="{CAD20AEA-7CAF-4A83-BE2E-EAF010B8B7FC}"/>
           </ac:picMkLst>
         </pc:picChg>
-        <pc:picChg chg="add">
-          <ac:chgData name="Yarithza Hasbleidy Galindo Ayala" userId="81d3b4e3-e252-4d52-8b97-5ee33ca8cec6" providerId="ADAL" clId="{6DAD6E24-93CA-4A9D-B257-69EC82EE659B}" dt="2019-06-08T02:29:47.705" v="14" actId="26606"/>
+        <pc:picChg chg="add del">
+          <ac:chgData name="Yarithza Hasbleidy Galindo Ayala" userId="81d3b4e3-e252-4d52-8b97-5ee33ca8cec6" providerId="ADAL" clId="{6DAD6E24-93CA-4A9D-B257-69EC82EE659B}" dt="2019-06-08T02:47:19.609" v="696"/>
           <ac:picMkLst>
             <pc:docMk/>
             <pc:sldMk cId="1936742288" sldId="257"/>
             <ac:picMk id="33" creationId="{240987D2-7FAC-4B65-A97B-0EAADE73BB32}"/>
           </ac:picMkLst>
         </pc:picChg>
-        <pc:picChg chg="add">
-          <ac:chgData name="Yarithza Hasbleidy Galindo Ayala" userId="81d3b4e3-e252-4d52-8b97-5ee33ca8cec6" providerId="ADAL" clId="{6DAD6E24-93CA-4A9D-B257-69EC82EE659B}" dt="2019-06-08T02:29:47.705" v="14" actId="26606"/>
+        <pc:picChg chg="add del">
+          <ac:chgData name="Yarithza Hasbleidy Galindo Ayala" userId="81d3b4e3-e252-4d52-8b97-5ee33ca8cec6" providerId="ADAL" clId="{6DAD6E24-93CA-4A9D-B257-69EC82EE659B}" dt="2019-06-08T02:47:19.609" v="696"/>
           <ac:picMkLst>
             <pc:docMk/>
             <pc:sldMk cId="1936742288" sldId="257"/>
@@ -321,20 +318,123 @@
           </ac:picMkLst>
         </pc:picChg>
       </pc:sldChg>
-      <pc:sldChg chg="modSp">
-        <pc:chgData name="Yarithza Hasbleidy Galindo Ayala" userId="81d3b4e3-e252-4d52-8b97-5ee33ca8cec6" providerId="ADAL" clId="{6DAD6E24-93CA-4A9D-B257-69EC82EE659B}" dt="2019-06-08T02:27:23.814" v="4" actId="20577"/>
+      <pc:sldChg chg="modSp modTransition">
+        <pc:chgData name="Yarithza Hasbleidy Galindo Ayala" userId="81d3b4e3-e252-4d52-8b97-5ee33ca8cec6" providerId="ADAL" clId="{6DAD6E24-93CA-4A9D-B257-69EC82EE659B}" dt="2019-06-08T02:57:20.992" v="1235"/>
         <pc:sldMkLst>
           <pc:docMk/>
           <pc:sldMk cId="2082387764" sldId="258"/>
         </pc:sldMkLst>
         <pc:spChg chg="mod">
-          <ac:chgData name="Yarithza Hasbleidy Galindo Ayala" userId="81d3b4e3-e252-4d52-8b97-5ee33ca8cec6" providerId="ADAL" clId="{6DAD6E24-93CA-4A9D-B257-69EC82EE659B}" dt="2019-06-08T02:27:23.814" v="4" actId="20577"/>
+          <ac:chgData name="Yarithza Hasbleidy Galindo Ayala" userId="81d3b4e3-e252-4d52-8b97-5ee33ca8cec6" providerId="ADAL" clId="{6DAD6E24-93CA-4A9D-B257-69EC82EE659B}" dt="2019-06-08T02:47:43.178" v="697" actId="313"/>
           <ac:spMkLst>
             <pc:docMk/>
             <pc:sldMk cId="2082387764" sldId="258"/>
             <ac:spMk id="2" creationId="{00000000-0000-0000-0000-000000000000}"/>
           </ac:spMkLst>
         </pc:spChg>
+      </pc:sldChg>
+      <pc:sldChg chg="modSp modTransition">
+        <pc:chgData name="Yarithza Hasbleidy Galindo Ayala" userId="81d3b4e3-e252-4d52-8b97-5ee33ca8cec6" providerId="ADAL" clId="{6DAD6E24-93CA-4A9D-B257-69EC82EE659B}" dt="2019-06-08T02:57:28.932" v="1236"/>
+        <pc:sldMkLst>
+          <pc:docMk/>
+          <pc:sldMk cId="484840554" sldId="259"/>
+        </pc:sldMkLst>
+        <pc:spChg chg="mod">
+          <ac:chgData name="Yarithza Hasbleidy Galindo Ayala" userId="81d3b4e3-e252-4d52-8b97-5ee33ca8cec6" providerId="ADAL" clId="{6DAD6E24-93CA-4A9D-B257-69EC82EE659B}" dt="2019-06-08T02:44:56.872" v="654" actId="20577"/>
+          <ac:spMkLst>
+            <pc:docMk/>
+            <pc:sldMk cId="484840554" sldId="259"/>
+            <ac:spMk id="2" creationId="{00000000-0000-0000-0000-000000000000}"/>
+          </ac:spMkLst>
+        </pc:spChg>
+      </pc:sldChg>
+      <pc:sldChg chg="modSp modTransition">
+        <pc:chgData name="Yarithza Hasbleidy Galindo Ayala" userId="81d3b4e3-e252-4d52-8b97-5ee33ca8cec6" providerId="ADAL" clId="{6DAD6E24-93CA-4A9D-B257-69EC82EE659B}" dt="2019-06-08T02:57:35.746" v="1237"/>
+        <pc:sldMkLst>
+          <pc:docMk/>
+          <pc:sldMk cId="596497440" sldId="260"/>
+        </pc:sldMkLst>
+        <pc:spChg chg="mod">
+          <ac:chgData name="Yarithza Hasbleidy Galindo Ayala" userId="81d3b4e3-e252-4d52-8b97-5ee33ca8cec6" providerId="ADAL" clId="{6DAD6E24-93CA-4A9D-B257-69EC82EE659B}" dt="2019-06-08T02:52:47.339" v="1188" actId="20577"/>
+          <ac:spMkLst>
+            <pc:docMk/>
+            <pc:sldMk cId="596497440" sldId="260"/>
+            <ac:spMk id="2" creationId="{00000000-0000-0000-0000-000000000000}"/>
+          </ac:spMkLst>
+        </pc:spChg>
+      </pc:sldChg>
+      <pc:sldChg chg="modSp modTransition">
+        <pc:chgData name="Yarithza Hasbleidy Galindo Ayala" userId="81d3b4e3-e252-4d52-8b97-5ee33ca8cec6" providerId="ADAL" clId="{6DAD6E24-93CA-4A9D-B257-69EC82EE659B}" dt="2019-06-08T02:57:40.634" v="1238"/>
+        <pc:sldMkLst>
+          <pc:docMk/>
+          <pc:sldMk cId="949652144" sldId="261"/>
+        </pc:sldMkLst>
+        <pc:spChg chg="mod">
+          <ac:chgData name="Yarithza Hasbleidy Galindo Ayala" userId="81d3b4e3-e252-4d52-8b97-5ee33ca8cec6" providerId="ADAL" clId="{6DAD6E24-93CA-4A9D-B257-69EC82EE659B}" dt="2019-06-08T02:54:01.626" v="1197" actId="20577"/>
+          <ac:spMkLst>
+            <pc:docMk/>
+            <pc:sldMk cId="949652144" sldId="261"/>
+            <ac:spMk id="2" creationId="{00000000-0000-0000-0000-000000000000}"/>
+          </ac:spMkLst>
+        </pc:spChg>
+      </pc:sldChg>
+      <pc:sldChg chg="modSp modTransition">
+        <pc:chgData name="Yarithza Hasbleidy Galindo Ayala" userId="81d3b4e3-e252-4d52-8b97-5ee33ca8cec6" providerId="ADAL" clId="{6DAD6E24-93CA-4A9D-B257-69EC82EE659B}" dt="2019-06-08T02:57:44.524" v="1239"/>
+        <pc:sldMkLst>
+          <pc:docMk/>
+          <pc:sldMk cId="1373341950" sldId="262"/>
+        </pc:sldMkLst>
+        <pc:spChg chg="mod">
+          <ac:chgData name="Yarithza Hasbleidy Galindo Ayala" userId="81d3b4e3-e252-4d52-8b97-5ee33ca8cec6" providerId="ADAL" clId="{6DAD6E24-93CA-4A9D-B257-69EC82EE659B}" dt="2019-06-08T02:54:28.833" v="1202" actId="20577"/>
+          <ac:spMkLst>
+            <pc:docMk/>
+            <pc:sldMk cId="1373341950" sldId="262"/>
+            <ac:spMk id="2" creationId="{00000000-0000-0000-0000-000000000000}"/>
+          </ac:spMkLst>
+        </pc:spChg>
+      </pc:sldChg>
+      <pc:sldChg chg="del">
+        <pc:chgData name="Yarithza Hasbleidy Galindo Ayala" userId="81d3b4e3-e252-4d52-8b97-5ee33ca8cec6" providerId="ADAL" clId="{6DAD6E24-93CA-4A9D-B257-69EC82EE659B}" dt="2019-06-08T02:55:17.248" v="1203" actId="2696"/>
+        <pc:sldMkLst>
+          <pc:docMk/>
+          <pc:sldMk cId="4175389634" sldId="264"/>
+        </pc:sldMkLst>
+      </pc:sldChg>
+      <pc:sldChg chg="del">
+        <pc:chgData name="Yarithza Hasbleidy Galindo Ayala" userId="81d3b4e3-e252-4d52-8b97-5ee33ca8cec6" providerId="ADAL" clId="{6DAD6E24-93CA-4A9D-B257-69EC82EE659B}" dt="2019-06-08T02:55:21.572" v="1204" actId="2696"/>
+        <pc:sldMkLst>
+          <pc:docMk/>
+          <pc:sldMk cId="2098920954" sldId="265"/>
+        </pc:sldMkLst>
+      </pc:sldChg>
+      <pc:sldChg chg="del">
+        <pc:chgData name="Yarithza Hasbleidy Galindo Ayala" userId="81d3b4e3-e252-4d52-8b97-5ee33ca8cec6" providerId="ADAL" clId="{6DAD6E24-93CA-4A9D-B257-69EC82EE659B}" dt="2019-06-08T02:55:24.690" v="1205" actId="2696"/>
+        <pc:sldMkLst>
+          <pc:docMk/>
+          <pc:sldMk cId="3112134028" sldId="266"/>
+        </pc:sldMkLst>
+      </pc:sldChg>
+      <pc:sldChg chg="modSp modTransition">
+        <pc:chgData name="Yarithza Hasbleidy Galindo Ayala" userId="81d3b4e3-e252-4d52-8b97-5ee33ca8cec6" providerId="ADAL" clId="{6DAD6E24-93CA-4A9D-B257-69EC82EE659B}" dt="2019-06-08T02:57:47.511" v="1240"/>
+        <pc:sldMkLst>
+          <pc:docMk/>
+          <pc:sldMk cId="1963603569" sldId="267"/>
+        </pc:sldMkLst>
+        <pc:spChg chg="mod">
+          <ac:chgData name="Yarithza Hasbleidy Galindo Ayala" userId="81d3b4e3-e252-4d52-8b97-5ee33ca8cec6" providerId="ADAL" clId="{6DAD6E24-93CA-4A9D-B257-69EC82EE659B}" dt="2019-06-08T02:55:49.750" v="1233" actId="20577"/>
+          <ac:spMkLst>
+            <pc:docMk/>
+            <pc:sldMk cId="1963603569" sldId="267"/>
+            <ac:spMk id="2" creationId="{00000000-0000-0000-0000-000000000000}"/>
+          </ac:spMkLst>
+        </pc:spChg>
+      </pc:sldChg>
+      <pc:sldChg chg="modTransition">
+        <pc:chgData name="Yarithza Hasbleidy Galindo Ayala" userId="81d3b4e3-e252-4d52-8b97-5ee33ca8cec6" providerId="ADAL" clId="{6DAD6E24-93CA-4A9D-B257-69EC82EE659B}" dt="2019-06-08T02:57:57.952" v="1242"/>
+        <pc:sldMkLst>
+          <pc:docMk/>
+          <pc:sldMk cId="2588232827" sldId="268"/>
+        </pc:sldMkLst>
       </pc:sldChg>
     </pc:docChg>
   </pc:docChgLst>
@@ -916,7 +1016,7 @@
     </p:spTree>
     <p:extLst>
       <p:ext uri="{BB962C8B-B14F-4D97-AF65-F5344CB8AC3E}">
-        <p14:creationId xmlns:p14="http://schemas.microsoft.com/office/powerpoint/2010/main" val="747187942"/>
+        <p14:creationId xmlns:p14="http://schemas.microsoft.com/office/powerpoint/2010/main" val="2330280335"/>
       </p:ext>
     </p:extLst>
   </p:cSld>
@@ -1028,7 +1128,10 @@
           <a:noFill/>
           <a:ln w="82550" cap="sq">
             <a:solidFill>
-              <a:srgbClr val="EAEAEA"/>
+              <a:schemeClr val="bg2">
+                <a:lumMod val="60000"/>
+                <a:lumOff val="40000"/>
+              </a:schemeClr>
             </a:solidFill>
             <a:miter lim="800000"/>
           </a:ln>
@@ -1229,7 +1332,7 @@
     </p:spTree>
     <p:extLst>
       <p:ext uri="{BB962C8B-B14F-4D97-AF65-F5344CB8AC3E}">
-        <p14:creationId xmlns:p14="http://schemas.microsoft.com/office/powerpoint/2010/main" val="3206268221"/>
+        <p14:creationId xmlns:p14="http://schemas.microsoft.com/office/powerpoint/2010/main" val="1643261971"/>
       </p:ext>
     </p:extLst>
   </p:cSld>
@@ -1453,7 +1556,7 @@
     </p:spTree>
     <p:extLst>
       <p:ext uri="{BB962C8B-B14F-4D97-AF65-F5344CB8AC3E}">
-        <p14:creationId xmlns:p14="http://schemas.microsoft.com/office/powerpoint/2010/main" val="2518530772"/>
+        <p14:creationId xmlns:p14="http://schemas.microsoft.com/office/powerpoint/2010/main" val="356950834"/>
       </p:ext>
     </p:extLst>
   </p:cSld>
@@ -1978,7 +2081,7 @@
     </p:spTree>
     <p:extLst>
       <p:ext uri="{BB962C8B-B14F-4D97-AF65-F5344CB8AC3E}">
-        <p14:creationId xmlns:p14="http://schemas.microsoft.com/office/powerpoint/2010/main" val="4063226238"/>
+        <p14:creationId xmlns:p14="http://schemas.microsoft.com/office/powerpoint/2010/main" val="2027263422"/>
       </p:ext>
     </p:extLst>
   </p:cSld>
@@ -2202,7 +2305,7 @@
     </p:spTree>
     <p:extLst>
       <p:ext uri="{BB962C8B-B14F-4D97-AF65-F5344CB8AC3E}">
-        <p14:creationId xmlns:p14="http://schemas.microsoft.com/office/powerpoint/2010/main" val="1143991473"/>
+        <p14:creationId xmlns:p14="http://schemas.microsoft.com/office/powerpoint/2010/main" val="1997434825"/>
       </p:ext>
     </p:extLst>
   </p:cSld>
@@ -2780,7 +2883,7 @@
     </p:spTree>
     <p:extLst>
       <p:ext uri="{BB962C8B-B14F-4D97-AF65-F5344CB8AC3E}">
-        <p14:creationId xmlns:p14="http://schemas.microsoft.com/office/powerpoint/2010/main" val="1585327204"/>
+        <p14:creationId xmlns:p14="http://schemas.microsoft.com/office/powerpoint/2010/main" val="561681599"/>
       </p:ext>
     </p:extLst>
   </p:cSld>
@@ -2963,7 +3066,10 @@
           <a:noFill/>
           <a:ln w="82550" cap="sq">
             <a:solidFill>
-              <a:srgbClr val="EAEAEA"/>
+              <a:schemeClr val="bg2">
+                <a:lumMod val="60000"/>
+                <a:lumOff val="40000"/>
+              </a:schemeClr>
             </a:solidFill>
             <a:miter lim="800000"/>
           </a:ln>
@@ -3196,7 +3302,10 @@
           <a:noFill/>
           <a:ln w="82550" cap="sq">
             <a:solidFill>
-              <a:srgbClr val="EAEAEA"/>
+              <a:schemeClr val="bg2">
+                <a:lumMod val="60000"/>
+                <a:lumOff val="40000"/>
+              </a:schemeClr>
             </a:solidFill>
             <a:miter lim="800000"/>
           </a:ln>
@@ -3429,7 +3538,10 @@
           <a:noFill/>
           <a:ln w="82550" cap="sq">
             <a:solidFill>
-              <a:srgbClr val="EAEAEA"/>
+              <a:schemeClr val="bg2">
+                <a:lumMod val="60000"/>
+                <a:lumOff val="40000"/>
+              </a:schemeClr>
             </a:solidFill>
             <a:miter lim="800000"/>
           </a:ln>
@@ -3634,7 +3746,7 @@
     </p:spTree>
     <p:extLst>
       <p:ext uri="{BB962C8B-B14F-4D97-AF65-F5344CB8AC3E}">
-        <p14:creationId xmlns:p14="http://schemas.microsoft.com/office/powerpoint/2010/main" val="2513394820"/>
+        <p14:creationId xmlns:p14="http://schemas.microsoft.com/office/powerpoint/2010/main" val="2800746651"/>
       </p:ext>
     </p:extLst>
   </p:cSld>
@@ -3841,7 +3953,7 @@
     </p:spTree>
     <p:extLst>
       <p:ext uri="{BB962C8B-B14F-4D97-AF65-F5344CB8AC3E}">
-        <p14:creationId xmlns:p14="http://schemas.microsoft.com/office/powerpoint/2010/main" val="3437402361"/>
+        <p14:creationId xmlns:p14="http://schemas.microsoft.com/office/powerpoint/2010/main" val="35009574"/>
       </p:ext>
     </p:extLst>
   </p:cSld>
@@ -4057,7 +4169,7 @@
     </p:spTree>
     <p:extLst>
       <p:ext uri="{BB962C8B-B14F-4D97-AF65-F5344CB8AC3E}">
-        <p14:creationId xmlns:p14="http://schemas.microsoft.com/office/powerpoint/2010/main" val="604105815"/>
+        <p14:creationId xmlns:p14="http://schemas.microsoft.com/office/powerpoint/2010/main" val="257076031"/>
       </p:ext>
     </p:extLst>
   </p:cSld>
@@ -4264,7 +4376,7 @@
     </p:spTree>
     <p:extLst>
       <p:ext uri="{BB962C8B-B14F-4D97-AF65-F5344CB8AC3E}">
-        <p14:creationId xmlns:p14="http://schemas.microsoft.com/office/powerpoint/2010/main" val="3384501356"/>
+        <p14:creationId xmlns:p14="http://schemas.microsoft.com/office/powerpoint/2010/main" val="2455301628"/>
       </p:ext>
     </p:extLst>
   </p:cSld>
@@ -4546,7 +4658,7 @@
     </p:spTree>
     <p:extLst>
       <p:ext uri="{BB962C8B-B14F-4D97-AF65-F5344CB8AC3E}">
-        <p14:creationId xmlns:p14="http://schemas.microsoft.com/office/powerpoint/2010/main" val="3553172422"/>
+        <p14:creationId xmlns:p14="http://schemas.microsoft.com/office/powerpoint/2010/main" val="762749176"/>
       </p:ext>
     </p:extLst>
   </p:cSld>
@@ -4814,7 +4926,7 @@
     </p:spTree>
     <p:extLst>
       <p:ext uri="{BB962C8B-B14F-4D97-AF65-F5344CB8AC3E}">
-        <p14:creationId xmlns:p14="http://schemas.microsoft.com/office/powerpoint/2010/main" val="4167997368"/>
+        <p14:creationId xmlns:p14="http://schemas.microsoft.com/office/powerpoint/2010/main" val="3306585104"/>
       </p:ext>
     </p:extLst>
   </p:cSld>
@@ -5231,7 +5343,7 @@
     </p:spTree>
     <p:extLst>
       <p:ext uri="{BB962C8B-B14F-4D97-AF65-F5344CB8AC3E}">
-        <p14:creationId xmlns:p14="http://schemas.microsoft.com/office/powerpoint/2010/main" val="1370328698"/>
+        <p14:creationId xmlns:p14="http://schemas.microsoft.com/office/powerpoint/2010/main" val="3239429475"/>
       </p:ext>
     </p:extLst>
   </p:cSld>
@@ -5381,7 +5493,7 @@
     </p:spTree>
     <p:extLst>
       <p:ext uri="{BB962C8B-B14F-4D97-AF65-F5344CB8AC3E}">
-        <p14:creationId xmlns:p14="http://schemas.microsoft.com/office/powerpoint/2010/main" val="2935069138"/>
+        <p14:creationId xmlns:p14="http://schemas.microsoft.com/office/powerpoint/2010/main" val="4125711555"/>
       </p:ext>
     </p:extLst>
   </p:cSld>
@@ -5508,7 +5620,7 @@
     </p:spTree>
     <p:extLst>
       <p:ext uri="{BB962C8B-B14F-4D97-AF65-F5344CB8AC3E}">
-        <p14:creationId xmlns:p14="http://schemas.microsoft.com/office/powerpoint/2010/main" val="597966129"/>
+        <p14:creationId xmlns:p14="http://schemas.microsoft.com/office/powerpoint/2010/main" val="2805942620"/>
       </p:ext>
     </p:extLst>
   </p:cSld>
@@ -5788,7 +5900,7 @@
     </p:spTree>
     <p:extLst>
       <p:ext uri="{BB962C8B-B14F-4D97-AF65-F5344CB8AC3E}">
-        <p14:creationId xmlns:p14="http://schemas.microsoft.com/office/powerpoint/2010/main" val="157906064"/>
+        <p14:creationId xmlns:p14="http://schemas.microsoft.com/office/powerpoint/2010/main" val="2510770050"/>
       </p:ext>
     </p:extLst>
   </p:cSld>
@@ -5901,7 +6013,10 @@
           <a:noFill/>
           <a:ln w="82550" cap="sq">
             <a:solidFill>
-              <a:srgbClr val="EAEAEA"/>
+              <a:schemeClr val="bg2">
+                <a:lumMod val="60000"/>
+                <a:lumOff val="40000"/>
+              </a:schemeClr>
             </a:solidFill>
             <a:miter lim="800000"/>
           </a:ln>
@@ -6102,7 +6217,7 @@
     </p:spTree>
     <p:extLst>
       <p:ext uri="{BB962C8B-B14F-4D97-AF65-F5344CB8AC3E}">
-        <p14:creationId xmlns:p14="http://schemas.microsoft.com/office/powerpoint/2010/main" val="3184212781"/>
+        <p14:creationId xmlns:p14="http://schemas.microsoft.com/office/powerpoint/2010/main" val="1779645889"/>
       </p:ext>
     </p:extLst>
   </p:cSld>
@@ -6116,8 +6231,8 @@
 <p:sldMaster xmlns:a="http://schemas.openxmlformats.org/drawingml/2006/main" xmlns:r="http://schemas.openxmlformats.org/officeDocument/2006/relationships" xmlns:p="http://schemas.openxmlformats.org/presentationml/2006/main">
   <p:cSld>
     <p:bg>
-      <p:bgRef idx="1002">
-        <a:schemeClr val="bg1"/>
+      <p:bgRef idx="1003">
+        <a:schemeClr val="bg2"/>
       </p:bgRef>
     </p:bg>
     <p:spTree>
@@ -6144,7 +6259,7 @@
         </p:nvPicPr>
         <p:blipFill>
           <a:blip r:embed="rId19">
-            <a:alphaModFix/>
+            <a:alphaModFix amt="80000"/>
             <a:extLst>
               <a:ext uri="{28A0092B-C50C-407E-A947-70E740481C1C}">
                 <a14:useLocalDpi xmlns:a14="http://schemas.microsoft.com/office/drawing/2010/main" val="0"/>
@@ -6388,29 +6503,29 @@
     </p:spTree>
     <p:extLst>
       <p:ext uri="{BB962C8B-B14F-4D97-AF65-F5344CB8AC3E}">
-        <p14:creationId xmlns:p14="http://schemas.microsoft.com/office/powerpoint/2010/main" val="1666107003"/>
+        <p14:creationId xmlns:p14="http://schemas.microsoft.com/office/powerpoint/2010/main" val="3771202506"/>
       </p:ext>
     </p:extLst>
   </p:cSld>
   <p:clrMap bg1="lt1" tx1="dk1" bg2="lt2" tx2="dk2" accent1="accent1" accent2="accent2" accent3="accent3" accent4="accent4" accent5="accent5" accent6="accent6" hlink="hlink" folHlink="folHlink"/>
   <p:sldLayoutIdLst>
-    <p:sldLayoutId id="2147483679" r:id="rId1"/>
-    <p:sldLayoutId id="2147483680" r:id="rId2"/>
-    <p:sldLayoutId id="2147483681" r:id="rId3"/>
-    <p:sldLayoutId id="2147483682" r:id="rId4"/>
-    <p:sldLayoutId id="2147483683" r:id="rId5"/>
-    <p:sldLayoutId id="2147483684" r:id="rId6"/>
-    <p:sldLayoutId id="2147483685" r:id="rId7"/>
-    <p:sldLayoutId id="2147483686" r:id="rId8"/>
-    <p:sldLayoutId id="2147483687" r:id="rId9"/>
-    <p:sldLayoutId id="2147483688" r:id="rId10"/>
-    <p:sldLayoutId id="2147483689" r:id="rId11"/>
-    <p:sldLayoutId id="2147483690" r:id="rId12"/>
-    <p:sldLayoutId id="2147483691" r:id="rId13"/>
-    <p:sldLayoutId id="2147483692" r:id="rId14"/>
-    <p:sldLayoutId id="2147483693" r:id="rId15"/>
-    <p:sldLayoutId id="2147483694" r:id="rId16"/>
-    <p:sldLayoutId id="2147483695" r:id="rId17"/>
+    <p:sldLayoutId id="2147483733" r:id="rId1"/>
+    <p:sldLayoutId id="2147483734" r:id="rId2"/>
+    <p:sldLayoutId id="2147483735" r:id="rId3"/>
+    <p:sldLayoutId id="2147483736" r:id="rId4"/>
+    <p:sldLayoutId id="2147483737" r:id="rId5"/>
+    <p:sldLayoutId id="2147483738" r:id="rId6"/>
+    <p:sldLayoutId id="2147483739" r:id="rId7"/>
+    <p:sldLayoutId id="2147483740" r:id="rId8"/>
+    <p:sldLayoutId id="2147483741" r:id="rId9"/>
+    <p:sldLayoutId id="2147483742" r:id="rId10"/>
+    <p:sldLayoutId id="2147483743" r:id="rId11"/>
+    <p:sldLayoutId id="2147483744" r:id="rId12"/>
+    <p:sldLayoutId id="2147483745" r:id="rId13"/>
+    <p:sldLayoutId id="2147483746" r:id="rId14"/>
+    <p:sldLayoutId id="2147483747" r:id="rId15"/>
+    <p:sldLayoutId id="2147483748" r:id="rId16"/>
+    <p:sldLayoutId id="2147483749" r:id="rId17"/>
   </p:sldLayoutIdLst>
   <p:hf sldNum="0" hdr="0" ftr="0" dt="0"/>
   <p:txStyles>
@@ -6774,225 +6889,6 @@
       </p:grpSpPr>
       <p:pic>
         <p:nvPicPr>
-          <p:cNvPr id="30" name="Picture 2">
-            <a:extLst>
-              <a:ext uri="{FF2B5EF4-FFF2-40B4-BE49-F238E27FC236}">
-                <a16:creationId xmlns:a16="http://schemas.microsoft.com/office/drawing/2014/main" id="{22790EC5-ACA7-4536-8066-B60199F3C6DF}"/>
-              </a:ext>
-              <a:ext uri="{C183D7F6-B498-43B3-948B-1728B52AA6E4}">
-                <adec:decorative xmlns:adec="http://schemas.microsoft.com/office/drawing/2017/decorative" val="1"/>
-              </a:ext>
-            </a:extLst>
-          </p:cNvPr>
-          <p:cNvPicPr>
-            <a:picLocks noGrp="1" noRot="1" noChangeAspect="1" noMove="1" noResize="1" noEditPoints="1" noAdjustHandles="1" noChangeArrowheads="1" noChangeShapeType="1" noCrop="1"/>
-          </p:cNvPicPr>
-          <p:nvPr>
-            <p:extLst>
-              <p:ext uri="{386F3935-93C4-4BCD-93E2-E3B085C9AB24}">
-                <p16:designElem xmlns:p16="http://schemas.microsoft.com/office/powerpoint/2015/main" val="1"/>
-              </p:ext>
-            </p:extLst>
-          </p:nvPr>
-        </p:nvPicPr>
-        <p:blipFill>
-          <a:blip r:embed="rId2">
-            <a:alphaModFix/>
-            <a:extLst>
-              <a:ext uri="{28A0092B-C50C-407E-A947-70E740481C1C}">
-                <a14:useLocalDpi xmlns:a14="http://schemas.microsoft.com/office/drawing/2010/main" val="0"/>
-              </a:ext>
-            </a:extLst>
-          </a:blip>
-          <a:srcRect/>
-          <a:stretch>
-            <a:fillRect/>
-          </a:stretch>
-        </p:blipFill>
-        <p:spPr bwMode="auto">
-          <a:xfrm>
-            <a:off x="0" y="-1"/>
-            <a:ext cx="9144002" cy="6858001"/>
-          </a:xfrm>
-          <a:prstGeom prst="rect">
-            <a:avLst/>
-          </a:prstGeom>
-          <a:noFill/>
-          <a:extLst>
-            <a:ext uri="{909E8E84-426E-40DD-AFC4-6F175D3DCCD1}">
-              <a14:hiddenFill xmlns:a14="http://schemas.microsoft.com/office/drawing/2010/main">
-                <a:solidFill>
-                  <a:srgbClr val="FFFFFF"/>
-                </a:solidFill>
-              </a14:hiddenFill>
-            </a:ext>
-          </a:extLst>
-        </p:spPr>
-      </p:pic>
-      <p:pic>
-        <p:nvPicPr>
-          <p:cNvPr id="31" name="Picture 12">
-            <a:extLst>
-              <a:ext uri="{FF2B5EF4-FFF2-40B4-BE49-F238E27FC236}">
-                <a16:creationId xmlns:a16="http://schemas.microsoft.com/office/drawing/2014/main" id="{CAD20AEA-7CAF-4A83-BE2E-EAF010B8B7FC}"/>
-              </a:ext>
-              <a:ext uri="{C183D7F6-B498-43B3-948B-1728B52AA6E4}">
-                <adec:decorative xmlns:adec="http://schemas.microsoft.com/office/drawing/2017/decorative" val="1"/>
-              </a:ext>
-            </a:extLst>
-          </p:cNvPr>
-          <p:cNvPicPr>
-            <a:picLocks noGrp="1" noRot="1" noChangeAspect="1" noMove="1" noResize="1" noEditPoints="1" noAdjustHandles="1" noChangeArrowheads="1" noChangeShapeType="1" noCrop="1"/>
-          </p:cNvPicPr>
-          <p:nvPr>
-            <p:extLst>
-              <p:ext uri="{386F3935-93C4-4BCD-93E2-E3B085C9AB24}">
-                <p16:designElem xmlns:p16="http://schemas.microsoft.com/office/powerpoint/2015/main" val="1"/>
-              </p:ext>
-            </p:extLst>
-          </p:nvPr>
-        </p:nvPicPr>
-        <p:blipFill>
-          <a:blip r:embed="rId3">
-            <a:extLst>
-              <a:ext uri="{28A0092B-C50C-407E-A947-70E740481C1C}">
-                <a14:useLocalDpi xmlns:a14="http://schemas.microsoft.com/office/drawing/2010/main" val="0"/>
-              </a:ext>
-            </a:extLst>
-          </a:blip>
-          <a:stretch>
-            <a:fillRect/>
-          </a:stretch>
-        </p:blipFill>
-        <p:spPr>
-          <a:xfrm>
-            <a:off x="0" y="0"/>
-            <a:ext cx="9144000" cy="6858000"/>
-          </a:xfrm>
-          <a:prstGeom prst="rect">
-            <a:avLst/>
-          </a:prstGeom>
-        </p:spPr>
-      </p:pic>
-      <p:sp useBgFill="1">
-        <p:nvSpPr>
-          <p:cNvPr id="32" name="Rectangle 14">
-            <a:extLst>
-              <a:ext uri="{FF2B5EF4-FFF2-40B4-BE49-F238E27FC236}">
-                <a16:creationId xmlns:a16="http://schemas.microsoft.com/office/drawing/2014/main" id="{2255CADE-DCE0-447F-B290-2AE78E5E5598}"/>
-              </a:ext>
-              <a:ext uri="{C183D7F6-B498-43B3-948B-1728B52AA6E4}">
-                <adec:decorative xmlns:adec="http://schemas.microsoft.com/office/drawing/2017/decorative" val="1"/>
-              </a:ext>
-            </a:extLst>
-          </p:cNvPr>
-          <p:cNvSpPr>
-            <a:spLocks noGrp="1" noRot="1" noChangeAspect="1" noMove="1" noResize="1" noEditPoints="1" noAdjustHandles="1" noChangeArrowheads="1" noChangeShapeType="1" noTextEdit="1"/>
-          </p:cNvSpPr>
-          <p:nvPr>
-            <p:extLst>
-              <p:ext uri="{386F3935-93C4-4BCD-93E2-E3B085C9AB24}">
-                <p16:designElem xmlns:p16="http://schemas.microsoft.com/office/powerpoint/2015/main" val="1"/>
-              </p:ext>
-            </p:extLst>
-          </p:nvPr>
-        </p:nvSpPr>
-        <p:spPr>
-          <a:xfrm>
-            <a:off x="0" y="0"/>
-            <a:ext cx="9144000" cy="6858000"/>
-          </a:xfrm>
-          <a:prstGeom prst="rect">
-            <a:avLst/>
-          </a:prstGeom>
-          <a:ln>
-            <a:noFill/>
-          </a:ln>
-        </p:spPr>
-        <p:style>
-          <a:lnRef idx="2">
-            <a:schemeClr val="accent1">
-              <a:shade val="50000"/>
-            </a:schemeClr>
-          </a:lnRef>
-          <a:fillRef idx="1">
-            <a:schemeClr val="accent1"/>
-          </a:fillRef>
-          <a:effectRef idx="0">
-            <a:schemeClr val="accent1"/>
-          </a:effectRef>
-          <a:fontRef idx="minor">
-            <a:schemeClr val="lt1"/>
-          </a:fontRef>
-        </p:style>
-        <p:txBody>
-          <a:bodyPr rtlCol="0" anchor="ctr"/>
-          <a:lstStyle/>
-          <a:p>
-            <a:pPr algn="ctr"/>
-            <a:endParaRPr lang="en-US"/>
-          </a:p>
-        </p:txBody>
-      </p:sp>
-      <p:pic>
-        <p:nvPicPr>
-          <p:cNvPr id="33" name="Picture 2">
-            <a:extLst>
-              <a:ext uri="{FF2B5EF4-FFF2-40B4-BE49-F238E27FC236}">
-                <a16:creationId xmlns:a16="http://schemas.microsoft.com/office/drawing/2014/main" id="{240987D2-7FAC-4B65-A97B-0EAADE73BB32}"/>
-              </a:ext>
-              <a:ext uri="{C183D7F6-B498-43B3-948B-1728B52AA6E4}">
-                <adec:decorative xmlns:adec="http://schemas.microsoft.com/office/drawing/2017/decorative" val="1"/>
-              </a:ext>
-            </a:extLst>
-          </p:cNvPr>
-          <p:cNvPicPr>
-            <a:picLocks noGrp="1" noRot="1" noChangeAspect="1" noMove="1" noResize="1" noEditPoints="1" noAdjustHandles="1" noChangeArrowheads="1" noChangeShapeType="1" noCrop="1"/>
-          </p:cNvPicPr>
-          <p:nvPr>
-            <p:extLst>
-              <p:ext uri="{386F3935-93C4-4BCD-93E2-E3B085C9AB24}">
-                <p16:designElem xmlns:p16="http://schemas.microsoft.com/office/powerpoint/2015/main" val="1"/>
-              </p:ext>
-            </p:extLst>
-          </p:nvPr>
-        </p:nvPicPr>
-        <p:blipFill>
-          <a:blip r:embed="rId2">
-            <a:alphaModFix/>
-            <a:extLst>
-              <a:ext uri="{28A0092B-C50C-407E-A947-70E740481C1C}">
-                <a14:useLocalDpi xmlns:a14="http://schemas.microsoft.com/office/drawing/2010/main" val="0"/>
-              </a:ext>
-            </a:extLst>
-          </a:blip>
-          <a:srcRect/>
-          <a:stretch>
-            <a:fillRect/>
-          </a:stretch>
-        </p:blipFill>
-        <p:spPr bwMode="auto">
-          <a:xfrm>
-            <a:off x="0" y="130627"/>
-            <a:ext cx="9144002" cy="6858001"/>
-          </a:xfrm>
-          <a:prstGeom prst="rect">
-            <a:avLst/>
-          </a:prstGeom>
-          <a:noFill/>
-          <a:extLst>
-            <a:ext uri="{909E8E84-426E-40DD-AFC4-6F175D3DCCD1}">
-              <a14:hiddenFill xmlns:a14="http://schemas.microsoft.com/office/drawing/2010/main">
-                <a:solidFill>
-                  <a:srgbClr val="FFFFFF"/>
-                </a:solidFill>
-              </a14:hiddenFill>
-            </a:ext>
-          </a:extLst>
-        </p:spPr>
-      </p:pic>
-      <p:pic>
-        <p:nvPicPr>
           <p:cNvPr id="6" name="Imagen 5">
             <a:extLst>
               <a:ext uri="{FF2B5EF4-FFF2-40B4-BE49-F238E27FC236}">
@@ -7006,7 +6902,7 @@
           <p:nvPr/>
         </p:nvPicPr>
         <p:blipFill rotWithShape="1">
-          <a:blip r:embed="rId4">
+          <a:blip r:embed="rId2">
             <a:extLst>
               <a:ext uri="{28A0092B-C50C-407E-A947-70E740481C1C}">
                 <a14:useLocalDpi xmlns:a14="http://schemas.microsoft.com/office/drawing/2010/main" val="0"/>
@@ -7020,144 +6916,6 @@
           <a:xfrm>
             <a:off x="6645" y="10"/>
             <a:ext cx="5193150" cy="6857990"/>
-          </a:xfrm>
-          <a:prstGeom prst="rect">
-            <a:avLst/>
-          </a:prstGeom>
-        </p:spPr>
-      </p:pic>
-      <p:sp>
-        <p:nvSpPr>
-          <p:cNvPr id="34" name="Rectangle 18">
-            <a:extLst>
-              <a:ext uri="{FF2B5EF4-FFF2-40B4-BE49-F238E27FC236}">
-                <a16:creationId xmlns:a16="http://schemas.microsoft.com/office/drawing/2014/main" id="{4245587C-701C-48A1-9B6B-10C3DF81A876}"/>
-              </a:ext>
-              <a:ext uri="{C183D7F6-B498-43B3-948B-1728B52AA6E4}">
-                <adec:decorative xmlns:adec="http://schemas.microsoft.com/office/drawing/2017/decorative" val="1"/>
-              </a:ext>
-            </a:extLst>
-          </p:cNvPr>
-          <p:cNvSpPr>
-            <a:spLocks noGrp="1" noRot="1" noChangeAspect="1" noMove="1" noResize="1" noEditPoints="1" noAdjustHandles="1" noChangeArrowheads="1" noChangeShapeType="1" noTextEdit="1"/>
-          </p:cNvSpPr>
-          <p:nvPr>
-            <p:extLst>
-              <p:ext uri="{386F3935-93C4-4BCD-93E2-E3B085C9AB24}">
-                <p16:designElem xmlns:p16="http://schemas.microsoft.com/office/powerpoint/2015/main" val="1"/>
-              </p:ext>
-            </p:extLst>
-          </p:nvPr>
-        </p:nvSpPr>
-        <p:spPr>
-          <a:xfrm>
-            <a:off x="5199795" y="-2"/>
-            <a:ext cx="60985" cy="6858002"/>
-          </a:xfrm>
-          <a:prstGeom prst="rect">
-            <a:avLst/>
-          </a:prstGeom>
-          <a:gradFill flip="none" rotWithShape="1">
-            <a:gsLst>
-              <a:gs pos="84000">
-                <a:srgbClr val="B5B5B5"/>
-              </a:gs>
-              <a:gs pos="60159">
-                <a:srgbClr val="D5D5D5"/>
-              </a:gs>
-              <a:gs pos="50447">
-                <a:srgbClr val="E6E6E6"/>
-              </a:gs>
-              <a:gs pos="44260">
-                <a:srgbClr val="D5D5D5"/>
-              </a:gs>
-              <a:gs pos="15928">
-                <a:srgbClr val="B5B5B5"/>
-              </a:gs>
-              <a:gs pos="7000">
-                <a:srgbClr val="8A8A8A"/>
-              </a:gs>
-              <a:gs pos="0">
-                <a:srgbClr val="BBBBBB"/>
-              </a:gs>
-              <a:gs pos="93000">
-                <a:srgbClr val="8A8A8A"/>
-              </a:gs>
-              <a:gs pos="100000">
-                <a:srgbClr val="BBBBBB"/>
-              </a:gs>
-            </a:gsLst>
-            <a:lin ang="0" scaled="1"/>
-            <a:tileRect/>
-          </a:gradFill>
-          <a:ln>
-            <a:noFill/>
-          </a:ln>
-        </p:spPr>
-        <p:style>
-          <a:lnRef idx="2">
-            <a:schemeClr val="accent1">
-              <a:shade val="50000"/>
-            </a:schemeClr>
-          </a:lnRef>
-          <a:fillRef idx="1">
-            <a:schemeClr val="accent1"/>
-          </a:fillRef>
-          <a:effectRef idx="0">
-            <a:schemeClr val="accent1"/>
-          </a:effectRef>
-          <a:fontRef idx="minor">
-            <a:schemeClr val="lt1"/>
-          </a:fontRef>
-        </p:style>
-        <p:txBody>
-          <a:bodyPr rtlCol="0" anchor="ctr"/>
-          <a:lstStyle/>
-          <a:p>
-            <a:pPr algn="ctr"/>
-            <a:endParaRPr lang="en-US"/>
-          </a:p>
-        </p:txBody>
-      </p:sp>
-      <p:pic>
-        <p:nvPicPr>
-          <p:cNvPr id="35" name="Picture 20">
-            <a:extLst>
-              <a:ext uri="{FF2B5EF4-FFF2-40B4-BE49-F238E27FC236}">
-                <a16:creationId xmlns:a16="http://schemas.microsoft.com/office/drawing/2014/main" id="{2E5CF545-7AAF-4A13-8871-089E929E850A}"/>
-              </a:ext>
-              <a:ext uri="{C183D7F6-B498-43B3-948B-1728B52AA6E4}">
-                <adec:decorative xmlns:adec="http://schemas.microsoft.com/office/drawing/2017/decorative" val="1"/>
-              </a:ext>
-            </a:extLst>
-          </p:cNvPr>
-          <p:cNvPicPr>
-            <a:picLocks noGrp="1" noRot="1" noChangeAspect="1" noMove="1" noResize="1" noEditPoints="1" noAdjustHandles="1" noChangeArrowheads="1" noChangeShapeType="1" noCrop="1"/>
-          </p:cNvPicPr>
-          <p:nvPr>
-            <p:extLst>
-              <p:ext uri="{386F3935-93C4-4BCD-93E2-E3B085C9AB24}">
-                <p16:designElem xmlns:p16="http://schemas.microsoft.com/office/powerpoint/2015/main" val="1"/>
-              </p:ext>
-            </p:extLst>
-          </p:nvPr>
-        </p:nvPicPr>
-        <p:blipFill>
-          <a:blip r:embed="rId3">
-            <a:extLst>
-              <a:ext uri="{28A0092B-C50C-407E-A947-70E740481C1C}">
-                <a14:useLocalDpi xmlns:a14="http://schemas.microsoft.com/office/drawing/2010/main" val="0"/>
-              </a:ext>
-            </a:extLst>
-          </a:blip>
-          <a:stretch>
-            <a:fillRect/>
-          </a:stretch>
-        </p:blipFill>
-        <p:spPr>
-          <a:xfrm>
-            <a:off x="6645" y="0"/>
-            <a:ext cx="9144000" cy="6858000"/>
           </a:xfrm>
           <a:prstGeom prst="rect">
             <a:avLst/>
@@ -7448,370 +7206,18 @@
   <p:clrMapOvr>
     <a:masterClrMapping/>
   </p:clrMapOvr>
-</p:sld>
-</file>
-
-<file path=ppt/slides/slide10.xml><?xml version="1.0" encoding="utf-8"?>
-<p:sld xmlns:a="http://schemas.openxmlformats.org/drawingml/2006/main" xmlns:r="http://schemas.openxmlformats.org/officeDocument/2006/relationships" xmlns:p="http://schemas.openxmlformats.org/presentationml/2006/main">
-  <p:cSld>
-    <p:spTree>
-      <p:nvGrpSpPr>
-        <p:cNvPr id="1" name=""/>
-        <p:cNvGrpSpPr/>
-        <p:nvPr/>
-      </p:nvGrpSpPr>
-      <p:grpSpPr>
-        <a:xfrm>
-          <a:off x="0" y="0"/>
-          <a:ext cx="0" cy="0"/>
-          <a:chOff x="0" y="0"/>
-          <a:chExt cx="0" cy="0"/>
-        </a:xfrm>
-      </p:grpSpPr>
-      <p:sp>
-        <p:nvSpPr>
-          <p:cNvPr id="2" name="Rectángulo 1"/>
-          <p:cNvSpPr/>
-          <p:nvPr/>
-        </p:nvSpPr>
-        <p:spPr>
-          <a:xfrm>
-            <a:off x="611560" y="1305342"/>
-            <a:ext cx="8136904" cy="4524315"/>
-          </a:xfrm>
-          <a:prstGeom prst="rect">
-            <a:avLst/>
-          </a:prstGeom>
-        </p:spPr>
-        <p:txBody>
-          <a:bodyPr wrap="square">
-            <a:spAutoFit/>
-          </a:bodyPr>
-          <a:lstStyle/>
-          <a:p>
-            <a:r>
-              <a:rPr lang="es-CO" b="1" dirty="0"/>
-              <a:t>Respuestas técnicas </a:t>
-            </a:r>
-          </a:p>
-          <a:p>
-            <a:r>
-              <a:rPr lang="es-CO" dirty="0"/>
-              <a:t> </a:t>
-            </a:r>
-          </a:p>
-          <a:p>
-            <a:pPr algn="just"/>
-            <a:r>
-              <a:rPr lang="es-CO" dirty="0"/>
-              <a:t>Hay varios softwares anti-</a:t>
-            </a:r>
-            <a:r>
-              <a:rPr lang="es-CO" dirty="0" err="1"/>
-              <a:t>phishing</a:t>
-            </a:r>
-            <a:r>
-              <a:rPr lang="es-CO" dirty="0"/>
-              <a:t> disponibles. La mayoría de estos programas trabajan identificando contenidos </a:t>
-            </a:r>
-            <a:r>
-              <a:rPr lang="es-CO" dirty="0" err="1"/>
-              <a:t>phishing</a:t>
-            </a:r>
-            <a:r>
-              <a:rPr lang="es-CO" dirty="0"/>
-              <a:t> en sitios web y correos electrónicos; algunos software </a:t>
-            </a:r>
-            <a:r>
-              <a:rPr lang="es-CO" dirty="0" err="1"/>
-              <a:t>antiphishing</a:t>
-            </a:r>
-            <a:r>
-              <a:rPr lang="es-CO" dirty="0"/>
-              <a:t> pueden por ejemplo, integrarse con los navegadores web y clientes de correo electrónico como una barra de herramientas que muestra el dominio real del sitio visitado. Los filtros de spam también ayudan a proteger a los usuarios de los </a:t>
-            </a:r>
-            <a:r>
-              <a:rPr lang="es-CO" dirty="0" err="1"/>
-              <a:t>phishers</a:t>
-            </a:r>
-            <a:r>
-              <a:rPr lang="es-CO" dirty="0"/>
-              <a:t>, ya que reducen el número de correos electrónicos relacionados con el </a:t>
-            </a:r>
-            <a:r>
-              <a:rPr lang="es-CO" dirty="0" err="1"/>
-              <a:t>phishing</a:t>
-            </a:r>
-            <a:r>
-              <a:rPr lang="es-CO" dirty="0"/>
-              <a:t> recibidos por el usuario. </a:t>
-            </a:r>
-          </a:p>
-          <a:p>
-            <a:pPr algn="just"/>
-            <a:endParaRPr lang="es-CO" dirty="0"/>
-          </a:p>
-          <a:p>
-            <a:pPr algn="just"/>
-            <a:r>
-              <a:rPr lang="es-CO" dirty="0"/>
-              <a:t>El Anti-</a:t>
-            </a:r>
-            <a:r>
-              <a:rPr lang="es-CO" dirty="0" err="1"/>
-              <a:t>Phishing</a:t>
-            </a:r>
-            <a:r>
-              <a:rPr lang="es-CO" dirty="0"/>
-              <a:t> </a:t>
-            </a:r>
-            <a:r>
-              <a:rPr lang="es-CO" dirty="0" err="1"/>
-              <a:t>Working</a:t>
-            </a:r>
-            <a:r>
-              <a:rPr lang="es-CO" dirty="0"/>
-              <a:t> </a:t>
-            </a:r>
-            <a:r>
-              <a:rPr lang="es-CO" dirty="0" err="1"/>
-              <a:t>Group</a:t>
-            </a:r>
-            <a:r>
-              <a:rPr lang="es-CO" dirty="0"/>
-              <a:t>, industria y asociación que aplica la ley contra las prácticas de </a:t>
-            </a:r>
-            <a:r>
-              <a:rPr lang="es-CO" dirty="0" err="1"/>
-              <a:t>phishing</a:t>
-            </a:r>
-            <a:r>
-              <a:rPr lang="es-CO" dirty="0"/>
-              <a:t>, ha sugerido que las técnicas convencionales de </a:t>
-            </a:r>
-            <a:r>
-              <a:rPr lang="es-CO" dirty="0" err="1"/>
-              <a:t>phishing</a:t>
-            </a:r>
-            <a:r>
-              <a:rPr lang="es-CO" dirty="0"/>
-              <a:t> podrían ser obsoletas en un futuro a medida que la gente se oriente sobre los métodos de ingeniería social utilizadas por los </a:t>
-            </a:r>
-            <a:r>
-              <a:rPr lang="es-CO" dirty="0" err="1"/>
-              <a:t>phishers</a:t>
-            </a:r>
-            <a:r>
-              <a:rPr lang="es-CO" dirty="0"/>
-              <a:t>. Ellos suponen que en un futuro cercano, el </a:t>
-            </a:r>
-            <a:r>
-              <a:rPr lang="es-CO" dirty="0" err="1"/>
-              <a:t>pharming</a:t>
-            </a:r>
-            <a:r>
-              <a:rPr lang="es-CO" dirty="0"/>
-              <a:t> y otros usos de malware se van a convertir en herramientas más comunes para el robo de información. </a:t>
-            </a:r>
-          </a:p>
-        </p:txBody>
-      </p:sp>
-    </p:spTree>
-    <p:extLst>
-      <p:ext uri="{BB962C8B-B14F-4D97-AF65-F5344CB8AC3E}">
-        <p14:creationId xmlns:p14="http://schemas.microsoft.com/office/powerpoint/2010/main" val="3112134028"/>
-      </p:ext>
-    </p:extLst>
-  </p:cSld>
-  <p:clrMapOvr>
-    <a:masterClrMapping/>
-  </p:clrMapOvr>
-</p:sld>
-</file>
-
-<file path=ppt/slides/slide11.xml><?xml version="1.0" encoding="utf-8"?>
-<p:sld xmlns:a="http://schemas.openxmlformats.org/drawingml/2006/main" xmlns:r="http://schemas.openxmlformats.org/officeDocument/2006/relationships" xmlns:p="http://schemas.openxmlformats.org/presentationml/2006/main">
-  <p:cSld>
-    <p:spTree>
-      <p:nvGrpSpPr>
-        <p:cNvPr id="1" name=""/>
-        <p:cNvGrpSpPr/>
-        <p:nvPr/>
-      </p:nvGrpSpPr>
-      <p:grpSpPr>
-        <a:xfrm>
-          <a:off x="0" y="0"/>
-          <a:ext cx="0" cy="0"/>
-          <a:chOff x="0" y="0"/>
-          <a:chExt cx="0" cy="0"/>
-        </a:xfrm>
-      </p:grpSpPr>
-      <p:sp>
-        <p:nvSpPr>
-          <p:cNvPr id="2" name="Rectángulo 1"/>
-          <p:cNvSpPr/>
-          <p:nvPr/>
-        </p:nvSpPr>
-        <p:spPr>
-          <a:xfrm>
-            <a:off x="683568" y="1305342"/>
-            <a:ext cx="7776864" cy="3693319"/>
-          </a:xfrm>
-          <a:prstGeom prst="rect">
-            <a:avLst/>
-          </a:prstGeom>
-        </p:spPr>
-        <p:txBody>
-          <a:bodyPr wrap="square">
-            <a:spAutoFit/>
-          </a:bodyPr>
-          <a:lstStyle/>
-          <a:p>
-            <a:r>
-              <a:rPr lang="es-CO" b="1" dirty="0"/>
-              <a:t>Contraseñas Seguras </a:t>
-            </a:r>
-          </a:p>
-          <a:p>
-            <a:r>
-              <a:rPr lang="es-CO" dirty="0"/>
-              <a:t> </a:t>
-            </a:r>
-          </a:p>
-          <a:p>
-            <a:pPr algn="just"/>
-            <a:r>
-              <a:rPr lang="es-CO" dirty="0"/>
-              <a:t>En el control del acceso para todo, se realiza una relación entre seguridad y conveniencia. Es decir, si algún recurso está protegido por una contraseña, entonces la seguridad se incrementa con la consecuente pérdida de conveniencia para los usuarios.</a:t>
-            </a:r>
-          </a:p>
-          <a:p>
-            <a:pPr algn="just"/>
-            <a:endParaRPr lang="es-CO" dirty="0"/>
-          </a:p>
-          <a:p>
-            <a:pPr algn="just"/>
-            <a:r>
-              <a:rPr lang="es-CO" dirty="0"/>
-              <a:t>Algunos sistemas protegidos por contraseñas plantean pocos o ningún riesgo a los usuarios si éstos se revelan, por ejemplo, una contraseña que permita el acceso a la información de una Web </a:t>
-            </a:r>
-            <a:r>
-              <a:rPr lang="es-CO" dirty="0" err="1"/>
-              <a:t>site</a:t>
-            </a:r>
-            <a:r>
-              <a:rPr lang="es-CO" dirty="0"/>
-              <a:t> gratuita. Otros plantean un modesto riesgo económico o de privacidad, por ejemplo, un </a:t>
-            </a:r>
-            <a:r>
-              <a:rPr lang="es-CO" dirty="0" err="1"/>
-              <a:t>password</a:t>
-            </a:r>
-            <a:r>
-              <a:rPr lang="es-CO" dirty="0"/>
-              <a:t> utilizado para acceder al e-mail, o alguna contraseña para algún teléfono celular.</a:t>
-            </a:r>
-          </a:p>
-          <a:p>
-            <a:endParaRPr lang="es-CO" dirty="0"/>
-          </a:p>
-        </p:txBody>
-      </p:sp>
-    </p:spTree>
-    <p:extLst>
-      <p:ext uri="{BB962C8B-B14F-4D97-AF65-F5344CB8AC3E}">
-        <p14:creationId xmlns:p14="http://schemas.microsoft.com/office/powerpoint/2010/main" val="1963603569"/>
-      </p:ext>
-    </p:extLst>
-  </p:cSld>
-  <p:clrMapOvr>
-    <a:masterClrMapping/>
-  </p:clrMapOvr>
-</p:sld>
-</file>
-
-<file path=ppt/slides/slide12.xml><?xml version="1.0" encoding="utf-8"?>
-<p:sld xmlns:a="http://schemas.openxmlformats.org/drawingml/2006/main" xmlns:r="http://schemas.openxmlformats.org/officeDocument/2006/relationships" xmlns:p="http://schemas.openxmlformats.org/presentationml/2006/main">
-  <p:cSld>
-    <p:spTree>
-      <p:nvGrpSpPr>
-        <p:cNvPr id="1" name=""/>
-        <p:cNvGrpSpPr/>
-        <p:nvPr/>
-      </p:nvGrpSpPr>
-      <p:grpSpPr>
-        <a:xfrm>
-          <a:off x="0" y="0"/>
-          <a:ext cx="0" cy="0"/>
-          <a:chOff x="0" y="0"/>
-          <a:chExt cx="0" cy="0"/>
-        </a:xfrm>
-      </p:grpSpPr>
-      <p:sp>
-        <p:nvSpPr>
-          <p:cNvPr id="2" name="Rectángulo 1"/>
-          <p:cNvSpPr/>
-          <p:nvPr/>
-        </p:nvSpPr>
-        <p:spPr>
-          <a:xfrm>
-            <a:off x="251520" y="1268760"/>
-            <a:ext cx="8496944" cy="3754874"/>
-          </a:xfrm>
-          <a:prstGeom prst="rect">
-            <a:avLst/>
-          </a:prstGeom>
-        </p:spPr>
-        <p:txBody>
-          <a:bodyPr wrap="square">
-            <a:spAutoFit/>
-          </a:bodyPr>
-          <a:lstStyle/>
-          <a:p>
-            <a:r>
-              <a:rPr lang="es-CO" sz="1700" dirty="0"/>
-              <a:t>• Muchos de los usuarios no cambian la contraseña que viene predeterminada en muchos de los sistemas de seguridad. Listas de estas contraseñas están disponibles en el Internet. </a:t>
-            </a:r>
-          </a:p>
-          <a:p>
-            <a:endParaRPr lang="es-CO" sz="1700" dirty="0"/>
-          </a:p>
-          <a:p>
-            <a:r>
-              <a:rPr lang="es-CO" sz="1700" dirty="0"/>
-              <a:t>• Una contraseña puede ser determinada si un usuario elige como contraseña una pieza de información personal que sea fácil de descubrir (por ejemplo: número de ID de estudiante, el nombre del novio/a, el día de cumpleaños, número telefónico, etc.)</a:t>
-            </a:r>
-          </a:p>
-          <a:p>
-            <a:endParaRPr lang="es-CO" sz="1700" dirty="0"/>
-          </a:p>
-          <a:p>
-            <a:r>
-              <a:rPr lang="es-CO" sz="1700" dirty="0"/>
-              <a:t> •Una contraseña es vulnerable si puede ser encontrada en una lista. Los diccionarios (frecuentemente de forma electrónica) están disponibles en muchos lenguajes, y existen listas de contraseñas comunes. </a:t>
-            </a:r>
-          </a:p>
-          <a:p>
-            <a:endParaRPr lang="es-CO" sz="1700" dirty="0"/>
-          </a:p>
-          <a:p>
-            <a:r>
-              <a:rPr lang="es-CO" sz="1700" dirty="0"/>
-              <a:t>• En pruebas sobre sistemas en vivo, los ataques de diccionarios son rutinariamente acertados, por lo que el software implementado en este tipo de ataques ya se encuentra disponible para muchos sistemas. </a:t>
-            </a:r>
-          </a:p>
-        </p:txBody>
-      </p:sp>
-    </p:spTree>
-    <p:extLst>
-      <p:ext uri="{BB962C8B-B14F-4D97-AF65-F5344CB8AC3E}">
-        <p14:creationId xmlns:p14="http://schemas.microsoft.com/office/powerpoint/2010/main" val="2588232827"/>
-      </p:ext>
-    </p:extLst>
-  </p:cSld>
-  <p:clrMapOvr>
-    <a:masterClrMapping/>
-  </p:clrMapOvr>
+  <mc:AlternateContent xmlns:mc="http://schemas.openxmlformats.org/markup-compatibility/2006">
+    <mc:Choice xmlns:p14="http://schemas.microsoft.com/office/powerpoint/2010/main" Requires="p14">
+      <p:transition spd="slow" p14:dur="4400">
+        <p14:honeycomb/>
+      </p:transition>
+    </mc:Choice>
+    <mc:Fallback>
+      <p:transition spd="slow">
+        <p:fade/>
+      </p:transition>
+    </mc:Fallback>
+  </mc:AlternateContent>
 </p:sld>
 </file>
 
@@ -7869,10 +7275,26 @@
             </a:r>
           </a:p>
           <a:p>
-            <a:pPr algn="just"/>
+            <a:r>
+              <a:rPr lang="es-ES" dirty="0"/>
+              <a:t>S</a:t>
+            </a:r>
             <a:r>
               <a:rPr lang="es-CO" dirty="0"/>
-              <a:t>Este agrupamos todos los tipos de programas que han sido desarrollados para entrar en ordenadores sin permiso de su propietario, y producir efectos no deseados. Estos efectos se producen algunas veces sin que nos demos cuenta en el acto. Esta expresión es un término general muy utilizado por profesionales de la computación para definir una variedad de software o programas de códigos hostiles e intrusivos. Muchos usuarios de computadores no están aún familiarizados con este término y otros incluso nunca lo han utilizado. Sin embargo la expresión "virus informático" es más utilizada en el lenguaje cotidiano y a menudo en los medios de comunicación para describir todos los tipos de malware. </a:t>
+              <a:t>on todos los programas que fueron creados y desarrollados para robar información ingresar a dispositivos de computo sin autorización de los dueños de los equipos, la mayoría de veces sucede  sin que nos demos cuenta en el momento. </a:t>
+            </a:r>
+          </a:p>
+          <a:p>
+            <a:endParaRPr lang="es-ES" dirty="0"/>
+          </a:p>
+          <a:p>
+            <a:r>
+              <a:rPr lang="es-ES" dirty="0"/>
+              <a:t>E</a:t>
+            </a:r>
+            <a:r>
+              <a:rPr lang="es-CO" dirty="0"/>
+              <a:t>n la comunidad de profesionales en computación este se define como software o programas de códigos hostiles e intrusivos. Muchos usuarios de computadores no están aún familiarizados con este término y otros incluso nunca lo han escuchado ni utilizado, pero  la expresión "virus informático" es más utilizada en el la vida diaria y a menudo en los medios de comunicación para describir todos los tipos de malware, software maliciosos. </a:t>
             </a:r>
           </a:p>
         </p:txBody>
@@ -7887,6 +7309,18 @@
   <p:clrMapOvr>
     <a:masterClrMapping/>
   </p:clrMapOvr>
+  <mc:AlternateContent xmlns:mc="http://schemas.openxmlformats.org/markup-compatibility/2006">
+    <mc:Choice xmlns:p14="http://schemas.microsoft.com/office/powerpoint/2010/main" Requires="p14">
+      <p:transition spd="slow" p14:dur="4000">
+        <p14:vortex dir="r"/>
+      </p:transition>
+    </mc:Choice>
+    <mc:Fallback>
+      <p:transition spd="slow">
+        <p:fade/>
+      </p:transition>
+    </mc:Fallback>
+  </mc:AlternateContent>
 </p:sld>
 </file>
 
@@ -7928,9 +7362,16 @@
           </a:bodyPr>
           <a:lstStyle/>
           <a:p>
+            <a:endParaRPr lang="es-ES" sz="1600" dirty="0"/>
+          </a:p>
+          <a:p>
+            <a:r>
+              <a:rPr lang="es-ES" sz="1600" dirty="0"/>
+              <a:t>P</a:t>
+            </a:r>
             <a:r>
               <a:rPr lang="es-CO" sz="1600" dirty="0"/>
-              <a:t>A continuación detallamos, paso a paso, varias tareas habituales para la eliminación de un virus en el ordenador, como la edición del registro y la terminación de procesos. </a:t>
+              <a:t>odra visualizar a continuación varios pasos para que pueda eliminar un virus en el computador de forma preventiva: </a:t>
             </a:r>
           </a:p>
           <a:p>
@@ -8031,6 +7472,18 @@
   <p:clrMapOvr>
     <a:masterClrMapping/>
   </p:clrMapOvr>
+  <mc:AlternateContent xmlns:mc="http://schemas.openxmlformats.org/markup-compatibility/2006">
+    <mc:Choice xmlns:p15="http://schemas.microsoft.com/office/powerpoint/2012/main" Requires="p15">
+      <p:transition xmlns:p14="http://schemas.microsoft.com/office/powerpoint/2010/main" spd="slow" p14:dur="1250">
+        <p15:prstTrans prst="airplane"/>
+      </p:transition>
+    </mc:Choice>
+    <mc:Fallback>
+      <p:transition spd="slow">
+        <p:fade/>
+      </p:transition>
+    </mc:Fallback>
+  </mc:AlternateContent>
 </p:sld>
 </file>
 
@@ -8060,7 +7513,7 @@
         <p:spPr>
           <a:xfrm>
             <a:off x="467544" y="980728"/>
-            <a:ext cx="8172400" cy="5355312"/>
+            <a:ext cx="8172400" cy="3970318"/>
           </a:xfrm>
           <a:prstGeom prst="rect">
             <a:avLst/>
@@ -8087,7 +7540,7 @@
             <a:pPr algn="just"/>
             <a:r>
               <a:rPr lang="es-CO" dirty="0"/>
-              <a:t>Los antivirus son programas cuya función es detectar y eliminar Virus informáticos y otros programas maliciosos. Básicamente, un antivirus compara el código de cada archivo con una base de datos de los códigos (también conocidos como firmas o vacunas) de los virus conocidos, por lo que es importante actualizarla periódicamente a fin de evitar que un virus nuevo no sea detectado. </a:t>
+              <a:t>Es el programa que detectar y eliminar Virus informáticos y otros programas maliciosos.</a:t>
             </a:r>
           </a:p>
           <a:p>
@@ -8098,23 +7551,23 @@
             <a:pPr algn="just"/>
             <a:r>
               <a:rPr lang="es-CO" dirty="0"/>
-              <a:t>Los virus, gusanos, spyware son programas informáticos que se ejecutan normalmente sin el consentimiento del legítimo propietario y que tienen la características de ejecutar recursos, consumir memoria e incluso eliminar o destrozar la información. </a:t>
+              <a:t>Los virus, gusanos, spyware son alguno de los mas comunes , estos se ejecutan normalmente sin el consentimiento del dueño del equipo de computo, son aquellos que tienen la características de ejecutar recursos, consumir memoria e incluso eliminar o destrozar la información delicada o importante para la persona.</a:t>
             </a:r>
           </a:p>
           <a:p>
             <a:pPr algn="just"/>
-            <a:endParaRPr lang="es-CO" dirty="0"/>
+            <a:endParaRPr lang="es-ES" dirty="0"/>
           </a:p>
           <a:p>
             <a:pPr algn="just"/>
             <a:r>
+              <a:rPr lang="es-ES" dirty="0"/>
+              <a:t>Estos se expanden de una manera impresionante, también pueden robar tu información, produciendo la perdida de esta misma y la capacidad de suplantar varios documentos o personas , y puede llegar </a:t>
+            </a:r>
+            <a:r>
               <a:rPr lang="es-CO" dirty="0"/>
-              <a:t>Una característica adicional es la capacidad que tienen de propagarse. Otras características son el robo de información, la pérdida de esta, la capacidad de suplantación, que hacen que reviertan en pérdidas económicas y de imagen. </a:t>
-            </a:r>
-          </a:p>
-          <a:p>
-            <a:pPr algn="just"/>
-            <a:endParaRPr lang="es-CO" dirty="0"/>
+              <a:t>destruyendo financieramente una persona.</a:t>
+            </a:r>
           </a:p>
           <a:p>
             <a:pPr algn="just"/>
@@ -8136,6 +7589,18 @@
   <p:clrMapOvr>
     <a:masterClrMapping/>
   </p:clrMapOvr>
+  <mc:AlternateContent xmlns:mc="http://schemas.openxmlformats.org/markup-compatibility/2006">
+    <mc:Choice xmlns:p14="http://schemas.microsoft.com/office/powerpoint/2010/main" Requires="p14">
+      <p:transition spd="slow" p14:dur="1200">
+        <p:dissolve/>
+      </p:transition>
+    </mc:Choice>
+    <mc:Fallback>
+      <p:transition spd="slow">
+        <p:dissolve/>
+      </p:transition>
+    </mc:Fallback>
+  </mc:AlternateContent>
 </p:sld>
 </file>
 
@@ -8191,7 +7656,16 @@
           <a:p>
             <a:r>
               <a:rPr lang="es-CO" dirty="0"/>
-              <a:t>• Pérdida de información (evaluable según el caso) </a:t>
+              <a:t>• Pérdida de información</a:t>
+            </a:r>
+          </a:p>
+          <a:p>
+            <a:endParaRPr lang="es-CO" dirty="0"/>
+          </a:p>
+          <a:p>
+            <a:r>
+              <a:rPr lang="es-CO" dirty="0"/>
+              <a:t>• Pérdida de imagen </a:t>
             </a:r>
           </a:p>
           <a:p>
@@ -8205,12 +7679,6 @@
           </a:p>
           <a:p>
             <a:endParaRPr lang="es-CO" dirty="0"/>
-          </a:p>
-          <a:p>
-            <a:r>
-              <a:rPr lang="es-CO" dirty="0"/>
-              <a:t>• Pérdida de imagen (Valor no cuantificable) </a:t>
-            </a:r>
           </a:p>
           <a:p>
             <a:endParaRPr lang="es-CO" dirty="0"/>
@@ -8236,6 +7704,9 @@
   <p:clrMapOvr>
     <a:masterClrMapping/>
   </p:clrMapOvr>
+  <p:transition spd="slow">
+    <p:randomBar dir="vert"/>
+  </p:transition>
 </p:sld>
 </file>
 
@@ -8265,7 +7736,7 @@
         <p:spPr>
           <a:xfrm>
             <a:off x="323528" y="908720"/>
-            <a:ext cx="8136904" cy="3970318"/>
+            <a:ext cx="8136904" cy="3416320"/>
           </a:xfrm>
           <a:prstGeom prst="rect">
             <a:avLst/>
@@ -8292,7 +7763,7 @@
             <a:pPr algn="just"/>
             <a:r>
               <a:rPr lang="es-CO" dirty="0"/>
-              <a:t>Los programas espías o spyware son aplicaciones que recopilan información sobre una persona u organización sin su conocimiento. La función más común que tienen estos programas es la de recopilar información sobre el usuario y distribuirlo a empresas publicitarias u otras organizaciones interesadas, pero también se han empleado en círculos legales para recopilar información contra sospechosos de delitos, como en el caso de la piratería de software. </a:t>
+              <a:t>La función más común que tienen estos programas es la de recopilar información sobre el usuario y distribuirlo a empresas publicitarias u otras organizaciones interesadas, pero también se han empleado en círculos legales para recopilar información contra sospechosos de delitos, como en el caso de la piratería de software. </a:t>
             </a:r>
           </a:p>
           <a:p>
@@ -8330,6 +7801,9 @@
   <p:clrMapOvr>
     <a:masterClrMapping/>
   </p:clrMapOvr>
+  <p:transition spd="slow">
+    <p:wipe/>
+  </p:transition>
 </p:sld>
 </file>
 
@@ -8528,8 +8002,8 @@
         </p:nvSpPr>
         <p:spPr>
           <a:xfrm>
-            <a:off x="395536" y="1028343"/>
-            <a:ext cx="7704856" cy="3139321"/>
+            <a:off x="683568" y="1305342"/>
+            <a:ext cx="7776864" cy="3693319"/>
           </a:xfrm>
           <a:prstGeom prst="rect">
             <a:avLst/>
@@ -8541,18 +8015,12 @@
           </a:bodyPr>
           <a:lstStyle/>
           <a:p>
-            <a:pPr algn="just"/>
-            <a:r>
-              <a:rPr lang="es-CO" b="1" dirty="0" err="1"/>
-              <a:t>Phishing</a:t>
-            </a:r>
             <a:r>
               <a:rPr lang="es-CO" b="1" dirty="0"/>
-              <a:t> </a:t>
-            </a:r>
-          </a:p>
-          <a:p>
-            <a:pPr algn="just"/>
+              <a:t>Contraseñas Seguras </a:t>
+            </a:r>
+          </a:p>
+          <a:p>
             <a:r>
               <a:rPr lang="es-CO" dirty="0"/>
               <a:t> </a:t>
@@ -8562,29 +8030,71 @@
             <a:pPr algn="just"/>
             <a:r>
               <a:rPr lang="es-CO" dirty="0"/>
-              <a:t>Es un término informático que denomina un tipo de delito encuadrado dentro del ámbito de las estafas, y que se comete mediante el uso de un tipo de ingeniería social caracterizado por intentar adquirir información confidencial de forma fraudulenta (como puede ser una contraseña o información detallada sobre tarjetas de crédito u otra información bancaria). El estafador, conocido como </a:t>
+              <a:t>En el control del acceso para todo, se realiza una relación entre seguridad y conveniencia. Esto se puede </a:t>
+            </a:r>
+            <a:r>
+              <a:rPr lang="es-CO"/>
+              <a:t>concluir que si </a:t>
+            </a:r>
+            <a:r>
+              <a:rPr lang="es-CO" dirty="0"/>
+              <a:t>algún recurso está protegido por una contraseña, entonces la seguridad se incrementa con la consecuente pérdida de conveniencia para los usuarios.</a:t>
+            </a:r>
+          </a:p>
+          <a:p>
+            <a:pPr algn="just"/>
+            <a:endParaRPr lang="es-CO" dirty="0"/>
+          </a:p>
+          <a:p>
+            <a:pPr algn="just"/>
+            <a:r>
+              <a:rPr lang="es-CO" dirty="0"/>
+              <a:t>Algunos sistemas protegidos por contraseñas plantean pocos o ningún riesgo a los usuarios si éstos se revelan, por ejemplo, una contraseña que permita el acceso a la información de una Web </a:t>
             </a:r>
             <a:r>
               <a:rPr lang="es-CO" dirty="0" err="1"/>
-              <a:t>phisher</a:t>
+              <a:t>site</a:t>
             </a:r>
             <a:r>
               <a:rPr lang="es-CO" dirty="0"/>
-              <a:t>, se hace pasar por una persona o empresa de confianza en una aparente comunicación oficial electrónica, por lo común un correo electrónico, o algún sistema de mensajería instantánea o incluso utilizando también llamadas telefónicas. </a:t>
-            </a:r>
+              <a:t> gratuita. Otros plantean un modesto riesgo económico o de privacidad, por ejemplo, un </a:t>
+            </a:r>
+            <a:r>
+              <a:rPr lang="es-CO" dirty="0" err="1"/>
+              <a:t>password</a:t>
+            </a:r>
+            <a:r>
+              <a:rPr lang="es-CO" dirty="0"/>
+              <a:t> utilizado para acceder al e-mail, o alguna contraseña para algún teléfono celular.</a:t>
+            </a:r>
+          </a:p>
+          <a:p>
+            <a:endParaRPr lang="es-CO" dirty="0"/>
           </a:p>
         </p:txBody>
       </p:sp>
     </p:spTree>
     <p:extLst>
       <p:ext uri="{BB962C8B-B14F-4D97-AF65-F5344CB8AC3E}">
-        <p14:creationId xmlns:p14="http://schemas.microsoft.com/office/powerpoint/2010/main" val="4175389634"/>
+        <p14:creationId xmlns:p14="http://schemas.microsoft.com/office/powerpoint/2010/main" val="1963603569"/>
       </p:ext>
     </p:extLst>
   </p:cSld>
   <p:clrMapOvr>
     <a:masterClrMapping/>
   </p:clrMapOvr>
+  <mc:AlternateContent xmlns:mc="http://schemas.openxmlformats.org/markup-compatibility/2006">
+    <mc:Choice xmlns:p14="http://schemas.microsoft.com/office/powerpoint/2010/main" Requires="p14">
+      <p:transition spd="slow" p14:dur="1500">
+        <p:split orient="vert"/>
+      </p:transition>
+    </mc:Choice>
+    <mc:Fallback>
+      <p:transition spd="slow">
+        <p:split orient="vert"/>
+      </p:transition>
+    </mc:Fallback>
+  </mc:AlternateContent>
 </p:sld>
 </file>
 
@@ -8613,8 +8123,8 @@
         </p:nvSpPr>
         <p:spPr>
           <a:xfrm>
-            <a:off x="683568" y="1028343"/>
-            <a:ext cx="7920880" cy="5355312"/>
+            <a:off x="251520" y="1268760"/>
+            <a:ext cx="8496944" cy="3754874"/>
           </a:xfrm>
           <a:prstGeom prst="rect">
             <a:avLst/>
@@ -8627,122 +8137,61 @@
           <a:lstStyle/>
           <a:p>
             <a:r>
-              <a:rPr lang="es-CO" b="1" dirty="0"/>
-              <a:t>Respuesta social </a:t>
-            </a:r>
-          </a:p>
-          <a:p>
-            <a:r>
-              <a:rPr lang="es-CO" dirty="0"/>
-              <a:t> </a:t>
-            </a:r>
-          </a:p>
-          <a:p>
-            <a:pPr algn="just"/>
-            <a:r>
-              <a:rPr lang="es-CO" dirty="0"/>
-              <a:t>Una estrategia para combatir el </a:t>
-            </a:r>
-            <a:r>
-              <a:rPr lang="es-CO" dirty="0" err="1"/>
-              <a:t>phishing</a:t>
-            </a:r>
-            <a:r>
-              <a:rPr lang="es-CO" dirty="0"/>
-              <a:t> adoptada por algunas empresas es la de entrenar a los empleados de modo que puedan reconocer posibles ataques </a:t>
-            </a:r>
-            <a:r>
-              <a:rPr lang="es-CO" dirty="0" err="1"/>
-              <a:t>phishing</a:t>
-            </a:r>
-            <a:r>
-              <a:rPr lang="es-CO" dirty="0"/>
-              <a:t>. Una nueva táctica de </a:t>
-            </a:r>
-            <a:r>
-              <a:rPr lang="es-CO" dirty="0" err="1"/>
-              <a:t>phishing</a:t>
-            </a:r>
-            <a:r>
-              <a:rPr lang="es-CO" dirty="0"/>
-              <a:t> donde se envían correos electrónicos de tipo </a:t>
-            </a:r>
-            <a:r>
-              <a:rPr lang="es-CO" dirty="0" err="1"/>
-              <a:t>phishing</a:t>
-            </a:r>
-            <a:r>
-              <a:rPr lang="es-CO" dirty="0"/>
-              <a:t> a una compañía determinada, conocido como </a:t>
-            </a:r>
-            <a:r>
-              <a:rPr lang="es-CO" dirty="0" err="1"/>
-              <a:t>spear</a:t>
-            </a:r>
-            <a:r>
-              <a:rPr lang="es-CO" dirty="0"/>
-              <a:t> </a:t>
-            </a:r>
-            <a:r>
-              <a:rPr lang="es-CO" dirty="0" err="1"/>
-              <a:t>phishing</a:t>
-            </a:r>
-            <a:r>
-              <a:rPr lang="es-CO" dirty="0"/>
-              <a:t>, ha motivado al entrenamiento de usuarios en varias localidades, incluyendo la Academia Militar de West Point en los Estados Unidos. En un experimento realizado en junio del 2004 con </a:t>
-            </a:r>
-            <a:r>
-              <a:rPr lang="es-CO" dirty="0" err="1"/>
-              <a:t>spear</a:t>
-            </a:r>
-            <a:r>
-              <a:rPr lang="es-CO" dirty="0"/>
-              <a:t> </a:t>
-            </a:r>
-            <a:r>
-              <a:rPr lang="es-CO" dirty="0" err="1"/>
-              <a:t>phishing</a:t>
-            </a:r>
-            <a:r>
-              <a:rPr lang="es-CO" dirty="0"/>
-              <a:t>, el 80% de los 500 cadetes de West Point a los que se les envió un e-mail falso fueron engañados y procedieron a dar información personal. </a:t>
-            </a:r>
-          </a:p>
-          <a:p>
-            <a:pPr algn="just"/>
-            <a:endParaRPr lang="es-CO" dirty="0"/>
-          </a:p>
-          <a:p>
-            <a:pPr algn="just"/>
-            <a:r>
-              <a:rPr lang="es-CO" dirty="0"/>
-              <a:t>Un usuario al que se le contacta mediante un mensaje electrónico y se le hace mención sobre la necesidad de "verificar" una cuenta electrónica puede o bien contactar con la compañía que supuestamente le envía el mensaje, o puede escribir la dirección web de un sitio web seguro en la barra de direcciones de su navegador para evitar usar el enlace que aparece en el mensaje sospechoso de </a:t>
-            </a:r>
-            <a:r>
-              <a:rPr lang="es-CO" dirty="0" err="1"/>
-              <a:t>phishing</a:t>
-            </a:r>
-            <a:r>
-              <a:rPr lang="es-CO" dirty="0"/>
-              <a:t>. </a:t>
-            </a:r>
-          </a:p>
-          <a:p>
-            <a:pPr algn="just"/>
-            <a:endParaRPr lang="es-CO" dirty="0"/>
+              <a:rPr lang="es-CO" sz="1700" dirty="0"/>
+              <a:t>• Muchos de los usuarios no cambian la contraseña que viene predeterminada en muchos de los sistemas de seguridad. Listas de estas contraseñas están disponibles en el Internet. </a:t>
+            </a:r>
+          </a:p>
+          <a:p>
+            <a:endParaRPr lang="es-CO" sz="1700" dirty="0"/>
+          </a:p>
+          <a:p>
+            <a:r>
+              <a:rPr lang="es-CO" sz="1700" dirty="0"/>
+              <a:t>• Una contraseña puede ser determinada si un usuario elige como contraseña una pieza de información personal que sea fácil de descubrir (por ejemplo: número de ID de estudiante, el nombre del novio/a, el día de cumpleaños, número telefónico, etc.)</a:t>
+            </a:r>
+          </a:p>
+          <a:p>
+            <a:endParaRPr lang="es-CO" sz="1700" dirty="0"/>
+          </a:p>
+          <a:p>
+            <a:r>
+              <a:rPr lang="es-CO" sz="1700" dirty="0"/>
+              <a:t> •Una contraseña es vulnerable si puede ser encontrada en una lista. Los diccionarios (frecuentemente de forma electrónica) están disponibles en muchos lenguajes, y existen listas de contraseñas comunes. </a:t>
+            </a:r>
+          </a:p>
+          <a:p>
+            <a:endParaRPr lang="es-CO" sz="1700" dirty="0"/>
+          </a:p>
+          <a:p>
+            <a:r>
+              <a:rPr lang="es-CO" sz="1700" dirty="0"/>
+              <a:t>• En pruebas sobre sistemas en vivo, los ataques de diccionarios son rutinariamente acertados, por lo que el software implementado en este tipo de ataques ya se encuentra disponible para muchos sistemas. </a:t>
+            </a:r>
           </a:p>
         </p:txBody>
       </p:sp>
     </p:spTree>
     <p:extLst>
       <p:ext uri="{BB962C8B-B14F-4D97-AF65-F5344CB8AC3E}">
-        <p14:creationId xmlns:p14="http://schemas.microsoft.com/office/powerpoint/2010/main" val="2098920954"/>
+        <p14:creationId xmlns:p14="http://schemas.microsoft.com/office/powerpoint/2010/main" val="2588232827"/>
       </p:ext>
     </p:extLst>
   </p:cSld>
   <p:clrMapOvr>
     <a:masterClrMapping/>
   </p:clrMapOvr>
+  <mc:AlternateContent xmlns:mc="http://schemas.openxmlformats.org/markup-compatibility/2006">
+    <mc:Choice xmlns:p15="http://schemas.microsoft.com/office/powerpoint/2012/main" Requires="p15">
+      <p:transition xmlns:p14="http://schemas.microsoft.com/office/powerpoint/2010/main" spd="slow" p14:dur="2000">
+        <p15:prstTrans prst="crush"/>
+      </p:transition>
+    </mc:Choice>
+    <mc:Fallback>
+      <p:transition spd="slow">
+        <p:fade/>
+      </p:transition>
+    </mc:Fallback>
+  </mc:AlternateContent>
 </p:sld>
 </file>
 
@@ -8757,34 +8206,34 @@
         <a:sysClr val="window" lastClr="FFFFFF"/>
       </a:lt1>
       <a:dk2>
-        <a:srgbClr val="355071"/>
+        <a:srgbClr val="27537E"/>
       </a:dk2>
       <a:lt2>
         <a:srgbClr val="AABED7"/>
       </a:lt2>
       <a:accent1>
-        <a:srgbClr val="2FA3EE"/>
+        <a:srgbClr val="E34B7A"/>
       </a:accent1>
       <a:accent2>
-        <a:srgbClr val="4BCAAD"/>
+        <a:srgbClr val="AC339A"/>
       </a:accent2>
       <a:accent3>
-        <a:srgbClr val="86C157"/>
+        <a:srgbClr val="6953B7"/>
       </a:accent3>
       <a:accent4>
-        <a:srgbClr val="D99C3F"/>
+        <a:srgbClr val="1D7EAB"/>
       </a:accent4>
       <a:accent5>
-        <a:srgbClr val="CE6633"/>
+        <a:srgbClr val="43AFD6"/>
       </a:accent5>
       <a:accent6>
-        <a:srgbClr val="A35DD1"/>
+        <a:srgbClr val="DE85E1"/>
       </a:accent6>
       <a:hlink>
-        <a:srgbClr val="56BCFE"/>
+        <a:srgbClr val="ED87A6"/>
       </a:hlink>
       <a:folHlink>
-        <a:srgbClr val="97C5E3"/>
+        <a:srgbClr val="C99EAC"/>
       </a:folHlink>
     </a:clrScheme>
     <a:fontScheme name="Gota">
@@ -8980,18 +8429,18 @@
           <a:gsLst>
             <a:gs pos="0">
               <a:schemeClr val="phClr">
-                <a:tint val="84000"/>
+                <a:tint val="78000"/>
                 <a:shade val="100000"/>
-                <a:hueMod val="130000"/>
-                <a:satMod val="150000"/>
-                <a:lumMod val="112000"/>
+                <a:hueMod val="136000"/>
+                <a:satMod val="160000"/>
+                <a:lumMod val="105000"/>
               </a:schemeClr>
             </a:gs>
             <a:gs pos="100000">
               <a:schemeClr val="phClr">
                 <a:shade val="92000"/>
-                <a:satMod val="140000"/>
-                <a:lumMod val="110000"/>
+                <a:satMod val="170000"/>
+                <a:lumMod val="96000"/>
               </a:schemeClr>
             </a:gs>
           </a:gsLst>
@@ -9004,7 +8453,7 @@
   <a:extraClrSchemeLst/>
   <a:extLst>
     <a:ext uri="{05A4C25C-085E-4340-85A3-A5531E510DB2}">
-      <thm15:themeFamily xmlns:thm15="http://schemas.microsoft.com/office/thememl/2012/main" name="Droplet" id="{8984A317-299A-4E50-B45D-BFC9EDE2337A}" vid="{A633B6A3-9E7F-4C10-9C98-2517A3134361}"/>
+      <thm15:themeFamily xmlns:thm15="http://schemas.microsoft.com/office/thememl/2012/main" name="Droplet" id="{8984A317-299A-4E50-B45D-BFC9EDE2337A}" vid="{C71B277C-C29A-4BA0-A7BA-43502DF21AB3}"/>
     </a:ext>
   </a:extLst>
 </a:theme>
